--- a/image/ServoID.pptx
+++ b/image/ServoID.pptx
@@ -12980,7 +12980,7 @@
                 <a:latin typeface="メイリオ" panose="020B0604030504040204" pitchFamily="50" charset="-128"/>
                 <a:ea typeface="メイリオ" panose="020B0604030504040204" pitchFamily="50" charset="-128"/>
               </a:rPr>
-              <a:t>0~175</a:t>
+              <a:t>-28~175</a:t>
             </a:r>
             <a:endParaRPr lang="en-US" altLang="ja-JP" sz="1100" b="1" cap="none" spc="0" dirty="0">
               <a:ln w="0"/>
@@ -13208,7 +13208,7 @@
                 <a:latin typeface="メイリオ" panose="020B0604030504040204" pitchFamily="50" charset="-128"/>
                 <a:ea typeface="メイリオ" panose="020B0604030504040204" pitchFamily="50" charset="-128"/>
               </a:rPr>
-              <a:t>-175~0</a:t>
+              <a:t>-175~28</a:t>
             </a:r>
             <a:endParaRPr lang="en-US" altLang="ja-JP" sz="1100" b="1" cap="none" spc="0" dirty="0">
               <a:ln w="0"/>

--- a/image/ServoID.pptx
+++ b/image/ServoID.pptx
@@ -244,7 +244,7 @@
           <a:p>
             <a:fld id="{FCC28A27-0653-4C7C-88BB-86E1DD64537D}" type="datetimeFigureOut">
               <a:rPr kumimoji="1" lang="ja-JP" altLang="en-US" smtClean="0"/>
-              <a:t>2021/11/5</a:t>
+              <a:t>2021/11/22</a:t>
             </a:fld>
             <a:endParaRPr kumimoji="1" lang="ja-JP" altLang="en-US"/>
           </a:p>
@@ -446,7 +446,7 @@
           <a:p>
             <a:fld id="{FCC28A27-0653-4C7C-88BB-86E1DD64537D}" type="datetimeFigureOut">
               <a:rPr kumimoji="1" lang="ja-JP" altLang="en-US" smtClean="0"/>
-              <a:t>2021/11/5</a:t>
+              <a:t>2021/11/22</a:t>
             </a:fld>
             <a:endParaRPr kumimoji="1" lang="ja-JP" altLang="en-US"/>
           </a:p>
@@ -658,7 +658,7 @@
           <a:p>
             <a:fld id="{FCC28A27-0653-4C7C-88BB-86E1DD64537D}" type="datetimeFigureOut">
               <a:rPr kumimoji="1" lang="ja-JP" altLang="en-US" smtClean="0"/>
-              <a:t>2021/11/5</a:t>
+              <a:t>2021/11/22</a:t>
             </a:fld>
             <a:endParaRPr kumimoji="1" lang="ja-JP" altLang="en-US"/>
           </a:p>
@@ -860,7 +860,7 @@
           <a:p>
             <a:fld id="{FCC28A27-0653-4C7C-88BB-86E1DD64537D}" type="datetimeFigureOut">
               <a:rPr kumimoji="1" lang="ja-JP" altLang="en-US" smtClean="0"/>
-              <a:t>2021/11/5</a:t>
+              <a:t>2021/11/22</a:t>
             </a:fld>
             <a:endParaRPr kumimoji="1" lang="ja-JP" altLang="en-US"/>
           </a:p>
@@ -1104,7 +1104,7 @@
           <a:p>
             <a:fld id="{FCC28A27-0653-4C7C-88BB-86E1DD64537D}" type="datetimeFigureOut">
               <a:rPr kumimoji="1" lang="ja-JP" altLang="en-US" smtClean="0"/>
-              <a:t>2021/11/5</a:t>
+              <a:t>2021/11/22</a:t>
             </a:fld>
             <a:endParaRPr kumimoji="1" lang="ja-JP" altLang="en-US"/>
           </a:p>
@@ -1400,7 +1400,7 @@
           <a:p>
             <a:fld id="{FCC28A27-0653-4C7C-88BB-86E1DD64537D}" type="datetimeFigureOut">
               <a:rPr kumimoji="1" lang="ja-JP" altLang="en-US" smtClean="0"/>
-              <a:t>2021/11/5</a:t>
+              <a:t>2021/11/22</a:t>
             </a:fld>
             <a:endParaRPr kumimoji="1" lang="ja-JP" altLang="en-US"/>
           </a:p>
@@ -1831,7 +1831,7 @@
           <a:p>
             <a:fld id="{FCC28A27-0653-4C7C-88BB-86E1DD64537D}" type="datetimeFigureOut">
               <a:rPr kumimoji="1" lang="ja-JP" altLang="en-US" smtClean="0"/>
-              <a:t>2021/11/5</a:t>
+              <a:t>2021/11/22</a:t>
             </a:fld>
             <a:endParaRPr kumimoji="1" lang="ja-JP" altLang="en-US"/>
           </a:p>
@@ -1949,7 +1949,7 @@
           <a:p>
             <a:fld id="{FCC28A27-0653-4C7C-88BB-86E1DD64537D}" type="datetimeFigureOut">
               <a:rPr kumimoji="1" lang="ja-JP" altLang="en-US" smtClean="0"/>
-              <a:t>2021/11/5</a:t>
+              <a:t>2021/11/22</a:t>
             </a:fld>
             <a:endParaRPr kumimoji="1" lang="ja-JP" altLang="en-US"/>
           </a:p>
@@ -2044,7 +2044,7 @@
           <a:p>
             <a:fld id="{FCC28A27-0653-4C7C-88BB-86E1DD64537D}" type="datetimeFigureOut">
               <a:rPr kumimoji="1" lang="ja-JP" altLang="en-US" smtClean="0"/>
-              <a:t>2021/11/5</a:t>
+              <a:t>2021/11/22</a:t>
             </a:fld>
             <a:endParaRPr kumimoji="1" lang="ja-JP" altLang="en-US"/>
           </a:p>
@@ -2353,7 +2353,7 @@
           <a:p>
             <a:fld id="{FCC28A27-0653-4C7C-88BB-86E1DD64537D}" type="datetimeFigureOut">
               <a:rPr kumimoji="1" lang="ja-JP" altLang="en-US" smtClean="0"/>
-              <a:t>2021/11/5</a:t>
+              <a:t>2021/11/22</a:t>
             </a:fld>
             <a:endParaRPr kumimoji="1" lang="ja-JP" altLang="en-US"/>
           </a:p>
@@ -2610,7 +2610,7 @@
           <a:p>
             <a:fld id="{FCC28A27-0653-4C7C-88BB-86E1DD64537D}" type="datetimeFigureOut">
               <a:rPr kumimoji="1" lang="ja-JP" altLang="en-US" smtClean="0"/>
-              <a:t>2021/11/5</a:t>
+              <a:t>2021/11/22</a:t>
             </a:fld>
             <a:endParaRPr kumimoji="1" lang="ja-JP" altLang="en-US"/>
           </a:p>
@@ -2855,7 +2855,7 @@
           <a:p>
             <a:fld id="{FCC28A27-0653-4C7C-88BB-86E1DD64537D}" type="datetimeFigureOut">
               <a:rPr kumimoji="1" lang="ja-JP" altLang="en-US" smtClean="0"/>
-              <a:t>2021/11/5</a:t>
+              <a:t>2021/11/22</a:t>
             </a:fld>
             <a:endParaRPr kumimoji="1" lang="ja-JP" altLang="en-US"/>
           </a:p>
@@ -3274,6 +3274,135 @@
           <a:chExt cx="0" cy="0"/>
         </a:xfrm>
       </p:grpSpPr>
+      <p:sp>
+        <p:nvSpPr>
+          <p:cNvPr id="92" name="正方形/長方形 91">
+            <a:extLst>
+              <a:ext uri="{FF2B5EF4-FFF2-40B4-BE49-F238E27FC236}">
+                <a16:creationId xmlns:a16="http://schemas.microsoft.com/office/drawing/2014/main" id="{127E6B52-6AF5-4E16-BE28-38E605A36555}"/>
+              </a:ext>
+            </a:extLst>
+          </p:cNvPr>
+          <p:cNvSpPr/>
+          <p:nvPr/>
+        </p:nvSpPr>
+        <p:spPr>
+          <a:xfrm rot="10800000">
+            <a:off x="8229426" y="4713973"/>
+            <a:ext cx="726481" cy="1323439"/>
+          </a:xfrm>
+          <a:prstGeom prst="rect">
+            <a:avLst/>
+          </a:prstGeom>
+          <a:noFill/>
+        </p:spPr>
+        <p:txBody>
+          <a:bodyPr wrap="square" lIns="91440" tIns="45720" rIns="91440" bIns="45720">
+            <a:spAutoFit/>
+          </a:bodyPr>
+          <a:lstStyle/>
+          <a:p>
+            <a:pPr algn="ctr"/>
+            <a:r>
+              <a:rPr lang="ja-JP" altLang="en-US" sz="8000" b="0" cap="none" spc="0" dirty="0">
+                <a:ln w="0">
+                  <a:noFill/>
+                </a:ln>
+                <a:solidFill>
+                  <a:schemeClr val="accent2"/>
+                </a:solidFill>
+              </a:rPr>
+              <a:t>↺</a:t>
+            </a:r>
+          </a:p>
+        </p:txBody>
+      </p:sp>
+      <p:sp>
+        <p:nvSpPr>
+          <p:cNvPr id="90" name="正方形/長方形 89">
+            <a:extLst>
+              <a:ext uri="{FF2B5EF4-FFF2-40B4-BE49-F238E27FC236}">
+                <a16:creationId xmlns:a16="http://schemas.microsoft.com/office/drawing/2014/main" id="{1A05B044-E01C-451C-9BFE-67C58D79BC6F}"/>
+              </a:ext>
+            </a:extLst>
+          </p:cNvPr>
+          <p:cNvSpPr/>
+          <p:nvPr/>
+        </p:nvSpPr>
+        <p:spPr>
+          <a:xfrm rot="10800000">
+            <a:off x="8225843" y="5391642"/>
+            <a:ext cx="726481" cy="1323439"/>
+          </a:xfrm>
+          <a:prstGeom prst="rect">
+            <a:avLst/>
+          </a:prstGeom>
+          <a:noFill/>
+        </p:spPr>
+        <p:txBody>
+          <a:bodyPr wrap="square" lIns="91440" tIns="45720" rIns="91440" bIns="45720">
+            <a:spAutoFit/>
+          </a:bodyPr>
+          <a:lstStyle/>
+          <a:p>
+            <a:pPr algn="ctr"/>
+            <a:r>
+              <a:rPr lang="ja-JP" altLang="en-US" sz="8000" b="0" cap="none" spc="0" dirty="0">
+                <a:ln w="0">
+                  <a:noFill/>
+                </a:ln>
+                <a:solidFill>
+                  <a:schemeClr val="accent2"/>
+                </a:solidFill>
+              </a:rPr>
+              <a:t>↺</a:t>
+            </a:r>
+          </a:p>
+        </p:txBody>
+      </p:sp>
+      <p:sp>
+        <p:nvSpPr>
+          <p:cNvPr id="91" name="正方形/長方形 90">
+            <a:extLst>
+              <a:ext uri="{FF2B5EF4-FFF2-40B4-BE49-F238E27FC236}">
+                <a16:creationId xmlns:a16="http://schemas.microsoft.com/office/drawing/2014/main" id="{7CDAAEB6-F0BA-41BF-AEEF-998D5A90D429}"/>
+              </a:ext>
+            </a:extLst>
+          </p:cNvPr>
+          <p:cNvSpPr/>
+          <p:nvPr/>
+        </p:nvSpPr>
+        <p:spPr>
+          <a:xfrm rot="10800000">
+            <a:off x="8223754" y="6065572"/>
+            <a:ext cx="726481" cy="1323439"/>
+          </a:xfrm>
+          <a:prstGeom prst="rect">
+            <a:avLst/>
+          </a:prstGeom>
+          <a:noFill/>
+        </p:spPr>
+        <p:txBody>
+          <a:bodyPr wrap="square" lIns="91440" tIns="45720" rIns="91440" bIns="45720">
+            <a:spAutoFit/>
+          </a:bodyPr>
+          <a:lstStyle/>
+          <a:p>
+            <a:pPr algn="ctr"/>
+            <a:r>
+              <a:rPr lang="ja-JP" altLang="en-US" sz="8000" b="0" cap="none" spc="0" dirty="0">
+                <a:ln w="0">
+                  <a:noFill/>
+                </a:ln>
+                <a:solidFill>
+                  <a:schemeClr val="accent2"/>
+                </a:solidFill>
+              </a:rPr>
+              <a:t>↺</a:t>
+            </a:r>
+          </a:p>
+        </p:txBody>
+      </p:sp>
       <p:sp>
         <p:nvSpPr>
           <p:cNvPr id="109" name="正方形/長方形 108">
@@ -6051,7 +6180,7 @@
                     <a:schemeClr val="bg1"/>
                   </a:solidFill>
                 </a:rPr>
-                <a:t>④</a:t>
+                <a:t>⑬</a:t>
               </a:r>
               <a:endParaRPr lang="en-US" altLang="ja-JP" sz="3000" dirty="0">
                 <a:ln w="0">
@@ -6179,7 +6308,7 @@
                     <a:schemeClr val="bg1"/>
                   </a:solidFill>
                 </a:rPr>
-                <a:t>③</a:t>
+                <a:t>⑫</a:t>
               </a:r>
               <a:endParaRPr lang="en-US" altLang="ja-JP" sz="3000" dirty="0">
                 <a:ln w="0">
@@ -6307,7 +6436,7 @@
                     <a:schemeClr val="bg1"/>
                   </a:solidFill>
                 </a:rPr>
-                <a:t>②</a:t>
+                <a:t>⑪</a:t>
               </a:r>
               <a:endParaRPr lang="en-US" altLang="ja-JP" sz="3000" dirty="0">
                 <a:ln w="0">
@@ -6412,135 +6541,6 @@
                 <a:schemeClr val="accent2"/>
               </a:solidFill>
             </a:endParaRPr>
-          </a:p>
-        </p:txBody>
-      </p:sp>
-      <p:sp>
-        <p:nvSpPr>
-          <p:cNvPr id="90" name="正方形/長方形 89">
-            <a:extLst>
-              <a:ext uri="{FF2B5EF4-FFF2-40B4-BE49-F238E27FC236}">
-                <a16:creationId xmlns:a16="http://schemas.microsoft.com/office/drawing/2014/main" id="{1A05B044-E01C-451C-9BFE-67C58D79BC6F}"/>
-              </a:ext>
-            </a:extLst>
-          </p:cNvPr>
-          <p:cNvSpPr/>
-          <p:nvPr/>
-        </p:nvSpPr>
-        <p:spPr>
-          <a:xfrm rot="10800000">
-            <a:off x="8225843" y="5391642"/>
-            <a:ext cx="726481" cy="1323439"/>
-          </a:xfrm>
-          <a:prstGeom prst="rect">
-            <a:avLst/>
-          </a:prstGeom>
-          <a:noFill/>
-        </p:spPr>
-        <p:txBody>
-          <a:bodyPr wrap="square" lIns="91440" tIns="45720" rIns="91440" bIns="45720">
-            <a:spAutoFit/>
-          </a:bodyPr>
-          <a:lstStyle/>
-          <a:p>
-            <a:pPr algn="ctr"/>
-            <a:r>
-              <a:rPr lang="ja-JP" altLang="en-US" sz="8000" b="0" cap="none" spc="0" dirty="0">
-                <a:ln w="0">
-                  <a:noFill/>
-                </a:ln>
-                <a:solidFill>
-                  <a:schemeClr val="accent2"/>
-                </a:solidFill>
-              </a:rPr>
-              <a:t>↺</a:t>
-            </a:r>
-          </a:p>
-        </p:txBody>
-      </p:sp>
-      <p:sp>
-        <p:nvSpPr>
-          <p:cNvPr id="91" name="正方形/長方形 90">
-            <a:extLst>
-              <a:ext uri="{FF2B5EF4-FFF2-40B4-BE49-F238E27FC236}">
-                <a16:creationId xmlns:a16="http://schemas.microsoft.com/office/drawing/2014/main" id="{7CDAAEB6-F0BA-41BF-AEEF-998D5A90D429}"/>
-              </a:ext>
-            </a:extLst>
-          </p:cNvPr>
-          <p:cNvSpPr/>
-          <p:nvPr/>
-        </p:nvSpPr>
-        <p:spPr>
-          <a:xfrm rot="10800000">
-            <a:off x="8223754" y="6065572"/>
-            <a:ext cx="726481" cy="1323439"/>
-          </a:xfrm>
-          <a:prstGeom prst="rect">
-            <a:avLst/>
-          </a:prstGeom>
-          <a:noFill/>
-        </p:spPr>
-        <p:txBody>
-          <a:bodyPr wrap="square" lIns="91440" tIns="45720" rIns="91440" bIns="45720">
-            <a:spAutoFit/>
-          </a:bodyPr>
-          <a:lstStyle/>
-          <a:p>
-            <a:pPr algn="ctr"/>
-            <a:r>
-              <a:rPr lang="ja-JP" altLang="en-US" sz="8000" b="0" cap="none" spc="0" dirty="0">
-                <a:ln w="0">
-                  <a:noFill/>
-                </a:ln>
-                <a:solidFill>
-                  <a:schemeClr val="accent2"/>
-                </a:solidFill>
-              </a:rPr>
-              <a:t>↺</a:t>
-            </a:r>
-          </a:p>
-        </p:txBody>
-      </p:sp>
-      <p:sp>
-        <p:nvSpPr>
-          <p:cNvPr id="92" name="正方形/長方形 91">
-            <a:extLst>
-              <a:ext uri="{FF2B5EF4-FFF2-40B4-BE49-F238E27FC236}">
-                <a16:creationId xmlns:a16="http://schemas.microsoft.com/office/drawing/2014/main" id="{127E6B52-6AF5-4E16-BE28-38E605A36555}"/>
-              </a:ext>
-            </a:extLst>
-          </p:cNvPr>
-          <p:cNvSpPr/>
-          <p:nvPr/>
-        </p:nvSpPr>
-        <p:spPr>
-          <a:xfrm rot="10800000">
-            <a:off x="8229426" y="4713973"/>
-            <a:ext cx="726481" cy="1323439"/>
-          </a:xfrm>
-          <a:prstGeom prst="rect">
-            <a:avLst/>
-          </a:prstGeom>
-          <a:noFill/>
-        </p:spPr>
-        <p:txBody>
-          <a:bodyPr wrap="square" lIns="91440" tIns="45720" rIns="91440" bIns="45720">
-            <a:spAutoFit/>
-          </a:bodyPr>
-          <a:lstStyle/>
-          <a:p>
-            <a:pPr algn="ctr"/>
-            <a:r>
-              <a:rPr lang="ja-JP" altLang="en-US" sz="8000" b="0" cap="none" spc="0" dirty="0">
-                <a:ln w="0">
-                  <a:noFill/>
-                </a:ln>
-                <a:solidFill>
-                  <a:schemeClr val="accent2"/>
-                </a:solidFill>
-              </a:rPr>
-              <a:t>↺</a:t>
-            </a:r>
           </a:p>
         </p:txBody>
       </p:sp>
@@ -8809,6 +8809,135 @@
       </p:grpSpPr>
       <p:sp>
         <p:nvSpPr>
+          <p:cNvPr id="92" name="正方形/長方形 91">
+            <a:extLst>
+              <a:ext uri="{FF2B5EF4-FFF2-40B4-BE49-F238E27FC236}">
+                <a16:creationId xmlns:a16="http://schemas.microsoft.com/office/drawing/2014/main" id="{127E6B52-6AF5-4E16-BE28-38E605A36555}"/>
+              </a:ext>
+            </a:extLst>
+          </p:cNvPr>
+          <p:cNvSpPr/>
+          <p:nvPr/>
+        </p:nvSpPr>
+        <p:spPr>
+          <a:xfrm rot="10800000">
+            <a:off x="8229426" y="4713973"/>
+            <a:ext cx="726481" cy="1323439"/>
+          </a:xfrm>
+          <a:prstGeom prst="rect">
+            <a:avLst/>
+          </a:prstGeom>
+          <a:noFill/>
+        </p:spPr>
+        <p:txBody>
+          <a:bodyPr wrap="square" lIns="91440" tIns="45720" rIns="91440" bIns="45720">
+            <a:spAutoFit/>
+          </a:bodyPr>
+          <a:lstStyle/>
+          <a:p>
+            <a:pPr algn="ctr"/>
+            <a:r>
+              <a:rPr lang="ja-JP" altLang="en-US" sz="8000" b="0" cap="none" spc="0" dirty="0">
+                <a:ln w="0">
+                  <a:noFill/>
+                </a:ln>
+                <a:solidFill>
+                  <a:schemeClr val="accent2"/>
+                </a:solidFill>
+              </a:rPr>
+              <a:t>↺</a:t>
+            </a:r>
+          </a:p>
+        </p:txBody>
+      </p:sp>
+      <p:sp>
+        <p:nvSpPr>
+          <p:cNvPr id="90" name="正方形/長方形 89">
+            <a:extLst>
+              <a:ext uri="{FF2B5EF4-FFF2-40B4-BE49-F238E27FC236}">
+                <a16:creationId xmlns:a16="http://schemas.microsoft.com/office/drawing/2014/main" id="{1A05B044-E01C-451C-9BFE-67C58D79BC6F}"/>
+              </a:ext>
+            </a:extLst>
+          </p:cNvPr>
+          <p:cNvSpPr/>
+          <p:nvPr/>
+        </p:nvSpPr>
+        <p:spPr>
+          <a:xfrm rot="10800000">
+            <a:off x="8225843" y="5391642"/>
+            <a:ext cx="726481" cy="1323439"/>
+          </a:xfrm>
+          <a:prstGeom prst="rect">
+            <a:avLst/>
+          </a:prstGeom>
+          <a:noFill/>
+        </p:spPr>
+        <p:txBody>
+          <a:bodyPr wrap="square" lIns="91440" tIns="45720" rIns="91440" bIns="45720">
+            <a:spAutoFit/>
+          </a:bodyPr>
+          <a:lstStyle/>
+          <a:p>
+            <a:pPr algn="ctr"/>
+            <a:r>
+              <a:rPr lang="ja-JP" altLang="en-US" sz="8000" b="0" cap="none" spc="0" dirty="0">
+                <a:ln w="0">
+                  <a:noFill/>
+                </a:ln>
+                <a:solidFill>
+                  <a:schemeClr val="accent2"/>
+                </a:solidFill>
+              </a:rPr>
+              <a:t>↺</a:t>
+            </a:r>
+          </a:p>
+        </p:txBody>
+      </p:sp>
+      <p:sp>
+        <p:nvSpPr>
+          <p:cNvPr id="91" name="正方形/長方形 90">
+            <a:extLst>
+              <a:ext uri="{FF2B5EF4-FFF2-40B4-BE49-F238E27FC236}">
+                <a16:creationId xmlns:a16="http://schemas.microsoft.com/office/drawing/2014/main" id="{7CDAAEB6-F0BA-41BF-AEEF-998D5A90D429}"/>
+              </a:ext>
+            </a:extLst>
+          </p:cNvPr>
+          <p:cNvSpPr/>
+          <p:nvPr/>
+        </p:nvSpPr>
+        <p:spPr>
+          <a:xfrm rot="10800000">
+            <a:off x="8223754" y="6065572"/>
+            <a:ext cx="726481" cy="1323439"/>
+          </a:xfrm>
+          <a:prstGeom prst="rect">
+            <a:avLst/>
+          </a:prstGeom>
+          <a:noFill/>
+        </p:spPr>
+        <p:txBody>
+          <a:bodyPr wrap="square" lIns="91440" tIns="45720" rIns="91440" bIns="45720">
+            <a:spAutoFit/>
+          </a:bodyPr>
+          <a:lstStyle/>
+          <a:p>
+            <a:pPr algn="ctr"/>
+            <a:r>
+              <a:rPr lang="ja-JP" altLang="en-US" sz="8000" b="0" cap="none" spc="0" dirty="0">
+                <a:ln w="0">
+                  <a:noFill/>
+                </a:ln>
+                <a:solidFill>
+                  <a:schemeClr val="accent2"/>
+                </a:solidFill>
+              </a:rPr>
+              <a:t>↺</a:t>
+            </a:r>
+          </a:p>
+        </p:txBody>
+      </p:sp>
+      <p:sp>
+        <p:nvSpPr>
           <p:cNvPr id="109" name="正方形/長方形 108">
             <a:extLst>
               <a:ext uri="{FF2B5EF4-FFF2-40B4-BE49-F238E27FC236}">
@@ -11612,7 +11741,7 @@
                     <a:schemeClr val="bg1"/>
                   </a:solidFill>
                 </a:rPr>
-                <a:t>④</a:t>
+                <a:t>⑬</a:t>
               </a:r>
               <a:endParaRPr lang="en-US" altLang="ja-JP" sz="3000" dirty="0">
                 <a:ln w="0">
@@ -11740,7 +11869,7 @@
                     <a:schemeClr val="bg1"/>
                   </a:solidFill>
                 </a:rPr>
-                <a:t>③</a:t>
+                <a:t>⑫</a:t>
               </a:r>
               <a:endParaRPr lang="en-US" altLang="ja-JP" sz="3000" dirty="0">
                 <a:ln w="0">
@@ -11868,7 +11997,7 @@
                     <a:schemeClr val="bg1"/>
                   </a:solidFill>
                 </a:rPr>
-                <a:t>②</a:t>
+                <a:t>⑪</a:t>
               </a:r>
               <a:endParaRPr lang="en-US" altLang="ja-JP" sz="3000" dirty="0">
                 <a:ln w="0">
@@ -11973,135 +12102,6 @@
                 <a:schemeClr val="accent2"/>
               </a:solidFill>
             </a:endParaRPr>
-          </a:p>
-        </p:txBody>
-      </p:sp>
-      <p:sp>
-        <p:nvSpPr>
-          <p:cNvPr id="90" name="正方形/長方形 89">
-            <a:extLst>
-              <a:ext uri="{FF2B5EF4-FFF2-40B4-BE49-F238E27FC236}">
-                <a16:creationId xmlns:a16="http://schemas.microsoft.com/office/drawing/2014/main" id="{1A05B044-E01C-451C-9BFE-67C58D79BC6F}"/>
-              </a:ext>
-            </a:extLst>
-          </p:cNvPr>
-          <p:cNvSpPr/>
-          <p:nvPr/>
-        </p:nvSpPr>
-        <p:spPr>
-          <a:xfrm rot="10800000">
-            <a:off x="8225843" y="5391642"/>
-            <a:ext cx="726481" cy="1323439"/>
-          </a:xfrm>
-          <a:prstGeom prst="rect">
-            <a:avLst/>
-          </a:prstGeom>
-          <a:noFill/>
-        </p:spPr>
-        <p:txBody>
-          <a:bodyPr wrap="square" lIns="91440" tIns="45720" rIns="91440" bIns="45720">
-            <a:spAutoFit/>
-          </a:bodyPr>
-          <a:lstStyle/>
-          <a:p>
-            <a:pPr algn="ctr"/>
-            <a:r>
-              <a:rPr lang="ja-JP" altLang="en-US" sz="8000" b="0" cap="none" spc="0" dirty="0">
-                <a:ln w="0">
-                  <a:noFill/>
-                </a:ln>
-                <a:solidFill>
-                  <a:schemeClr val="accent2"/>
-                </a:solidFill>
-              </a:rPr>
-              <a:t>↺</a:t>
-            </a:r>
-          </a:p>
-        </p:txBody>
-      </p:sp>
-      <p:sp>
-        <p:nvSpPr>
-          <p:cNvPr id="91" name="正方形/長方形 90">
-            <a:extLst>
-              <a:ext uri="{FF2B5EF4-FFF2-40B4-BE49-F238E27FC236}">
-                <a16:creationId xmlns:a16="http://schemas.microsoft.com/office/drawing/2014/main" id="{7CDAAEB6-F0BA-41BF-AEEF-998D5A90D429}"/>
-              </a:ext>
-            </a:extLst>
-          </p:cNvPr>
-          <p:cNvSpPr/>
-          <p:nvPr/>
-        </p:nvSpPr>
-        <p:spPr>
-          <a:xfrm rot="10800000">
-            <a:off x="8223754" y="6065572"/>
-            <a:ext cx="726481" cy="1323439"/>
-          </a:xfrm>
-          <a:prstGeom prst="rect">
-            <a:avLst/>
-          </a:prstGeom>
-          <a:noFill/>
-        </p:spPr>
-        <p:txBody>
-          <a:bodyPr wrap="square" lIns="91440" tIns="45720" rIns="91440" bIns="45720">
-            <a:spAutoFit/>
-          </a:bodyPr>
-          <a:lstStyle/>
-          <a:p>
-            <a:pPr algn="ctr"/>
-            <a:r>
-              <a:rPr lang="ja-JP" altLang="en-US" sz="8000" b="0" cap="none" spc="0" dirty="0">
-                <a:ln w="0">
-                  <a:noFill/>
-                </a:ln>
-                <a:solidFill>
-                  <a:schemeClr val="accent2"/>
-                </a:solidFill>
-              </a:rPr>
-              <a:t>↺</a:t>
-            </a:r>
-          </a:p>
-        </p:txBody>
-      </p:sp>
-      <p:sp>
-        <p:nvSpPr>
-          <p:cNvPr id="92" name="正方形/長方形 91">
-            <a:extLst>
-              <a:ext uri="{FF2B5EF4-FFF2-40B4-BE49-F238E27FC236}">
-                <a16:creationId xmlns:a16="http://schemas.microsoft.com/office/drawing/2014/main" id="{127E6B52-6AF5-4E16-BE28-38E605A36555}"/>
-              </a:ext>
-            </a:extLst>
-          </p:cNvPr>
-          <p:cNvSpPr/>
-          <p:nvPr/>
-        </p:nvSpPr>
-        <p:spPr>
-          <a:xfrm rot="10800000">
-            <a:off x="8229426" y="4713973"/>
-            <a:ext cx="726481" cy="1323439"/>
-          </a:xfrm>
-          <a:prstGeom prst="rect">
-            <a:avLst/>
-          </a:prstGeom>
-          <a:noFill/>
-        </p:spPr>
-        <p:txBody>
-          <a:bodyPr wrap="square" lIns="91440" tIns="45720" rIns="91440" bIns="45720">
-            <a:spAutoFit/>
-          </a:bodyPr>
-          <a:lstStyle/>
-          <a:p>
-            <a:pPr algn="ctr"/>
-            <a:r>
-              <a:rPr lang="ja-JP" altLang="en-US" sz="8000" b="0" cap="none" spc="0" dirty="0">
-                <a:ln w="0">
-                  <a:noFill/>
-                </a:ln>
-                <a:solidFill>
-                  <a:schemeClr val="accent2"/>
-                </a:solidFill>
-              </a:rPr>
-              <a:t>↺</a:t>
-            </a:r>
           </a:p>
         </p:txBody>
       </p:sp>

--- a/image/ServoID.pptx
+++ b/image/ServoID.pptx
@@ -7,6 +7,7 @@
   <p:sldIdLst>
     <p:sldId id="256" r:id="rId2"/>
     <p:sldId id="257" r:id="rId3"/>
+    <p:sldId id="258" r:id="rId4"/>
   </p:sldIdLst>
   <p:sldSz cx="10691813" cy="7559675"/>
   <p:notesSz cx="6858000" cy="9144000"/>
@@ -244,7 +245,7 @@
           <a:p>
             <a:fld id="{FCC28A27-0653-4C7C-88BB-86E1DD64537D}" type="datetimeFigureOut">
               <a:rPr kumimoji="1" lang="ja-JP" altLang="en-US" smtClean="0"/>
-              <a:t>2021/11/22</a:t>
+              <a:t>2022/5/23</a:t>
             </a:fld>
             <a:endParaRPr kumimoji="1" lang="ja-JP" altLang="en-US"/>
           </a:p>
@@ -446,7 +447,7 @@
           <a:p>
             <a:fld id="{FCC28A27-0653-4C7C-88BB-86E1DD64537D}" type="datetimeFigureOut">
               <a:rPr kumimoji="1" lang="ja-JP" altLang="en-US" smtClean="0"/>
-              <a:t>2021/11/22</a:t>
+              <a:t>2022/5/23</a:t>
             </a:fld>
             <a:endParaRPr kumimoji="1" lang="ja-JP" altLang="en-US"/>
           </a:p>
@@ -658,7 +659,7 @@
           <a:p>
             <a:fld id="{FCC28A27-0653-4C7C-88BB-86E1DD64537D}" type="datetimeFigureOut">
               <a:rPr kumimoji="1" lang="ja-JP" altLang="en-US" smtClean="0"/>
-              <a:t>2021/11/22</a:t>
+              <a:t>2022/5/23</a:t>
             </a:fld>
             <a:endParaRPr kumimoji="1" lang="ja-JP" altLang="en-US"/>
           </a:p>
@@ -860,7 +861,7 @@
           <a:p>
             <a:fld id="{FCC28A27-0653-4C7C-88BB-86E1DD64537D}" type="datetimeFigureOut">
               <a:rPr kumimoji="1" lang="ja-JP" altLang="en-US" smtClean="0"/>
-              <a:t>2021/11/22</a:t>
+              <a:t>2022/5/23</a:t>
             </a:fld>
             <a:endParaRPr kumimoji="1" lang="ja-JP" altLang="en-US"/>
           </a:p>
@@ -1104,7 +1105,7 @@
           <a:p>
             <a:fld id="{FCC28A27-0653-4C7C-88BB-86E1DD64537D}" type="datetimeFigureOut">
               <a:rPr kumimoji="1" lang="ja-JP" altLang="en-US" smtClean="0"/>
-              <a:t>2021/11/22</a:t>
+              <a:t>2022/5/23</a:t>
             </a:fld>
             <a:endParaRPr kumimoji="1" lang="ja-JP" altLang="en-US"/>
           </a:p>
@@ -1400,7 +1401,7 @@
           <a:p>
             <a:fld id="{FCC28A27-0653-4C7C-88BB-86E1DD64537D}" type="datetimeFigureOut">
               <a:rPr kumimoji="1" lang="ja-JP" altLang="en-US" smtClean="0"/>
-              <a:t>2021/11/22</a:t>
+              <a:t>2022/5/23</a:t>
             </a:fld>
             <a:endParaRPr kumimoji="1" lang="ja-JP" altLang="en-US"/>
           </a:p>
@@ -1831,7 +1832,7 @@
           <a:p>
             <a:fld id="{FCC28A27-0653-4C7C-88BB-86E1DD64537D}" type="datetimeFigureOut">
               <a:rPr kumimoji="1" lang="ja-JP" altLang="en-US" smtClean="0"/>
-              <a:t>2021/11/22</a:t>
+              <a:t>2022/5/23</a:t>
             </a:fld>
             <a:endParaRPr kumimoji="1" lang="ja-JP" altLang="en-US"/>
           </a:p>
@@ -1949,7 +1950,7 @@
           <a:p>
             <a:fld id="{FCC28A27-0653-4C7C-88BB-86E1DD64537D}" type="datetimeFigureOut">
               <a:rPr kumimoji="1" lang="ja-JP" altLang="en-US" smtClean="0"/>
-              <a:t>2021/11/22</a:t>
+              <a:t>2022/5/23</a:t>
             </a:fld>
             <a:endParaRPr kumimoji="1" lang="ja-JP" altLang="en-US"/>
           </a:p>
@@ -2044,7 +2045,7 @@
           <a:p>
             <a:fld id="{FCC28A27-0653-4C7C-88BB-86E1DD64537D}" type="datetimeFigureOut">
               <a:rPr kumimoji="1" lang="ja-JP" altLang="en-US" smtClean="0"/>
-              <a:t>2021/11/22</a:t>
+              <a:t>2022/5/23</a:t>
             </a:fld>
             <a:endParaRPr kumimoji="1" lang="ja-JP" altLang="en-US"/>
           </a:p>
@@ -2353,7 +2354,7 @@
           <a:p>
             <a:fld id="{FCC28A27-0653-4C7C-88BB-86E1DD64537D}" type="datetimeFigureOut">
               <a:rPr kumimoji="1" lang="ja-JP" altLang="en-US" smtClean="0"/>
-              <a:t>2021/11/22</a:t>
+              <a:t>2022/5/23</a:t>
             </a:fld>
             <a:endParaRPr kumimoji="1" lang="ja-JP" altLang="en-US"/>
           </a:p>
@@ -2610,7 +2611,7 @@
           <a:p>
             <a:fld id="{FCC28A27-0653-4C7C-88BB-86E1DD64537D}" type="datetimeFigureOut">
               <a:rPr kumimoji="1" lang="ja-JP" altLang="en-US" smtClean="0"/>
-              <a:t>2021/11/22</a:t>
+              <a:t>2022/5/23</a:t>
             </a:fld>
             <a:endParaRPr kumimoji="1" lang="ja-JP" altLang="en-US"/>
           </a:p>
@@ -2855,7 +2856,7 @@
           <a:p>
             <a:fld id="{FCC28A27-0653-4C7C-88BB-86E1DD64537D}" type="datetimeFigureOut">
               <a:rPr kumimoji="1" lang="ja-JP" altLang="en-US" smtClean="0"/>
-              <a:t>2021/11/22</a:t>
+              <a:t>2022/5/23</a:t>
             </a:fld>
             <a:endParaRPr kumimoji="1" lang="ja-JP" altLang="en-US"/>
           </a:p>
@@ -14658,6 +14659,5629 @@
 </p:sld>
 </file>
 
+<file path=ppt/slides/slide3.xml><?xml version="1.0" encoding="utf-8"?>
+<p:sld xmlns:a="http://schemas.openxmlformats.org/drawingml/2006/main" xmlns:r="http://schemas.openxmlformats.org/officeDocument/2006/relationships" xmlns:p="http://schemas.openxmlformats.org/presentationml/2006/main">
+  <p:cSld>
+    <p:spTree>
+      <p:nvGrpSpPr>
+        <p:cNvPr id="1" name=""/>
+        <p:cNvGrpSpPr/>
+        <p:nvPr/>
+      </p:nvGrpSpPr>
+      <p:grpSpPr>
+        <a:xfrm>
+          <a:off x="0" y="0"/>
+          <a:ext cx="0" cy="0"/>
+          <a:chOff x="0" y="0"/>
+          <a:chExt cx="0" cy="0"/>
+        </a:xfrm>
+      </p:grpSpPr>
+      <p:pic>
+        <p:nvPicPr>
+          <p:cNvPr id="5" name="図 4" descr="ダイアグラム, 設計図&#10;&#10;自動的に生成された説明">
+            <a:extLst>
+              <a:ext uri="{FF2B5EF4-FFF2-40B4-BE49-F238E27FC236}">
+                <a16:creationId xmlns:a16="http://schemas.microsoft.com/office/drawing/2014/main" id="{FF085CD7-AC27-CF6A-09C5-7D8DC5E81842}"/>
+              </a:ext>
+            </a:extLst>
+          </p:cNvPr>
+          <p:cNvPicPr>
+            <a:picLocks noChangeAspect="1"/>
+          </p:cNvPicPr>
+          <p:nvPr/>
+        </p:nvPicPr>
+        <p:blipFill>
+          <a:blip r:embed="rId2">
+            <a:extLst>
+              <a:ext uri="{28A0092B-C50C-407E-A947-70E740481C1C}">
+                <a14:useLocalDpi xmlns:a14="http://schemas.microsoft.com/office/drawing/2010/main" val="0"/>
+              </a:ext>
+            </a:extLst>
+          </a:blip>
+          <a:stretch>
+            <a:fillRect/>
+          </a:stretch>
+        </p:blipFill>
+        <p:spPr>
+          <a:xfrm>
+            <a:off x="0" y="1819"/>
+            <a:ext cx="10691813" cy="7556036"/>
+          </a:xfrm>
+          <a:prstGeom prst="rect">
+            <a:avLst/>
+          </a:prstGeom>
+        </p:spPr>
+      </p:pic>
+      <p:sp>
+        <p:nvSpPr>
+          <p:cNvPr id="6" name="正方形/長方形 5">
+            <a:extLst>
+              <a:ext uri="{FF2B5EF4-FFF2-40B4-BE49-F238E27FC236}">
+                <a16:creationId xmlns:a16="http://schemas.microsoft.com/office/drawing/2014/main" id="{EEAB29ED-DC9D-D409-9357-DEC1058FDB9F}"/>
+              </a:ext>
+            </a:extLst>
+          </p:cNvPr>
+          <p:cNvSpPr/>
+          <p:nvPr/>
+        </p:nvSpPr>
+        <p:spPr>
+          <a:xfrm rot="10800000">
+            <a:off x="8229426" y="4713973"/>
+            <a:ext cx="726481" cy="1323439"/>
+          </a:xfrm>
+          <a:prstGeom prst="rect">
+            <a:avLst/>
+          </a:prstGeom>
+          <a:noFill/>
+        </p:spPr>
+        <p:txBody>
+          <a:bodyPr wrap="square" lIns="91440" tIns="45720" rIns="91440" bIns="45720">
+            <a:spAutoFit/>
+          </a:bodyPr>
+          <a:lstStyle/>
+          <a:p>
+            <a:pPr algn="ctr"/>
+            <a:r>
+              <a:rPr lang="ja-JP" altLang="en-US" sz="8000" b="0" cap="none" spc="0" dirty="0">
+                <a:ln w="0">
+                  <a:noFill/>
+                </a:ln>
+                <a:solidFill>
+                  <a:schemeClr val="accent2"/>
+                </a:solidFill>
+              </a:rPr>
+              <a:t>↺</a:t>
+            </a:r>
+          </a:p>
+        </p:txBody>
+      </p:sp>
+      <p:sp>
+        <p:nvSpPr>
+          <p:cNvPr id="7" name="正方形/長方形 6">
+            <a:extLst>
+              <a:ext uri="{FF2B5EF4-FFF2-40B4-BE49-F238E27FC236}">
+                <a16:creationId xmlns:a16="http://schemas.microsoft.com/office/drawing/2014/main" id="{3C77C2E5-5579-D68D-4D30-78BE581EF521}"/>
+              </a:ext>
+            </a:extLst>
+          </p:cNvPr>
+          <p:cNvSpPr/>
+          <p:nvPr/>
+        </p:nvSpPr>
+        <p:spPr>
+          <a:xfrm rot="10800000">
+            <a:off x="8225843" y="5391642"/>
+            <a:ext cx="726481" cy="1323439"/>
+          </a:xfrm>
+          <a:prstGeom prst="rect">
+            <a:avLst/>
+          </a:prstGeom>
+          <a:noFill/>
+        </p:spPr>
+        <p:txBody>
+          <a:bodyPr wrap="square" lIns="91440" tIns="45720" rIns="91440" bIns="45720">
+            <a:spAutoFit/>
+          </a:bodyPr>
+          <a:lstStyle/>
+          <a:p>
+            <a:pPr algn="ctr"/>
+            <a:r>
+              <a:rPr lang="ja-JP" altLang="en-US" sz="8000" b="0" cap="none" spc="0" dirty="0">
+                <a:ln w="0">
+                  <a:noFill/>
+                </a:ln>
+                <a:solidFill>
+                  <a:schemeClr val="accent2"/>
+                </a:solidFill>
+              </a:rPr>
+              <a:t>↺</a:t>
+            </a:r>
+          </a:p>
+        </p:txBody>
+      </p:sp>
+      <p:sp>
+        <p:nvSpPr>
+          <p:cNvPr id="8" name="正方形/長方形 7">
+            <a:extLst>
+              <a:ext uri="{FF2B5EF4-FFF2-40B4-BE49-F238E27FC236}">
+                <a16:creationId xmlns:a16="http://schemas.microsoft.com/office/drawing/2014/main" id="{7983174E-0049-196C-6AB5-B791DA416600}"/>
+              </a:ext>
+            </a:extLst>
+          </p:cNvPr>
+          <p:cNvSpPr/>
+          <p:nvPr/>
+        </p:nvSpPr>
+        <p:spPr>
+          <a:xfrm>
+            <a:off x="6019249" y="4703390"/>
+            <a:ext cx="1031051" cy="461665"/>
+          </a:xfrm>
+          <a:prstGeom prst="rect">
+            <a:avLst/>
+          </a:prstGeom>
+          <a:noFill/>
+        </p:spPr>
+        <p:txBody>
+          <a:bodyPr wrap="none" lIns="91440" tIns="45720" rIns="91440" bIns="45720">
+            <a:spAutoFit/>
+          </a:bodyPr>
+          <a:lstStyle/>
+          <a:p>
+            <a:pPr algn="ctr"/>
+            <a:r>
+              <a:rPr lang="ja-JP" altLang="en-US" sz="2400" b="1" dirty="0">
+                <a:ln w="0"/>
+                <a:solidFill>
+                  <a:srgbClr val="F85EA7"/>
+                </a:solidFill>
+                <a:latin typeface="メイリオ" panose="020B0604030504040204" pitchFamily="50" charset="-128"/>
+                <a:ea typeface="メイリオ" panose="020B0604030504040204" pitchFamily="50" charset="-128"/>
+              </a:rPr>
+              <a:t>左股</a:t>
+            </a:r>
+            <a:r>
+              <a:rPr lang="en-US" altLang="ja-JP" sz="2400" b="1" dirty="0">
+                <a:ln w="0"/>
+                <a:solidFill>
+                  <a:srgbClr val="F85EA7"/>
+                </a:solidFill>
+                <a:latin typeface="メイリオ" panose="020B0604030504040204" pitchFamily="50" charset="-128"/>
+                <a:ea typeface="メイリオ" panose="020B0604030504040204" pitchFamily="50" charset="-128"/>
+              </a:rPr>
+              <a:t>R</a:t>
+            </a:r>
+            <a:endParaRPr lang="en-US" altLang="ja-JP" sz="2400" b="1" cap="none" spc="0" dirty="0">
+              <a:ln w="0"/>
+              <a:solidFill>
+                <a:srgbClr val="F85EA7"/>
+              </a:solidFill>
+              <a:latin typeface="メイリオ" panose="020B0604030504040204" pitchFamily="50" charset="-128"/>
+              <a:ea typeface="メイリオ" panose="020B0604030504040204" pitchFamily="50" charset="-128"/>
+            </a:endParaRPr>
+          </a:p>
+        </p:txBody>
+      </p:sp>
+      <p:sp>
+        <p:nvSpPr>
+          <p:cNvPr id="9" name="正方形/長方形 8">
+            <a:extLst>
+              <a:ext uri="{FF2B5EF4-FFF2-40B4-BE49-F238E27FC236}">
+                <a16:creationId xmlns:a16="http://schemas.microsoft.com/office/drawing/2014/main" id="{99B81A20-DBEB-60FF-D28A-90BB8BA536A3}"/>
+              </a:ext>
+            </a:extLst>
+          </p:cNvPr>
+          <p:cNvSpPr/>
+          <p:nvPr/>
+        </p:nvSpPr>
+        <p:spPr>
+          <a:xfrm>
+            <a:off x="6019249" y="6422451"/>
+            <a:ext cx="1338828" cy="461665"/>
+          </a:xfrm>
+          <a:prstGeom prst="rect">
+            <a:avLst/>
+          </a:prstGeom>
+          <a:noFill/>
+        </p:spPr>
+        <p:txBody>
+          <a:bodyPr wrap="none" lIns="91440" tIns="45720" rIns="91440" bIns="45720">
+            <a:spAutoFit/>
+          </a:bodyPr>
+          <a:lstStyle/>
+          <a:p>
+            <a:pPr algn="ctr"/>
+            <a:r>
+              <a:rPr lang="ja-JP" altLang="en-US" sz="2400" b="1" dirty="0">
+                <a:ln w="0"/>
+                <a:solidFill>
+                  <a:srgbClr val="F85EA7"/>
+                </a:solidFill>
+                <a:latin typeface="メイリオ" panose="020B0604030504040204" pitchFamily="50" charset="-128"/>
+                <a:ea typeface="メイリオ" panose="020B0604030504040204" pitchFamily="50" charset="-128"/>
+              </a:rPr>
+              <a:t>左足首</a:t>
+            </a:r>
+            <a:r>
+              <a:rPr lang="en-US" altLang="ja-JP" sz="2400" b="1" dirty="0">
+                <a:ln w="0"/>
+                <a:solidFill>
+                  <a:srgbClr val="F85EA7"/>
+                </a:solidFill>
+                <a:latin typeface="メイリオ" panose="020B0604030504040204" pitchFamily="50" charset="-128"/>
+                <a:ea typeface="メイリオ" panose="020B0604030504040204" pitchFamily="50" charset="-128"/>
+              </a:rPr>
+              <a:t>R</a:t>
+            </a:r>
+            <a:endParaRPr lang="en-US" altLang="ja-JP" sz="2400" b="1" cap="none" spc="0" dirty="0">
+              <a:ln w="0"/>
+              <a:solidFill>
+                <a:srgbClr val="F85EA7"/>
+              </a:solidFill>
+              <a:latin typeface="メイリオ" panose="020B0604030504040204" pitchFamily="50" charset="-128"/>
+              <a:ea typeface="メイリオ" panose="020B0604030504040204" pitchFamily="50" charset="-128"/>
+            </a:endParaRPr>
+          </a:p>
+        </p:txBody>
+      </p:sp>
+      <p:grpSp>
+        <p:nvGrpSpPr>
+          <p:cNvPr id="10" name="グループ化 9">
+            <a:extLst>
+              <a:ext uri="{FF2B5EF4-FFF2-40B4-BE49-F238E27FC236}">
+                <a16:creationId xmlns:a16="http://schemas.microsoft.com/office/drawing/2014/main" id="{587B2182-C054-5437-4064-1DBCCD7405F3}"/>
+              </a:ext>
+            </a:extLst>
+          </p:cNvPr>
+          <p:cNvGrpSpPr/>
+          <p:nvPr/>
+        </p:nvGrpSpPr>
+        <p:grpSpPr>
+          <a:xfrm>
+            <a:off x="4425113" y="3114825"/>
+            <a:ext cx="540434" cy="553998"/>
+            <a:chOff x="5713782" y="3414471"/>
+            <a:chExt cx="540434" cy="553998"/>
+          </a:xfrm>
+        </p:grpSpPr>
+        <p:sp>
+          <p:nvSpPr>
+            <p:cNvPr id="11" name="楕円 10">
+              <a:extLst>
+                <a:ext uri="{FF2B5EF4-FFF2-40B4-BE49-F238E27FC236}">
+                  <a16:creationId xmlns:a16="http://schemas.microsoft.com/office/drawing/2014/main" id="{44E5B431-1F79-409D-ED32-73525B255456}"/>
+                </a:ext>
+              </a:extLst>
+            </p:cNvPr>
+            <p:cNvSpPr>
+              <a:spLocks noChangeAspect="1"/>
+            </p:cNvSpPr>
+            <p:nvPr/>
+          </p:nvSpPr>
+          <p:spPr>
+            <a:xfrm>
+              <a:off x="5803999" y="3488577"/>
+              <a:ext cx="360000" cy="360000"/>
+            </a:xfrm>
+            <a:prstGeom prst="ellipse">
+              <a:avLst/>
+            </a:prstGeom>
+            <a:solidFill>
+              <a:srgbClr val="F85EA7"/>
+            </a:solidFill>
+            <a:ln w="38100">
+              <a:solidFill>
+                <a:srgbClr val="F85EA7"/>
+              </a:solidFill>
+            </a:ln>
+          </p:spPr>
+          <p:style>
+            <a:lnRef idx="2">
+              <a:schemeClr val="accent1">
+                <a:shade val="50000"/>
+              </a:schemeClr>
+            </a:lnRef>
+            <a:fillRef idx="1">
+              <a:schemeClr val="accent1"/>
+            </a:fillRef>
+            <a:effectRef idx="0">
+              <a:schemeClr val="accent1"/>
+            </a:effectRef>
+            <a:fontRef idx="minor">
+              <a:schemeClr val="lt1"/>
+            </a:fontRef>
+          </p:style>
+          <p:txBody>
+            <a:bodyPr rtlCol="0" anchor="ctr"/>
+            <a:lstStyle/>
+            <a:p>
+              <a:pPr algn="dist"/>
+              <a:endParaRPr kumimoji="1" lang="ja-JP" altLang="en-US" dirty="0"/>
+            </a:p>
+          </p:txBody>
+        </p:sp>
+        <p:sp>
+          <p:nvSpPr>
+            <p:cNvPr id="12" name="正方形/長方形 11">
+              <a:extLst>
+                <a:ext uri="{FF2B5EF4-FFF2-40B4-BE49-F238E27FC236}">
+                  <a16:creationId xmlns:a16="http://schemas.microsoft.com/office/drawing/2014/main" id="{21954351-C3B4-22DE-1009-7FC325F33BBD}"/>
+                </a:ext>
+              </a:extLst>
+            </p:cNvPr>
+            <p:cNvSpPr/>
+            <p:nvPr/>
+          </p:nvSpPr>
+          <p:spPr>
+            <a:xfrm>
+              <a:off x="5713782" y="3414471"/>
+              <a:ext cx="540434" cy="553998"/>
+            </a:xfrm>
+            <a:prstGeom prst="rect">
+              <a:avLst/>
+            </a:prstGeom>
+            <a:noFill/>
+          </p:spPr>
+          <p:txBody>
+            <a:bodyPr wrap="square" lIns="91440" tIns="45720" rIns="91440" bIns="45720">
+              <a:spAutoFit/>
+            </a:bodyPr>
+            <a:lstStyle/>
+            <a:p>
+              <a:pPr algn="ctr"/>
+              <a:r>
+                <a:rPr lang="ja-JP" altLang="en-US" sz="3000" b="0" cap="none" spc="0" dirty="0">
+                  <a:ln w="0">
+                    <a:noFill/>
+                  </a:ln>
+                  <a:solidFill>
+                    <a:schemeClr val="bg1"/>
+                  </a:solidFill>
+                </a:rPr>
+                <a:t>⑧</a:t>
+              </a:r>
+            </a:p>
+          </p:txBody>
+        </p:sp>
+      </p:grpSp>
+      <p:grpSp>
+        <p:nvGrpSpPr>
+          <p:cNvPr id="13" name="グループ化 12">
+            <a:extLst>
+              <a:ext uri="{FF2B5EF4-FFF2-40B4-BE49-F238E27FC236}">
+                <a16:creationId xmlns:a16="http://schemas.microsoft.com/office/drawing/2014/main" id="{3E6EBD06-9F5C-42BD-6DB1-A525683B9BEF}"/>
+              </a:ext>
+            </a:extLst>
+          </p:cNvPr>
+          <p:cNvGrpSpPr/>
+          <p:nvPr/>
+        </p:nvGrpSpPr>
+        <p:grpSpPr>
+          <a:xfrm>
+            <a:off x="5104828" y="3117357"/>
+            <a:ext cx="540434" cy="553998"/>
+            <a:chOff x="5713782" y="3414471"/>
+            <a:chExt cx="540434" cy="553998"/>
+          </a:xfrm>
+        </p:grpSpPr>
+        <p:sp>
+          <p:nvSpPr>
+            <p:cNvPr id="14" name="楕円 13">
+              <a:extLst>
+                <a:ext uri="{FF2B5EF4-FFF2-40B4-BE49-F238E27FC236}">
+                  <a16:creationId xmlns:a16="http://schemas.microsoft.com/office/drawing/2014/main" id="{2AA6FF0B-1378-A7EF-5E82-748BD39583E4}"/>
+                </a:ext>
+              </a:extLst>
+            </p:cNvPr>
+            <p:cNvSpPr>
+              <a:spLocks noChangeAspect="1"/>
+            </p:cNvSpPr>
+            <p:nvPr/>
+          </p:nvSpPr>
+          <p:spPr>
+            <a:xfrm>
+              <a:off x="5803999" y="3488577"/>
+              <a:ext cx="360000" cy="360000"/>
+            </a:xfrm>
+            <a:prstGeom prst="ellipse">
+              <a:avLst/>
+            </a:prstGeom>
+            <a:solidFill>
+              <a:schemeClr val="accent1"/>
+            </a:solidFill>
+            <a:ln w="38100">
+              <a:solidFill>
+                <a:schemeClr val="accent1"/>
+              </a:solidFill>
+            </a:ln>
+          </p:spPr>
+          <p:style>
+            <a:lnRef idx="2">
+              <a:schemeClr val="accent1">
+                <a:shade val="50000"/>
+              </a:schemeClr>
+            </a:lnRef>
+            <a:fillRef idx="1">
+              <a:schemeClr val="accent1"/>
+            </a:fillRef>
+            <a:effectRef idx="0">
+              <a:schemeClr val="accent1"/>
+            </a:effectRef>
+            <a:fontRef idx="minor">
+              <a:schemeClr val="lt1"/>
+            </a:fontRef>
+          </p:style>
+          <p:txBody>
+            <a:bodyPr rtlCol="0" anchor="ctr"/>
+            <a:lstStyle/>
+            <a:p>
+              <a:pPr algn="dist"/>
+              <a:endParaRPr kumimoji="1" lang="ja-JP" altLang="en-US" dirty="0"/>
+            </a:p>
+          </p:txBody>
+        </p:sp>
+        <p:sp>
+          <p:nvSpPr>
+            <p:cNvPr id="15" name="正方形/長方形 14">
+              <a:extLst>
+                <a:ext uri="{FF2B5EF4-FFF2-40B4-BE49-F238E27FC236}">
+                  <a16:creationId xmlns:a16="http://schemas.microsoft.com/office/drawing/2014/main" id="{4F48A784-E9E5-DAC7-1E17-43B19E6456DD}"/>
+                </a:ext>
+              </a:extLst>
+            </p:cNvPr>
+            <p:cNvSpPr/>
+            <p:nvPr/>
+          </p:nvSpPr>
+          <p:spPr>
+            <a:xfrm>
+              <a:off x="5713782" y="3414471"/>
+              <a:ext cx="540434" cy="553998"/>
+            </a:xfrm>
+            <a:prstGeom prst="rect">
+              <a:avLst/>
+            </a:prstGeom>
+            <a:noFill/>
+          </p:spPr>
+          <p:txBody>
+            <a:bodyPr wrap="square" lIns="91440" tIns="45720" rIns="91440" bIns="45720">
+              <a:spAutoFit/>
+            </a:bodyPr>
+            <a:lstStyle/>
+            <a:p>
+              <a:pPr algn="ctr"/>
+              <a:r>
+                <a:rPr lang="ja-JP" altLang="en-US" sz="3000" b="0" cap="none" spc="0" dirty="0">
+                  <a:ln w="0">
+                    <a:noFill/>
+                  </a:ln>
+                  <a:solidFill>
+                    <a:schemeClr val="bg1"/>
+                  </a:solidFill>
+                </a:rPr>
+                <a:t>⑲</a:t>
+              </a:r>
+            </a:p>
+          </p:txBody>
+        </p:sp>
+      </p:grpSp>
+      <p:grpSp>
+        <p:nvGrpSpPr>
+          <p:cNvPr id="16" name="グループ化 15">
+            <a:extLst>
+              <a:ext uri="{FF2B5EF4-FFF2-40B4-BE49-F238E27FC236}">
+                <a16:creationId xmlns:a16="http://schemas.microsoft.com/office/drawing/2014/main" id="{375A866C-FAB5-46D0-B79D-7FB177A6985D}"/>
+              </a:ext>
+            </a:extLst>
+          </p:cNvPr>
+          <p:cNvGrpSpPr/>
+          <p:nvPr/>
+        </p:nvGrpSpPr>
+        <p:grpSpPr>
+          <a:xfrm>
+            <a:off x="4779366" y="4047900"/>
+            <a:ext cx="540434" cy="553998"/>
+            <a:chOff x="5713782" y="3414471"/>
+            <a:chExt cx="540434" cy="553998"/>
+          </a:xfrm>
+        </p:grpSpPr>
+        <p:sp>
+          <p:nvSpPr>
+            <p:cNvPr id="17" name="楕円 16">
+              <a:extLst>
+                <a:ext uri="{FF2B5EF4-FFF2-40B4-BE49-F238E27FC236}">
+                  <a16:creationId xmlns:a16="http://schemas.microsoft.com/office/drawing/2014/main" id="{D7864F0D-EE69-930F-7D8B-C5B983710FBD}"/>
+                </a:ext>
+              </a:extLst>
+            </p:cNvPr>
+            <p:cNvSpPr>
+              <a:spLocks noChangeAspect="1"/>
+            </p:cNvSpPr>
+            <p:nvPr/>
+          </p:nvSpPr>
+          <p:spPr>
+            <a:xfrm>
+              <a:off x="5803999" y="3488577"/>
+              <a:ext cx="360000" cy="360000"/>
+            </a:xfrm>
+            <a:prstGeom prst="ellipse">
+              <a:avLst/>
+            </a:prstGeom>
+            <a:solidFill>
+              <a:schemeClr val="accent1"/>
+            </a:solidFill>
+            <a:ln w="38100">
+              <a:solidFill>
+                <a:schemeClr val="accent1"/>
+              </a:solidFill>
+            </a:ln>
+          </p:spPr>
+          <p:style>
+            <a:lnRef idx="2">
+              <a:schemeClr val="accent1">
+                <a:shade val="50000"/>
+              </a:schemeClr>
+            </a:lnRef>
+            <a:fillRef idx="1">
+              <a:schemeClr val="accent1"/>
+            </a:fillRef>
+            <a:effectRef idx="0">
+              <a:schemeClr val="accent1"/>
+            </a:effectRef>
+            <a:fontRef idx="minor">
+              <a:schemeClr val="lt1"/>
+            </a:fontRef>
+          </p:style>
+          <p:txBody>
+            <a:bodyPr rtlCol="0" anchor="ctr"/>
+            <a:lstStyle/>
+            <a:p>
+              <a:pPr algn="dist"/>
+              <a:endParaRPr kumimoji="1" lang="ja-JP" altLang="en-US" dirty="0"/>
+            </a:p>
+          </p:txBody>
+        </p:sp>
+        <p:sp>
+          <p:nvSpPr>
+            <p:cNvPr id="18" name="正方形/長方形 17">
+              <a:extLst>
+                <a:ext uri="{FF2B5EF4-FFF2-40B4-BE49-F238E27FC236}">
+                  <a16:creationId xmlns:a16="http://schemas.microsoft.com/office/drawing/2014/main" id="{6FCDBBCB-AE9F-7C56-CFDD-536A119D40EB}"/>
+                </a:ext>
+              </a:extLst>
+            </p:cNvPr>
+            <p:cNvSpPr/>
+            <p:nvPr/>
+          </p:nvSpPr>
+          <p:spPr>
+            <a:xfrm>
+              <a:off x="5713782" y="3414471"/>
+              <a:ext cx="540434" cy="553998"/>
+            </a:xfrm>
+            <a:prstGeom prst="rect">
+              <a:avLst/>
+            </a:prstGeom>
+            <a:noFill/>
+          </p:spPr>
+          <p:txBody>
+            <a:bodyPr wrap="square" lIns="91440" tIns="45720" rIns="91440" bIns="45720">
+              <a:spAutoFit/>
+            </a:bodyPr>
+            <a:lstStyle/>
+            <a:p>
+              <a:pPr algn="ctr"/>
+              <a:r>
+                <a:rPr lang="ja-JP" altLang="en-US" sz="3000" dirty="0">
+                  <a:ln w="0">
+                    <a:noFill/>
+                  </a:ln>
+                  <a:solidFill>
+                    <a:schemeClr val="bg1"/>
+                  </a:solidFill>
+                </a:rPr>
+                <a:t>⑥</a:t>
+              </a:r>
+              <a:endParaRPr lang="ja-JP" altLang="en-US" sz="3000" b="0" cap="none" spc="0" dirty="0">
+                <a:ln w="0">
+                  <a:noFill/>
+                </a:ln>
+                <a:solidFill>
+                  <a:schemeClr val="bg1"/>
+                </a:solidFill>
+              </a:endParaRPr>
+            </a:p>
+          </p:txBody>
+        </p:sp>
+      </p:grpSp>
+      <p:grpSp>
+        <p:nvGrpSpPr>
+          <p:cNvPr id="19" name="グループ化 18">
+            <a:extLst>
+              <a:ext uri="{FF2B5EF4-FFF2-40B4-BE49-F238E27FC236}">
+                <a16:creationId xmlns:a16="http://schemas.microsoft.com/office/drawing/2014/main" id="{BD04F215-2A1C-4BAE-9E5F-82BC904C9496}"/>
+              </a:ext>
+            </a:extLst>
+          </p:cNvPr>
+          <p:cNvGrpSpPr/>
+          <p:nvPr/>
+        </p:nvGrpSpPr>
+        <p:grpSpPr>
+          <a:xfrm>
+            <a:off x="5415829" y="4047900"/>
+            <a:ext cx="540434" cy="553998"/>
+            <a:chOff x="5713782" y="3414471"/>
+            <a:chExt cx="540434" cy="553998"/>
+          </a:xfrm>
+        </p:grpSpPr>
+        <p:sp>
+          <p:nvSpPr>
+            <p:cNvPr id="20" name="楕円 19">
+              <a:extLst>
+                <a:ext uri="{FF2B5EF4-FFF2-40B4-BE49-F238E27FC236}">
+                  <a16:creationId xmlns:a16="http://schemas.microsoft.com/office/drawing/2014/main" id="{95674F35-F9A4-F93B-6EFF-93698B0E87EA}"/>
+                </a:ext>
+              </a:extLst>
+            </p:cNvPr>
+            <p:cNvSpPr>
+              <a:spLocks noChangeAspect="1"/>
+            </p:cNvSpPr>
+            <p:nvPr/>
+          </p:nvSpPr>
+          <p:spPr>
+            <a:xfrm>
+              <a:off x="5803999" y="3488577"/>
+              <a:ext cx="360000" cy="360000"/>
+            </a:xfrm>
+            <a:prstGeom prst="ellipse">
+              <a:avLst/>
+            </a:prstGeom>
+            <a:solidFill>
+              <a:schemeClr val="accent1"/>
+            </a:solidFill>
+            <a:ln w="38100">
+              <a:solidFill>
+                <a:schemeClr val="accent1"/>
+              </a:solidFill>
+            </a:ln>
+          </p:spPr>
+          <p:style>
+            <a:lnRef idx="2">
+              <a:schemeClr val="accent1">
+                <a:shade val="50000"/>
+              </a:schemeClr>
+            </a:lnRef>
+            <a:fillRef idx="1">
+              <a:schemeClr val="accent1"/>
+            </a:fillRef>
+            <a:effectRef idx="0">
+              <a:schemeClr val="accent1"/>
+            </a:effectRef>
+            <a:fontRef idx="minor">
+              <a:schemeClr val="lt1"/>
+            </a:fontRef>
+          </p:style>
+          <p:txBody>
+            <a:bodyPr rtlCol="0" anchor="ctr"/>
+            <a:lstStyle/>
+            <a:p>
+              <a:pPr algn="dist"/>
+              <a:endParaRPr kumimoji="1" lang="ja-JP" altLang="en-US" dirty="0"/>
+            </a:p>
+          </p:txBody>
+        </p:sp>
+        <p:sp>
+          <p:nvSpPr>
+            <p:cNvPr id="21" name="正方形/長方形 20">
+              <a:extLst>
+                <a:ext uri="{FF2B5EF4-FFF2-40B4-BE49-F238E27FC236}">
+                  <a16:creationId xmlns:a16="http://schemas.microsoft.com/office/drawing/2014/main" id="{81527ED6-5FB3-AD25-95E8-BE09B40CAA31}"/>
+                </a:ext>
+              </a:extLst>
+            </p:cNvPr>
+            <p:cNvSpPr/>
+            <p:nvPr/>
+          </p:nvSpPr>
+          <p:spPr>
+            <a:xfrm>
+              <a:off x="5713782" y="3414471"/>
+              <a:ext cx="540434" cy="553998"/>
+            </a:xfrm>
+            <a:prstGeom prst="rect">
+              <a:avLst/>
+            </a:prstGeom>
+            <a:noFill/>
+          </p:spPr>
+          <p:txBody>
+            <a:bodyPr wrap="square" lIns="91440" tIns="45720" rIns="91440" bIns="45720">
+              <a:spAutoFit/>
+            </a:bodyPr>
+            <a:lstStyle/>
+            <a:p>
+              <a:pPr algn="ctr"/>
+              <a:r>
+                <a:rPr lang="ja-JP" altLang="en-US" sz="3000" dirty="0">
+                  <a:ln w="0">
+                    <a:noFill/>
+                  </a:ln>
+                  <a:solidFill>
+                    <a:schemeClr val="bg1"/>
+                  </a:solidFill>
+                </a:rPr>
+                <a:t>⑮</a:t>
+              </a:r>
+              <a:endParaRPr lang="ja-JP" altLang="en-US" sz="3000" b="0" cap="none" spc="0" dirty="0">
+                <a:ln w="0">
+                  <a:noFill/>
+                </a:ln>
+                <a:solidFill>
+                  <a:schemeClr val="bg1"/>
+                </a:solidFill>
+              </a:endParaRPr>
+            </a:p>
+          </p:txBody>
+        </p:sp>
+      </p:grpSp>
+      <p:grpSp>
+        <p:nvGrpSpPr>
+          <p:cNvPr id="22" name="グループ化 21">
+            <a:extLst>
+              <a:ext uri="{FF2B5EF4-FFF2-40B4-BE49-F238E27FC236}">
+                <a16:creationId xmlns:a16="http://schemas.microsoft.com/office/drawing/2014/main" id="{3DB4191D-78C6-876E-CB87-D7F2A45892AA}"/>
+              </a:ext>
+            </a:extLst>
+          </p:cNvPr>
+          <p:cNvGrpSpPr/>
+          <p:nvPr/>
+        </p:nvGrpSpPr>
+        <p:grpSpPr>
+          <a:xfrm>
+            <a:off x="1968730" y="3188931"/>
+            <a:ext cx="540434" cy="553998"/>
+            <a:chOff x="5713782" y="3414471"/>
+            <a:chExt cx="540434" cy="553998"/>
+          </a:xfrm>
+        </p:grpSpPr>
+        <p:sp>
+          <p:nvSpPr>
+            <p:cNvPr id="23" name="楕円 22">
+              <a:extLst>
+                <a:ext uri="{FF2B5EF4-FFF2-40B4-BE49-F238E27FC236}">
+                  <a16:creationId xmlns:a16="http://schemas.microsoft.com/office/drawing/2014/main" id="{49667630-4B21-90E9-0F77-9116C4BDC16E}"/>
+                </a:ext>
+              </a:extLst>
+            </p:cNvPr>
+            <p:cNvSpPr>
+              <a:spLocks noChangeAspect="1"/>
+            </p:cNvSpPr>
+            <p:nvPr/>
+          </p:nvSpPr>
+          <p:spPr>
+            <a:xfrm>
+              <a:off x="5803999" y="3488577"/>
+              <a:ext cx="360000" cy="360000"/>
+            </a:xfrm>
+            <a:prstGeom prst="ellipse">
+              <a:avLst/>
+            </a:prstGeom>
+            <a:solidFill>
+              <a:schemeClr val="accent2"/>
+            </a:solidFill>
+            <a:ln w="38100">
+              <a:solidFill>
+                <a:schemeClr val="accent2"/>
+              </a:solidFill>
+            </a:ln>
+          </p:spPr>
+          <p:style>
+            <a:lnRef idx="2">
+              <a:schemeClr val="accent1">
+                <a:shade val="50000"/>
+              </a:schemeClr>
+            </a:lnRef>
+            <a:fillRef idx="1">
+              <a:schemeClr val="accent1"/>
+            </a:fillRef>
+            <a:effectRef idx="0">
+              <a:schemeClr val="accent1"/>
+            </a:effectRef>
+            <a:fontRef idx="minor">
+              <a:schemeClr val="lt1"/>
+            </a:fontRef>
+          </p:style>
+          <p:txBody>
+            <a:bodyPr rtlCol="0" anchor="ctr"/>
+            <a:lstStyle/>
+            <a:p>
+              <a:pPr algn="dist"/>
+              <a:endParaRPr kumimoji="1" lang="ja-JP" altLang="en-US" dirty="0"/>
+            </a:p>
+          </p:txBody>
+        </p:sp>
+        <p:sp>
+          <p:nvSpPr>
+            <p:cNvPr id="24" name="正方形/長方形 23">
+              <a:extLst>
+                <a:ext uri="{FF2B5EF4-FFF2-40B4-BE49-F238E27FC236}">
+                  <a16:creationId xmlns:a16="http://schemas.microsoft.com/office/drawing/2014/main" id="{0CE39A29-A8DE-6E04-7A31-D21619DB22E9}"/>
+                </a:ext>
+              </a:extLst>
+            </p:cNvPr>
+            <p:cNvSpPr/>
+            <p:nvPr/>
+          </p:nvSpPr>
+          <p:spPr>
+            <a:xfrm>
+              <a:off x="5713782" y="3414471"/>
+              <a:ext cx="540434" cy="553998"/>
+            </a:xfrm>
+            <a:prstGeom prst="rect">
+              <a:avLst/>
+            </a:prstGeom>
+            <a:noFill/>
+          </p:spPr>
+          <p:txBody>
+            <a:bodyPr wrap="square" lIns="91440" tIns="45720" rIns="91440" bIns="45720">
+              <a:spAutoFit/>
+            </a:bodyPr>
+            <a:lstStyle/>
+            <a:p>
+              <a:pPr algn="ctr"/>
+              <a:r>
+                <a:rPr lang="ja-JP" altLang="en-US" sz="3000" b="0" cap="none" spc="0" dirty="0">
+                  <a:ln w="0">
+                    <a:noFill/>
+                  </a:ln>
+                  <a:solidFill>
+                    <a:schemeClr val="bg1"/>
+                  </a:solidFill>
+                </a:rPr>
+                <a:t>⑦</a:t>
+              </a:r>
+              <a:endParaRPr lang="en-US" altLang="ja-JP" sz="3000" b="0" cap="none" spc="0" dirty="0">
+                <a:ln w="0">
+                  <a:noFill/>
+                </a:ln>
+                <a:solidFill>
+                  <a:schemeClr val="bg1"/>
+                </a:solidFill>
+              </a:endParaRPr>
+            </a:p>
+          </p:txBody>
+        </p:sp>
+      </p:grpSp>
+      <p:grpSp>
+        <p:nvGrpSpPr>
+          <p:cNvPr id="25" name="グループ化 24">
+            <a:extLst>
+              <a:ext uri="{FF2B5EF4-FFF2-40B4-BE49-F238E27FC236}">
+                <a16:creationId xmlns:a16="http://schemas.microsoft.com/office/drawing/2014/main" id="{DA1A0A8C-39CD-2523-DB8D-51BB8108662B}"/>
+              </a:ext>
+            </a:extLst>
+          </p:cNvPr>
+          <p:cNvGrpSpPr/>
+          <p:nvPr/>
+        </p:nvGrpSpPr>
+        <p:grpSpPr>
+          <a:xfrm>
+            <a:off x="5784543" y="3091058"/>
+            <a:ext cx="540434" cy="553998"/>
+            <a:chOff x="5713782" y="3414471"/>
+            <a:chExt cx="540434" cy="553998"/>
+          </a:xfrm>
+        </p:grpSpPr>
+        <p:sp>
+          <p:nvSpPr>
+            <p:cNvPr id="26" name="楕円 25">
+              <a:extLst>
+                <a:ext uri="{FF2B5EF4-FFF2-40B4-BE49-F238E27FC236}">
+                  <a16:creationId xmlns:a16="http://schemas.microsoft.com/office/drawing/2014/main" id="{72F5D38A-4086-A4E8-9B36-B38312D4C78B}"/>
+                </a:ext>
+              </a:extLst>
+            </p:cNvPr>
+            <p:cNvSpPr>
+              <a:spLocks noChangeAspect="1"/>
+            </p:cNvSpPr>
+            <p:nvPr/>
+          </p:nvSpPr>
+          <p:spPr>
+            <a:xfrm>
+              <a:off x="5803999" y="3488577"/>
+              <a:ext cx="360000" cy="360000"/>
+            </a:xfrm>
+            <a:prstGeom prst="ellipse">
+              <a:avLst/>
+            </a:prstGeom>
+            <a:solidFill>
+              <a:srgbClr val="F85EA7"/>
+            </a:solidFill>
+            <a:ln w="38100">
+              <a:solidFill>
+                <a:srgbClr val="F85EA7"/>
+              </a:solidFill>
+            </a:ln>
+          </p:spPr>
+          <p:style>
+            <a:lnRef idx="2">
+              <a:schemeClr val="accent1">
+                <a:shade val="50000"/>
+              </a:schemeClr>
+            </a:lnRef>
+            <a:fillRef idx="1">
+              <a:schemeClr val="accent1"/>
+            </a:fillRef>
+            <a:effectRef idx="0">
+              <a:schemeClr val="accent1"/>
+            </a:effectRef>
+            <a:fontRef idx="minor">
+              <a:schemeClr val="lt1"/>
+            </a:fontRef>
+          </p:style>
+          <p:txBody>
+            <a:bodyPr rtlCol="0" anchor="ctr"/>
+            <a:lstStyle/>
+            <a:p>
+              <a:pPr algn="dist"/>
+              <a:endParaRPr kumimoji="1" lang="ja-JP" altLang="en-US" dirty="0"/>
+            </a:p>
+          </p:txBody>
+        </p:sp>
+        <p:sp>
+          <p:nvSpPr>
+            <p:cNvPr id="27" name="正方形/長方形 26">
+              <a:extLst>
+                <a:ext uri="{FF2B5EF4-FFF2-40B4-BE49-F238E27FC236}">
+                  <a16:creationId xmlns:a16="http://schemas.microsoft.com/office/drawing/2014/main" id="{1248AA7D-9702-CF07-A8CD-30D6E633E4D4}"/>
+                </a:ext>
+              </a:extLst>
+            </p:cNvPr>
+            <p:cNvSpPr/>
+            <p:nvPr/>
+          </p:nvSpPr>
+          <p:spPr>
+            <a:xfrm>
+              <a:off x="5713782" y="3414471"/>
+              <a:ext cx="540434" cy="553998"/>
+            </a:xfrm>
+            <a:prstGeom prst="rect">
+              <a:avLst/>
+            </a:prstGeom>
+            <a:noFill/>
+          </p:spPr>
+          <p:txBody>
+            <a:bodyPr wrap="square" lIns="91440" tIns="45720" rIns="91440" bIns="45720">
+              <a:spAutoFit/>
+            </a:bodyPr>
+            <a:lstStyle/>
+            <a:p>
+              <a:pPr algn="ctr"/>
+              <a:r>
+                <a:rPr lang="ja-JP" altLang="en-US" sz="3000" b="0" cap="none" spc="0" dirty="0">
+                  <a:ln w="0">
+                    <a:noFill/>
+                  </a:ln>
+                  <a:solidFill>
+                    <a:schemeClr val="bg1"/>
+                  </a:solidFill>
+                </a:rPr>
+                <a:t>⑰</a:t>
+              </a:r>
+            </a:p>
+          </p:txBody>
+        </p:sp>
+      </p:grpSp>
+      <p:grpSp>
+        <p:nvGrpSpPr>
+          <p:cNvPr id="28" name="グループ化 27">
+            <a:extLst>
+              <a:ext uri="{FF2B5EF4-FFF2-40B4-BE49-F238E27FC236}">
+                <a16:creationId xmlns:a16="http://schemas.microsoft.com/office/drawing/2014/main" id="{907874DA-3202-5E8C-27D6-CFAB91A13C9D}"/>
+              </a:ext>
+            </a:extLst>
+          </p:cNvPr>
+          <p:cNvGrpSpPr/>
+          <p:nvPr/>
+        </p:nvGrpSpPr>
+        <p:grpSpPr>
+          <a:xfrm>
+            <a:off x="1968730" y="3909228"/>
+            <a:ext cx="540434" cy="553998"/>
+            <a:chOff x="5713782" y="3414471"/>
+            <a:chExt cx="540434" cy="553998"/>
+          </a:xfrm>
+        </p:grpSpPr>
+        <p:sp>
+          <p:nvSpPr>
+            <p:cNvPr id="29" name="楕円 28">
+              <a:extLst>
+                <a:ext uri="{FF2B5EF4-FFF2-40B4-BE49-F238E27FC236}">
+                  <a16:creationId xmlns:a16="http://schemas.microsoft.com/office/drawing/2014/main" id="{4B7332F4-822E-021D-6F51-F3C1DB35ED34}"/>
+                </a:ext>
+              </a:extLst>
+            </p:cNvPr>
+            <p:cNvSpPr>
+              <a:spLocks noChangeAspect="1"/>
+            </p:cNvSpPr>
+            <p:nvPr/>
+          </p:nvSpPr>
+          <p:spPr>
+            <a:xfrm>
+              <a:off x="5803999" y="3488577"/>
+              <a:ext cx="360000" cy="360000"/>
+            </a:xfrm>
+            <a:prstGeom prst="ellipse">
+              <a:avLst/>
+            </a:prstGeom>
+            <a:solidFill>
+              <a:schemeClr val="accent2"/>
+            </a:solidFill>
+            <a:ln w="38100">
+              <a:solidFill>
+                <a:schemeClr val="accent2"/>
+              </a:solidFill>
+            </a:ln>
+          </p:spPr>
+          <p:style>
+            <a:lnRef idx="2">
+              <a:schemeClr val="accent1">
+                <a:shade val="50000"/>
+              </a:schemeClr>
+            </a:lnRef>
+            <a:fillRef idx="1">
+              <a:schemeClr val="accent1"/>
+            </a:fillRef>
+            <a:effectRef idx="0">
+              <a:schemeClr val="accent1"/>
+            </a:effectRef>
+            <a:fontRef idx="minor">
+              <a:schemeClr val="lt1"/>
+            </a:fontRef>
+          </p:style>
+          <p:txBody>
+            <a:bodyPr rtlCol="0" anchor="ctr"/>
+            <a:lstStyle/>
+            <a:p>
+              <a:pPr algn="dist"/>
+              <a:endParaRPr kumimoji="1" lang="ja-JP" altLang="en-US" dirty="0"/>
+            </a:p>
+          </p:txBody>
+        </p:sp>
+        <p:sp>
+          <p:nvSpPr>
+            <p:cNvPr id="30" name="正方形/長方形 29">
+              <a:extLst>
+                <a:ext uri="{FF2B5EF4-FFF2-40B4-BE49-F238E27FC236}">
+                  <a16:creationId xmlns:a16="http://schemas.microsoft.com/office/drawing/2014/main" id="{292F6ED3-95DC-81DC-AFB6-AC4B5BBF5C7C}"/>
+                </a:ext>
+              </a:extLst>
+            </p:cNvPr>
+            <p:cNvSpPr/>
+            <p:nvPr/>
+          </p:nvSpPr>
+          <p:spPr>
+            <a:xfrm>
+              <a:off x="5713782" y="3414471"/>
+              <a:ext cx="540434" cy="553998"/>
+            </a:xfrm>
+            <a:prstGeom prst="rect">
+              <a:avLst/>
+            </a:prstGeom>
+            <a:noFill/>
+          </p:spPr>
+          <p:txBody>
+            <a:bodyPr wrap="square" lIns="91440" tIns="45720" rIns="91440" bIns="45720">
+              <a:spAutoFit/>
+            </a:bodyPr>
+            <a:lstStyle/>
+            <a:p>
+              <a:pPr algn="ctr"/>
+              <a:r>
+                <a:rPr lang="ja-JP" altLang="en-US" sz="3000" dirty="0">
+                  <a:ln w="0">
+                    <a:noFill/>
+                  </a:ln>
+                  <a:solidFill>
+                    <a:schemeClr val="bg1"/>
+                  </a:solidFill>
+                </a:rPr>
+                <a:t>⑨</a:t>
+              </a:r>
+              <a:endParaRPr lang="en-US" altLang="ja-JP" sz="3000" dirty="0">
+                <a:ln w="0">
+                  <a:noFill/>
+                </a:ln>
+                <a:solidFill>
+                  <a:schemeClr val="bg1"/>
+                </a:solidFill>
+              </a:endParaRPr>
+            </a:p>
+          </p:txBody>
+        </p:sp>
+      </p:grpSp>
+      <p:grpSp>
+        <p:nvGrpSpPr>
+          <p:cNvPr id="31" name="グループ化 30">
+            <a:extLst>
+              <a:ext uri="{FF2B5EF4-FFF2-40B4-BE49-F238E27FC236}">
+                <a16:creationId xmlns:a16="http://schemas.microsoft.com/office/drawing/2014/main" id="{7D50B330-D030-3704-48FB-A9AB610D8549}"/>
+              </a:ext>
+            </a:extLst>
+          </p:cNvPr>
+          <p:cNvGrpSpPr/>
+          <p:nvPr/>
+        </p:nvGrpSpPr>
+        <p:grpSpPr>
+          <a:xfrm>
+            <a:off x="1968078" y="5101690"/>
+            <a:ext cx="540434" cy="553998"/>
+            <a:chOff x="5713782" y="3414471"/>
+            <a:chExt cx="540434" cy="553998"/>
+          </a:xfrm>
+        </p:grpSpPr>
+        <p:sp>
+          <p:nvSpPr>
+            <p:cNvPr id="32" name="楕円 31">
+              <a:extLst>
+                <a:ext uri="{FF2B5EF4-FFF2-40B4-BE49-F238E27FC236}">
+                  <a16:creationId xmlns:a16="http://schemas.microsoft.com/office/drawing/2014/main" id="{92243772-A9A5-38E7-B198-6A5BDDF35AE8}"/>
+                </a:ext>
+              </a:extLst>
+            </p:cNvPr>
+            <p:cNvSpPr>
+              <a:spLocks noChangeAspect="1"/>
+            </p:cNvSpPr>
+            <p:nvPr/>
+          </p:nvSpPr>
+          <p:spPr>
+            <a:xfrm>
+              <a:off x="5803999" y="3488577"/>
+              <a:ext cx="360000" cy="360000"/>
+            </a:xfrm>
+            <a:prstGeom prst="ellipse">
+              <a:avLst/>
+            </a:prstGeom>
+            <a:solidFill>
+              <a:schemeClr val="accent2"/>
+            </a:solidFill>
+            <a:ln w="38100">
+              <a:solidFill>
+                <a:schemeClr val="accent2"/>
+              </a:solidFill>
+            </a:ln>
+          </p:spPr>
+          <p:style>
+            <a:lnRef idx="2">
+              <a:schemeClr val="accent1">
+                <a:shade val="50000"/>
+              </a:schemeClr>
+            </a:lnRef>
+            <a:fillRef idx="1">
+              <a:schemeClr val="accent1"/>
+            </a:fillRef>
+            <a:effectRef idx="0">
+              <a:schemeClr val="accent1"/>
+            </a:effectRef>
+            <a:fontRef idx="minor">
+              <a:schemeClr val="lt1"/>
+            </a:fontRef>
+          </p:style>
+          <p:txBody>
+            <a:bodyPr rtlCol="0" anchor="ctr"/>
+            <a:lstStyle/>
+            <a:p>
+              <a:pPr algn="dist"/>
+              <a:endParaRPr kumimoji="1" lang="ja-JP" altLang="en-US" dirty="0"/>
+            </a:p>
+          </p:txBody>
+        </p:sp>
+        <p:sp>
+          <p:nvSpPr>
+            <p:cNvPr id="33" name="正方形/長方形 32">
+              <a:extLst>
+                <a:ext uri="{FF2B5EF4-FFF2-40B4-BE49-F238E27FC236}">
+                  <a16:creationId xmlns:a16="http://schemas.microsoft.com/office/drawing/2014/main" id="{E933376D-3C7A-0795-97D0-2D36E0397635}"/>
+                </a:ext>
+              </a:extLst>
+            </p:cNvPr>
+            <p:cNvSpPr/>
+            <p:nvPr/>
+          </p:nvSpPr>
+          <p:spPr>
+            <a:xfrm>
+              <a:off x="5713782" y="3414471"/>
+              <a:ext cx="540434" cy="553998"/>
+            </a:xfrm>
+            <a:prstGeom prst="rect">
+              <a:avLst/>
+            </a:prstGeom>
+            <a:noFill/>
+          </p:spPr>
+          <p:txBody>
+            <a:bodyPr wrap="square" lIns="91440" tIns="45720" rIns="91440" bIns="45720">
+              <a:spAutoFit/>
+            </a:bodyPr>
+            <a:lstStyle/>
+            <a:p>
+              <a:pPr algn="ctr"/>
+              <a:r>
+                <a:rPr lang="ja-JP" altLang="en-US" sz="3000" dirty="0">
+                  <a:ln w="0">
+                    <a:noFill/>
+                  </a:ln>
+                  <a:solidFill>
+                    <a:schemeClr val="bg1"/>
+                  </a:solidFill>
+                </a:rPr>
+                <a:t>④</a:t>
+              </a:r>
+              <a:endParaRPr lang="en-US" altLang="ja-JP" sz="3000" dirty="0">
+                <a:ln w="0">
+                  <a:noFill/>
+                </a:ln>
+                <a:solidFill>
+                  <a:schemeClr val="bg1"/>
+                </a:solidFill>
+              </a:endParaRPr>
+            </a:p>
+          </p:txBody>
+        </p:sp>
+      </p:grpSp>
+      <p:grpSp>
+        <p:nvGrpSpPr>
+          <p:cNvPr id="34" name="グループ化 33">
+            <a:extLst>
+              <a:ext uri="{FF2B5EF4-FFF2-40B4-BE49-F238E27FC236}">
+                <a16:creationId xmlns:a16="http://schemas.microsoft.com/office/drawing/2014/main" id="{8CE9F8AA-1705-9062-BBA7-6C6074E5FD7C}"/>
+              </a:ext>
+            </a:extLst>
+          </p:cNvPr>
+          <p:cNvGrpSpPr/>
+          <p:nvPr/>
+        </p:nvGrpSpPr>
+        <p:grpSpPr>
+          <a:xfrm>
+            <a:off x="1968078" y="5781669"/>
+            <a:ext cx="540434" cy="553998"/>
+            <a:chOff x="5713782" y="3414471"/>
+            <a:chExt cx="540434" cy="553998"/>
+          </a:xfrm>
+        </p:grpSpPr>
+        <p:sp>
+          <p:nvSpPr>
+            <p:cNvPr id="35" name="楕円 34">
+              <a:extLst>
+                <a:ext uri="{FF2B5EF4-FFF2-40B4-BE49-F238E27FC236}">
+                  <a16:creationId xmlns:a16="http://schemas.microsoft.com/office/drawing/2014/main" id="{4A63D04D-1930-535A-0987-E22EFA8DA7FF}"/>
+                </a:ext>
+              </a:extLst>
+            </p:cNvPr>
+            <p:cNvSpPr>
+              <a:spLocks noChangeAspect="1"/>
+            </p:cNvSpPr>
+            <p:nvPr/>
+          </p:nvSpPr>
+          <p:spPr>
+            <a:xfrm>
+              <a:off x="5803999" y="3488577"/>
+              <a:ext cx="360000" cy="360000"/>
+            </a:xfrm>
+            <a:prstGeom prst="ellipse">
+              <a:avLst/>
+            </a:prstGeom>
+            <a:solidFill>
+              <a:schemeClr val="accent2"/>
+            </a:solidFill>
+            <a:ln w="38100">
+              <a:solidFill>
+                <a:schemeClr val="accent2"/>
+              </a:solidFill>
+            </a:ln>
+          </p:spPr>
+          <p:style>
+            <a:lnRef idx="2">
+              <a:schemeClr val="accent1">
+                <a:shade val="50000"/>
+              </a:schemeClr>
+            </a:lnRef>
+            <a:fillRef idx="1">
+              <a:schemeClr val="accent1"/>
+            </a:fillRef>
+            <a:effectRef idx="0">
+              <a:schemeClr val="accent1"/>
+            </a:effectRef>
+            <a:fontRef idx="minor">
+              <a:schemeClr val="lt1"/>
+            </a:fontRef>
+          </p:style>
+          <p:txBody>
+            <a:bodyPr rtlCol="0" anchor="ctr"/>
+            <a:lstStyle/>
+            <a:p>
+              <a:pPr algn="dist"/>
+              <a:endParaRPr kumimoji="1" lang="ja-JP" altLang="en-US" dirty="0"/>
+            </a:p>
+          </p:txBody>
+        </p:sp>
+        <p:sp>
+          <p:nvSpPr>
+            <p:cNvPr id="36" name="正方形/長方形 35">
+              <a:extLst>
+                <a:ext uri="{FF2B5EF4-FFF2-40B4-BE49-F238E27FC236}">
+                  <a16:creationId xmlns:a16="http://schemas.microsoft.com/office/drawing/2014/main" id="{3F59D7B9-FF13-E8C2-6A35-6D97CE7CA21D}"/>
+                </a:ext>
+              </a:extLst>
+            </p:cNvPr>
+            <p:cNvSpPr/>
+            <p:nvPr/>
+          </p:nvSpPr>
+          <p:spPr>
+            <a:xfrm>
+              <a:off x="5713782" y="3414471"/>
+              <a:ext cx="540434" cy="553998"/>
+            </a:xfrm>
+            <a:prstGeom prst="rect">
+              <a:avLst/>
+            </a:prstGeom>
+            <a:noFill/>
+          </p:spPr>
+          <p:txBody>
+            <a:bodyPr wrap="square" lIns="91440" tIns="45720" rIns="91440" bIns="45720">
+              <a:spAutoFit/>
+            </a:bodyPr>
+            <a:lstStyle/>
+            <a:p>
+              <a:pPr algn="ctr"/>
+              <a:r>
+                <a:rPr lang="ja-JP" altLang="en-US" sz="3000" dirty="0">
+                  <a:ln w="0">
+                    <a:noFill/>
+                  </a:ln>
+                  <a:solidFill>
+                    <a:schemeClr val="bg1"/>
+                  </a:solidFill>
+                </a:rPr>
+                <a:t>③</a:t>
+              </a:r>
+              <a:endParaRPr lang="en-US" altLang="ja-JP" sz="3000" dirty="0">
+                <a:ln w="0">
+                  <a:noFill/>
+                </a:ln>
+                <a:solidFill>
+                  <a:schemeClr val="bg1"/>
+                </a:solidFill>
+              </a:endParaRPr>
+            </a:p>
+          </p:txBody>
+        </p:sp>
+      </p:grpSp>
+      <p:grpSp>
+        <p:nvGrpSpPr>
+          <p:cNvPr id="37" name="グループ化 36">
+            <a:extLst>
+              <a:ext uri="{FF2B5EF4-FFF2-40B4-BE49-F238E27FC236}">
+                <a16:creationId xmlns:a16="http://schemas.microsoft.com/office/drawing/2014/main" id="{0C46EE3C-8BD6-F369-E3F5-9A261FFCBA4B}"/>
+              </a:ext>
+            </a:extLst>
+          </p:cNvPr>
+          <p:cNvGrpSpPr/>
+          <p:nvPr/>
+        </p:nvGrpSpPr>
+        <p:grpSpPr>
+          <a:xfrm>
+            <a:off x="1968078" y="6461649"/>
+            <a:ext cx="540434" cy="553998"/>
+            <a:chOff x="5713782" y="3414471"/>
+            <a:chExt cx="540434" cy="553998"/>
+          </a:xfrm>
+        </p:grpSpPr>
+        <p:sp>
+          <p:nvSpPr>
+            <p:cNvPr id="38" name="楕円 37">
+              <a:extLst>
+                <a:ext uri="{FF2B5EF4-FFF2-40B4-BE49-F238E27FC236}">
+                  <a16:creationId xmlns:a16="http://schemas.microsoft.com/office/drawing/2014/main" id="{33F2C7B1-B68B-1771-07E6-207BAACBC8EA}"/>
+                </a:ext>
+              </a:extLst>
+            </p:cNvPr>
+            <p:cNvSpPr>
+              <a:spLocks noChangeAspect="1"/>
+            </p:cNvSpPr>
+            <p:nvPr/>
+          </p:nvSpPr>
+          <p:spPr>
+            <a:xfrm>
+              <a:off x="5803999" y="3488577"/>
+              <a:ext cx="360000" cy="360000"/>
+            </a:xfrm>
+            <a:prstGeom prst="ellipse">
+              <a:avLst/>
+            </a:prstGeom>
+            <a:solidFill>
+              <a:schemeClr val="accent2"/>
+            </a:solidFill>
+            <a:ln w="38100">
+              <a:solidFill>
+                <a:schemeClr val="accent2"/>
+              </a:solidFill>
+            </a:ln>
+          </p:spPr>
+          <p:style>
+            <a:lnRef idx="2">
+              <a:schemeClr val="accent1">
+                <a:shade val="50000"/>
+              </a:schemeClr>
+            </a:lnRef>
+            <a:fillRef idx="1">
+              <a:schemeClr val="accent1"/>
+            </a:fillRef>
+            <a:effectRef idx="0">
+              <a:schemeClr val="accent1"/>
+            </a:effectRef>
+            <a:fontRef idx="minor">
+              <a:schemeClr val="lt1"/>
+            </a:fontRef>
+          </p:style>
+          <p:txBody>
+            <a:bodyPr rtlCol="0" anchor="ctr"/>
+            <a:lstStyle/>
+            <a:p>
+              <a:pPr algn="dist"/>
+              <a:endParaRPr kumimoji="1" lang="ja-JP" altLang="en-US" dirty="0"/>
+            </a:p>
+          </p:txBody>
+        </p:sp>
+        <p:sp>
+          <p:nvSpPr>
+            <p:cNvPr id="39" name="正方形/長方形 38">
+              <a:extLst>
+                <a:ext uri="{FF2B5EF4-FFF2-40B4-BE49-F238E27FC236}">
+                  <a16:creationId xmlns:a16="http://schemas.microsoft.com/office/drawing/2014/main" id="{20BB7A68-61AD-0534-684B-7AA93495DC58}"/>
+                </a:ext>
+              </a:extLst>
+            </p:cNvPr>
+            <p:cNvSpPr/>
+            <p:nvPr/>
+          </p:nvSpPr>
+          <p:spPr>
+            <a:xfrm>
+              <a:off x="5713782" y="3414471"/>
+              <a:ext cx="540434" cy="553998"/>
+            </a:xfrm>
+            <a:prstGeom prst="rect">
+              <a:avLst/>
+            </a:prstGeom>
+            <a:noFill/>
+          </p:spPr>
+          <p:txBody>
+            <a:bodyPr wrap="square" lIns="91440" tIns="45720" rIns="91440" bIns="45720">
+              <a:spAutoFit/>
+            </a:bodyPr>
+            <a:lstStyle/>
+            <a:p>
+              <a:pPr algn="ctr"/>
+              <a:r>
+                <a:rPr lang="ja-JP" altLang="en-US" sz="3000" dirty="0">
+                  <a:ln w="0">
+                    <a:noFill/>
+                  </a:ln>
+                  <a:solidFill>
+                    <a:schemeClr val="bg1"/>
+                  </a:solidFill>
+                </a:rPr>
+                <a:t>②</a:t>
+              </a:r>
+              <a:endParaRPr lang="en-US" altLang="ja-JP" sz="3000" dirty="0">
+                <a:ln w="0">
+                  <a:noFill/>
+                </a:ln>
+                <a:solidFill>
+                  <a:schemeClr val="bg1"/>
+                </a:solidFill>
+              </a:endParaRPr>
+            </a:p>
+          </p:txBody>
+        </p:sp>
+      </p:grpSp>
+      <p:grpSp>
+        <p:nvGrpSpPr>
+          <p:cNvPr id="40" name="グループ化 39">
+            <a:extLst>
+              <a:ext uri="{FF2B5EF4-FFF2-40B4-BE49-F238E27FC236}">
+                <a16:creationId xmlns:a16="http://schemas.microsoft.com/office/drawing/2014/main" id="{0CC2C099-07B1-2DA5-36F5-5B078601F061}"/>
+              </a:ext>
+            </a:extLst>
+          </p:cNvPr>
+          <p:cNvGrpSpPr/>
+          <p:nvPr/>
+        </p:nvGrpSpPr>
+        <p:grpSpPr>
+          <a:xfrm>
+            <a:off x="8319373" y="3188931"/>
+            <a:ext cx="540434" cy="553998"/>
+            <a:chOff x="5713782" y="3414471"/>
+            <a:chExt cx="540434" cy="553998"/>
+          </a:xfrm>
+        </p:grpSpPr>
+        <p:sp>
+          <p:nvSpPr>
+            <p:cNvPr id="41" name="楕円 40">
+              <a:extLst>
+                <a:ext uri="{FF2B5EF4-FFF2-40B4-BE49-F238E27FC236}">
+                  <a16:creationId xmlns:a16="http://schemas.microsoft.com/office/drawing/2014/main" id="{75D89CEE-4CB1-91BB-05C3-B95417EAB53F}"/>
+                </a:ext>
+              </a:extLst>
+            </p:cNvPr>
+            <p:cNvSpPr>
+              <a:spLocks noChangeAspect="1"/>
+            </p:cNvSpPr>
+            <p:nvPr/>
+          </p:nvSpPr>
+          <p:spPr>
+            <a:xfrm>
+              <a:off x="5803999" y="3488577"/>
+              <a:ext cx="360000" cy="360000"/>
+            </a:xfrm>
+            <a:prstGeom prst="ellipse">
+              <a:avLst/>
+            </a:prstGeom>
+            <a:solidFill>
+              <a:schemeClr val="accent2"/>
+            </a:solidFill>
+            <a:ln w="38100">
+              <a:solidFill>
+                <a:schemeClr val="accent2"/>
+              </a:solidFill>
+            </a:ln>
+          </p:spPr>
+          <p:style>
+            <a:lnRef idx="2">
+              <a:schemeClr val="accent1">
+                <a:shade val="50000"/>
+              </a:schemeClr>
+            </a:lnRef>
+            <a:fillRef idx="1">
+              <a:schemeClr val="accent1"/>
+            </a:fillRef>
+            <a:effectRef idx="0">
+              <a:schemeClr val="accent1"/>
+            </a:effectRef>
+            <a:fontRef idx="minor">
+              <a:schemeClr val="lt1"/>
+            </a:fontRef>
+          </p:style>
+          <p:txBody>
+            <a:bodyPr rtlCol="0" anchor="ctr"/>
+            <a:lstStyle/>
+            <a:p>
+              <a:pPr algn="dist"/>
+              <a:endParaRPr kumimoji="1" lang="ja-JP" altLang="en-US" dirty="0"/>
+            </a:p>
+          </p:txBody>
+        </p:sp>
+        <p:sp>
+          <p:nvSpPr>
+            <p:cNvPr id="42" name="正方形/長方形 41">
+              <a:extLst>
+                <a:ext uri="{FF2B5EF4-FFF2-40B4-BE49-F238E27FC236}">
+                  <a16:creationId xmlns:a16="http://schemas.microsoft.com/office/drawing/2014/main" id="{79F2F613-360C-D0E2-8701-7D3886C9A949}"/>
+                </a:ext>
+              </a:extLst>
+            </p:cNvPr>
+            <p:cNvSpPr/>
+            <p:nvPr/>
+          </p:nvSpPr>
+          <p:spPr>
+            <a:xfrm>
+              <a:off x="5713782" y="3414471"/>
+              <a:ext cx="540434" cy="553998"/>
+            </a:xfrm>
+            <a:prstGeom prst="rect">
+              <a:avLst/>
+            </a:prstGeom>
+            <a:noFill/>
+          </p:spPr>
+          <p:txBody>
+            <a:bodyPr wrap="square" lIns="91440" tIns="45720" rIns="91440" bIns="45720">
+              <a:spAutoFit/>
+            </a:bodyPr>
+            <a:lstStyle/>
+            <a:p>
+              <a:pPr algn="ctr"/>
+              <a:r>
+                <a:rPr lang="ja-JP" altLang="en-US" sz="3000" dirty="0">
+                  <a:ln w="0">
+                    <a:noFill/>
+                  </a:ln>
+                  <a:solidFill>
+                    <a:schemeClr val="bg1"/>
+                  </a:solidFill>
+                </a:rPr>
+                <a:t>⑯</a:t>
+              </a:r>
+              <a:endParaRPr lang="en-US" altLang="ja-JP" sz="3000" b="0" cap="none" spc="0" dirty="0">
+                <a:ln w="0">
+                  <a:noFill/>
+                </a:ln>
+                <a:solidFill>
+                  <a:schemeClr val="bg1"/>
+                </a:solidFill>
+              </a:endParaRPr>
+            </a:p>
+          </p:txBody>
+        </p:sp>
+      </p:grpSp>
+      <p:grpSp>
+        <p:nvGrpSpPr>
+          <p:cNvPr id="43" name="グループ化 42">
+            <a:extLst>
+              <a:ext uri="{FF2B5EF4-FFF2-40B4-BE49-F238E27FC236}">
+                <a16:creationId xmlns:a16="http://schemas.microsoft.com/office/drawing/2014/main" id="{9B12AB87-A577-1FD2-5CF1-BB6852B5ECAB}"/>
+              </a:ext>
+            </a:extLst>
+          </p:cNvPr>
+          <p:cNvGrpSpPr/>
+          <p:nvPr/>
+        </p:nvGrpSpPr>
+        <p:grpSpPr>
+          <a:xfrm>
+            <a:off x="8319373" y="3909228"/>
+            <a:ext cx="540434" cy="553998"/>
+            <a:chOff x="5713782" y="3414471"/>
+            <a:chExt cx="540434" cy="553998"/>
+          </a:xfrm>
+        </p:grpSpPr>
+        <p:sp>
+          <p:nvSpPr>
+            <p:cNvPr id="44" name="楕円 43">
+              <a:extLst>
+                <a:ext uri="{FF2B5EF4-FFF2-40B4-BE49-F238E27FC236}">
+                  <a16:creationId xmlns:a16="http://schemas.microsoft.com/office/drawing/2014/main" id="{295D5A30-0269-D4D8-1338-04BEB93052B0}"/>
+                </a:ext>
+              </a:extLst>
+            </p:cNvPr>
+            <p:cNvSpPr>
+              <a:spLocks noChangeAspect="1"/>
+            </p:cNvSpPr>
+            <p:nvPr/>
+          </p:nvSpPr>
+          <p:spPr>
+            <a:xfrm>
+              <a:off x="5803999" y="3488577"/>
+              <a:ext cx="360000" cy="360000"/>
+            </a:xfrm>
+            <a:prstGeom prst="ellipse">
+              <a:avLst/>
+            </a:prstGeom>
+            <a:solidFill>
+              <a:schemeClr val="accent2"/>
+            </a:solidFill>
+            <a:ln w="38100">
+              <a:solidFill>
+                <a:schemeClr val="accent2"/>
+              </a:solidFill>
+            </a:ln>
+          </p:spPr>
+          <p:style>
+            <a:lnRef idx="2">
+              <a:schemeClr val="accent1">
+                <a:shade val="50000"/>
+              </a:schemeClr>
+            </a:lnRef>
+            <a:fillRef idx="1">
+              <a:schemeClr val="accent1"/>
+            </a:fillRef>
+            <a:effectRef idx="0">
+              <a:schemeClr val="accent1"/>
+            </a:effectRef>
+            <a:fontRef idx="minor">
+              <a:schemeClr val="lt1"/>
+            </a:fontRef>
+          </p:style>
+          <p:txBody>
+            <a:bodyPr rtlCol="0" anchor="ctr"/>
+            <a:lstStyle/>
+            <a:p>
+              <a:pPr algn="dist"/>
+              <a:endParaRPr kumimoji="1" lang="ja-JP" altLang="en-US" dirty="0"/>
+            </a:p>
+          </p:txBody>
+        </p:sp>
+        <p:sp>
+          <p:nvSpPr>
+            <p:cNvPr id="45" name="正方形/長方形 44">
+              <a:extLst>
+                <a:ext uri="{FF2B5EF4-FFF2-40B4-BE49-F238E27FC236}">
+                  <a16:creationId xmlns:a16="http://schemas.microsoft.com/office/drawing/2014/main" id="{83156C93-48FA-E83E-4BC7-9BB805DE93C1}"/>
+                </a:ext>
+              </a:extLst>
+            </p:cNvPr>
+            <p:cNvSpPr/>
+            <p:nvPr/>
+          </p:nvSpPr>
+          <p:spPr>
+            <a:xfrm>
+              <a:off x="5713782" y="3414471"/>
+              <a:ext cx="540434" cy="553998"/>
+            </a:xfrm>
+            <a:prstGeom prst="rect">
+              <a:avLst/>
+            </a:prstGeom>
+            <a:noFill/>
+          </p:spPr>
+          <p:txBody>
+            <a:bodyPr wrap="square" lIns="91440" tIns="45720" rIns="91440" bIns="45720">
+              <a:spAutoFit/>
+            </a:bodyPr>
+            <a:lstStyle/>
+            <a:p>
+              <a:pPr algn="ctr"/>
+              <a:r>
+                <a:rPr lang="ja-JP" altLang="en-US" sz="3000" dirty="0">
+                  <a:ln w="0">
+                    <a:noFill/>
+                  </a:ln>
+                  <a:solidFill>
+                    <a:schemeClr val="bg1"/>
+                  </a:solidFill>
+                </a:rPr>
+                <a:t>⑱</a:t>
+              </a:r>
+              <a:endParaRPr lang="en-US" altLang="ja-JP" sz="3000" dirty="0">
+                <a:ln w="0">
+                  <a:noFill/>
+                </a:ln>
+                <a:solidFill>
+                  <a:schemeClr val="bg1"/>
+                </a:solidFill>
+              </a:endParaRPr>
+            </a:p>
+          </p:txBody>
+        </p:sp>
+      </p:grpSp>
+      <p:grpSp>
+        <p:nvGrpSpPr>
+          <p:cNvPr id="46" name="グループ化 45">
+            <a:extLst>
+              <a:ext uri="{FF2B5EF4-FFF2-40B4-BE49-F238E27FC236}">
+                <a16:creationId xmlns:a16="http://schemas.microsoft.com/office/drawing/2014/main" id="{6899AFD8-51A0-75AF-F50F-3883A9A3AA93}"/>
+              </a:ext>
+            </a:extLst>
+          </p:cNvPr>
+          <p:cNvGrpSpPr/>
+          <p:nvPr/>
+        </p:nvGrpSpPr>
+        <p:grpSpPr>
+          <a:xfrm>
+            <a:off x="4778385" y="4657224"/>
+            <a:ext cx="540434" cy="553998"/>
+            <a:chOff x="5713782" y="3414471"/>
+            <a:chExt cx="540434" cy="553998"/>
+          </a:xfrm>
+        </p:grpSpPr>
+        <p:sp>
+          <p:nvSpPr>
+            <p:cNvPr id="47" name="楕円 46">
+              <a:extLst>
+                <a:ext uri="{FF2B5EF4-FFF2-40B4-BE49-F238E27FC236}">
+                  <a16:creationId xmlns:a16="http://schemas.microsoft.com/office/drawing/2014/main" id="{308C3F58-367B-0047-6D53-7775B956406E}"/>
+                </a:ext>
+              </a:extLst>
+            </p:cNvPr>
+            <p:cNvSpPr>
+              <a:spLocks noChangeAspect="1"/>
+            </p:cNvSpPr>
+            <p:nvPr/>
+          </p:nvSpPr>
+          <p:spPr>
+            <a:xfrm>
+              <a:off x="5803999" y="3488577"/>
+              <a:ext cx="360000" cy="360000"/>
+            </a:xfrm>
+            <a:prstGeom prst="ellipse">
+              <a:avLst/>
+            </a:prstGeom>
+            <a:solidFill>
+              <a:srgbClr val="F85EA7"/>
+            </a:solidFill>
+            <a:ln w="38100">
+              <a:solidFill>
+                <a:srgbClr val="F85EA7"/>
+              </a:solidFill>
+            </a:ln>
+          </p:spPr>
+          <p:style>
+            <a:lnRef idx="2">
+              <a:schemeClr val="accent1">
+                <a:shade val="50000"/>
+              </a:schemeClr>
+            </a:lnRef>
+            <a:fillRef idx="1">
+              <a:schemeClr val="accent1"/>
+            </a:fillRef>
+            <a:effectRef idx="0">
+              <a:schemeClr val="accent1"/>
+            </a:effectRef>
+            <a:fontRef idx="minor">
+              <a:schemeClr val="lt1"/>
+            </a:fontRef>
+          </p:style>
+          <p:txBody>
+            <a:bodyPr rtlCol="0" anchor="ctr"/>
+            <a:lstStyle/>
+            <a:p>
+              <a:pPr algn="dist"/>
+              <a:endParaRPr kumimoji="1" lang="ja-JP" altLang="en-US" dirty="0"/>
+            </a:p>
+          </p:txBody>
+        </p:sp>
+        <p:sp>
+          <p:nvSpPr>
+            <p:cNvPr id="48" name="正方形/長方形 47">
+              <a:extLst>
+                <a:ext uri="{FF2B5EF4-FFF2-40B4-BE49-F238E27FC236}">
+                  <a16:creationId xmlns:a16="http://schemas.microsoft.com/office/drawing/2014/main" id="{4F38B65D-8C3E-7A2D-551F-14B774E6F130}"/>
+                </a:ext>
+              </a:extLst>
+            </p:cNvPr>
+            <p:cNvSpPr/>
+            <p:nvPr/>
+          </p:nvSpPr>
+          <p:spPr>
+            <a:xfrm>
+              <a:off x="5713782" y="3414471"/>
+              <a:ext cx="540434" cy="553998"/>
+            </a:xfrm>
+            <a:prstGeom prst="rect">
+              <a:avLst/>
+            </a:prstGeom>
+            <a:noFill/>
+          </p:spPr>
+          <p:txBody>
+            <a:bodyPr wrap="square" lIns="91440" tIns="45720" rIns="91440" bIns="45720">
+              <a:spAutoFit/>
+            </a:bodyPr>
+            <a:lstStyle/>
+            <a:p>
+              <a:pPr algn="ctr"/>
+              <a:r>
+                <a:rPr lang="ja-JP" altLang="en-US" sz="3000" dirty="0">
+                  <a:ln w="0">
+                    <a:noFill/>
+                  </a:ln>
+                  <a:solidFill>
+                    <a:schemeClr val="bg1"/>
+                  </a:solidFill>
+                </a:rPr>
+                <a:t>⑤</a:t>
+              </a:r>
+              <a:endParaRPr lang="ja-JP" altLang="en-US" sz="3000" b="0" cap="none" spc="0" dirty="0">
+                <a:ln w="0">
+                  <a:noFill/>
+                </a:ln>
+                <a:solidFill>
+                  <a:schemeClr val="bg1"/>
+                </a:solidFill>
+              </a:endParaRPr>
+            </a:p>
+          </p:txBody>
+        </p:sp>
+      </p:grpSp>
+      <p:grpSp>
+        <p:nvGrpSpPr>
+          <p:cNvPr id="49" name="グループ化 48">
+            <a:extLst>
+              <a:ext uri="{FF2B5EF4-FFF2-40B4-BE49-F238E27FC236}">
+                <a16:creationId xmlns:a16="http://schemas.microsoft.com/office/drawing/2014/main" id="{1EB4B0E3-14D9-F24B-1CD9-1A130727AC2F}"/>
+              </a:ext>
+            </a:extLst>
+          </p:cNvPr>
+          <p:cNvGrpSpPr/>
+          <p:nvPr/>
+        </p:nvGrpSpPr>
+        <p:grpSpPr>
+          <a:xfrm>
+            <a:off x="5415829" y="6399178"/>
+            <a:ext cx="540434" cy="553998"/>
+            <a:chOff x="5713782" y="3414471"/>
+            <a:chExt cx="540434" cy="553998"/>
+          </a:xfrm>
+        </p:grpSpPr>
+        <p:sp>
+          <p:nvSpPr>
+            <p:cNvPr id="50" name="楕円 49">
+              <a:extLst>
+                <a:ext uri="{FF2B5EF4-FFF2-40B4-BE49-F238E27FC236}">
+                  <a16:creationId xmlns:a16="http://schemas.microsoft.com/office/drawing/2014/main" id="{7905E772-054A-CAF3-0E53-E8329AD4F1CE}"/>
+                </a:ext>
+              </a:extLst>
+            </p:cNvPr>
+            <p:cNvSpPr>
+              <a:spLocks noChangeAspect="1"/>
+            </p:cNvSpPr>
+            <p:nvPr/>
+          </p:nvSpPr>
+          <p:spPr>
+            <a:xfrm>
+              <a:off x="5803999" y="3488577"/>
+              <a:ext cx="360000" cy="360000"/>
+            </a:xfrm>
+            <a:prstGeom prst="ellipse">
+              <a:avLst/>
+            </a:prstGeom>
+            <a:solidFill>
+              <a:srgbClr val="F85EA7"/>
+            </a:solidFill>
+            <a:ln w="38100">
+              <a:solidFill>
+                <a:srgbClr val="F85EA7"/>
+              </a:solidFill>
+            </a:ln>
+          </p:spPr>
+          <p:style>
+            <a:lnRef idx="2">
+              <a:schemeClr val="accent1">
+                <a:shade val="50000"/>
+              </a:schemeClr>
+            </a:lnRef>
+            <a:fillRef idx="1">
+              <a:schemeClr val="accent1"/>
+            </a:fillRef>
+            <a:effectRef idx="0">
+              <a:schemeClr val="accent1"/>
+            </a:effectRef>
+            <a:fontRef idx="minor">
+              <a:schemeClr val="lt1"/>
+            </a:fontRef>
+          </p:style>
+          <p:txBody>
+            <a:bodyPr rtlCol="0" anchor="ctr"/>
+            <a:lstStyle/>
+            <a:p>
+              <a:pPr algn="dist"/>
+              <a:endParaRPr kumimoji="1" lang="ja-JP" altLang="en-US" dirty="0"/>
+            </a:p>
+          </p:txBody>
+        </p:sp>
+        <p:sp>
+          <p:nvSpPr>
+            <p:cNvPr id="51" name="正方形/長方形 50">
+              <a:extLst>
+                <a:ext uri="{FF2B5EF4-FFF2-40B4-BE49-F238E27FC236}">
+                  <a16:creationId xmlns:a16="http://schemas.microsoft.com/office/drawing/2014/main" id="{6FF99623-F37C-496B-8DA6-C319215E58CC}"/>
+                </a:ext>
+              </a:extLst>
+            </p:cNvPr>
+            <p:cNvSpPr/>
+            <p:nvPr/>
+          </p:nvSpPr>
+          <p:spPr>
+            <a:xfrm>
+              <a:off x="5713782" y="3414471"/>
+              <a:ext cx="540434" cy="553998"/>
+            </a:xfrm>
+            <a:prstGeom prst="rect">
+              <a:avLst/>
+            </a:prstGeom>
+            <a:noFill/>
+          </p:spPr>
+          <p:txBody>
+            <a:bodyPr wrap="square" lIns="91440" tIns="45720" rIns="91440" bIns="45720">
+              <a:spAutoFit/>
+            </a:bodyPr>
+            <a:lstStyle/>
+            <a:p>
+              <a:pPr algn="ctr"/>
+              <a:r>
+                <a:rPr lang="ja-JP" altLang="en-US" sz="3000" dirty="0">
+                  <a:ln w="0">
+                    <a:noFill/>
+                  </a:ln>
+                  <a:solidFill>
+                    <a:schemeClr val="bg1"/>
+                  </a:solidFill>
+                </a:rPr>
+                <a:t>⑩</a:t>
+              </a:r>
+              <a:endParaRPr lang="ja-JP" altLang="en-US" sz="3000" b="0" cap="none" spc="0" dirty="0">
+                <a:ln w="0">
+                  <a:noFill/>
+                </a:ln>
+                <a:solidFill>
+                  <a:schemeClr val="bg1"/>
+                </a:solidFill>
+              </a:endParaRPr>
+            </a:p>
+          </p:txBody>
+        </p:sp>
+      </p:grpSp>
+      <p:grpSp>
+        <p:nvGrpSpPr>
+          <p:cNvPr id="52" name="グループ化 51">
+            <a:extLst>
+              <a:ext uri="{FF2B5EF4-FFF2-40B4-BE49-F238E27FC236}">
+                <a16:creationId xmlns:a16="http://schemas.microsoft.com/office/drawing/2014/main" id="{1FDAEFC0-1CAE-144F-0D9E-6E6F712D76F3}"/>
+              </a:ext>
+            </a:extLst>
+          </p:cNvPr>
+          <p:cNvGrpSpPr/>
+          <p:nvPr/>
+        </p:nvGrpSpPr>
+        <p:grpSpPr>
+          <a:xfrm>
+            <a:off x="5415829" y="4657224"/>
+            <a:ext cx="540434" cy="553998"/>
+            <a:chOff x="5713782" y="3414471"/>
+            <a:chExt cx="540434" cy="553998"/>
+          </a:xfrm>
+        </p:grpSpPr>
+        <p:sp>
+          <p:nvSpPr>
+            <p:cNvPr id="53" name="楕円 52">
+              <a:extLst>
+                <a:ext uri="{FF2B5EF4-FFF2-40B4-BE49-F238E27FC236}">
+                  <a16:creationId xmlns:a16="http://schemas.microsoft.com/office/drawing/2014/main" id="{660D6251-BBC1-D122-2A15-5347C60D0B8C}"/>
+                </a:ext>
+              </a:extLst>
+            </p:cNvPr>
+            <p:cNvSpPr>
+              <a:spLocks noChangeAspect="1"/>
+            </p:cNvSpPr>
+            <p:nvPr/>
+          </p:nvSpPr>
+          <p:spPr>
+            <a:xfrm>
+              <a:off x="5803999" y="3488577"/>
+              <a:ext cx="360000" cy="360000"/>
+            </a:xfrm>
+            <a:prstGeom prst="ellipse">
+              <a:avLst/>
+            </a:prstGeom>
+            <a:solidFill>
+              <a:srgbClr val="F85EA7"/>
+            </a:solidFill>
+            <a:ln w="38100">
+              <a:solidFill>
+                <a:srgbClr val="F85EA7"/>
+              </a:solidFill>
+            </a:ln>
+          </p:spPr>
+          <p:style>
+            <a:lnRef idx="2">
+              <a:schemeClr val="accent1">
+                <a:shade val="50000"/>
+              </a:schemeClr>
+            </a:lnRef>
+            <a:fillRef idx="1">
+              <a:schemeClr val="accent1"/>
+            </a:fillRef>
+            <a:effectRef idx="0">
+              <a:schemeClr val="accent1"/>
+            </a:effectRef>
+            <a:fontRef idx="minor">
+              <a:schemeClr val="lt1"/>
+            </a:fontRef>
+          </p:style>
+          <p:txBody>
+            <a:bodyPr rtlCol="0" anchor="ctr"/>
+            <a:lstStyle/>
+            <a:p>
+              <a:pPr algn="dist"/>
+              <a:endParaRPr kumimoji="1" lang="ja-JP" altLang="en-US" dirty="0"/>
+            </a:p>
+          </p:txBody>
+        </p:sp>
+        <p:sp>
+          <p:nvSpPr>
+            <p:cNvPr id="54" name="正方形/長方形 53">
+              <a:extLst>
+                <a:ext uri="{FF2B5EF4-FFF2-40B4-BE49-F238E27FC236}">
+                  <a16:creationId xmlns:a16="http://schemas.microsoft.com/office/drawing/2014/main" id="{9A539544-A4EE-6671-5194-3FD40A6C0E3A}"/>
+                </a:ext>
+              </a:extLst>
+            </p:cNvPr>
+            <p:cNvSpPr/>
+            <p:nvPr/>
+          </p:nvSpPr>
+          <p:spPr>
+            <a:xfrm>
+              <a:off x="5713782" y="3414471"/>
+              <a:ext cx="540434" cy="553998"/>
+            </a:xfrm>
+            <a:prstGeom prst="rect">
+              <a:avLst/>
+            </a:prstGeom>
+            <a:noFill/>
+          </p:spPr>
+          <p:txBody>
+            <a:bodyPr wrap="square" lIns="91440" tIns="45720" rIns="91440" bIns="45720">
+              <a:spAutoFit/>
+            </a:bodyPr>
+            <a:lstStyle/>
+            <a:p>
+              <a:pPr algn="ctr"/>
+              <a:r>
+                <a:rPr lang="ja-JP" altLang="en-US" sz="3000" dirty="0">
+                  <a:ln w="0">
+                    <a:noFill/>
+                  </a:ln>
+                  <a:solidFill>
+                    <a:schemeClr val="bg1"/>
+                  </a:solidFill>
+                </a:rPr>
+                <a:t>⑭</a:t>
+              </a:r>
+              <a:endParaRPr lang="ja-JP" altLang="en-US" sz="3000" b="0" cap="none" spc="0" dirty="0">
+                <a:ln w="0">
+                  <a:noFill/>
+                </a:ln>
+                <a:solidFill>
+                  <a:schemeClr val="bg1"/>
+                </a:solidFill>
+              </a:endParaRPr>
+            </a:p>
+          </p:txBody>
+        </p:sp>
+      </p:grpSp>
+      <p:grpSp>
+        <p:nvGrpSpPr>
+          <p:cNvPr id="55" name="グループ化 54">
+            <a:extLst>
+              <a:ext uri="{FF2B5EF4-FFF2-40B4-BE49-F238E27FC236}">
+                <a16:creationId xmlns:a16="http://schemas.microsoft.com/office/drawing/2014/main" id="{07AC395B-63E4-9243-0070-E4684C4E0EB0}"/>
+              </a:ext>
+            </a:extLst>
+          </p:cNvPr>
+          <p:cNvGrpSpPr/>
+          <p:nvPr/>
+        </p:nvGrpSpPr>
+        <p:grpSpPr>
+          <a:xfrm>
+            <a:off x="4778385" y="6390981"/>
+            <a:ext cx="540434" cy="553998"/>
+            <a:chOff x="5713782" y="3414471"/>
+            <a:chExt cx="540434" cy="553998"/>
+          </a:xfrm>
+        </p:grpSpPr>
+        <p:sp>
+          <p:nvSpPr>
+            <p:cNvPr id="56" name="楕円 55">
+              <a:extLst>
+                <a:ext uri="{FF2B5EF4-FFF2-40B4-BE49-F238E27FC236}">
+                  <a16:creationId xmlns:a16="http://schemas.microsoft.com/office/drawing/2014/main" id="{05021835-5F29-C95F-AF28-4395917DDBD8}"/>
+                </a:ext>
+              </a:extLst>
+            </p:cNvPr>
+            <p:cNvSpPr>
+              <a:spLocks noChangeAspect="1"/>
+            </p:cNvSpPr>
+            <p:nvPr/>
+          </p:nvSpPr>
+          <p:spPr>
+            <a:xfrm>
+              <a:off x="5803999" y="3488577"/>
+              <a:ext cx="360000" cy="360000"/>
+            </a:xfrm>
+            <a:prstGeom prst="ellipse">
+              <a:avLst/>
+            </a:prstGeom>
+            <a:solidFill>
+              <a:srgbClr val="F85EA7"/>
+            </a:solidFill>
+            <a:ln w="38100">
+              <a:solidFill>
+                <a:srgbClr val="F85EA7"/>
+              </a:solidFill>
+            </a:ln>
+          </p:spPr>
+          <p:style>
+            <a:lnRef idx="2">
+              <a:schemeClr val="accent1">
+                <a:shade val="50000"/>
+              </a:schemeClr>
+            </a:lnRef>
+            <a:fillRef idx="1">
+              <a:schemeClr val="accent1"/>
+            </a:fillRef>
+            <a:effectRef idx="0">
+              <a:schemeClr val="accent1"/>
+            </a:effectRef>
+            <a:fontRef idx="minor">
+              <a:schemeClr val="lt1"/>
+            </a:fontRef>
+          </p:style>
+          <p:txBody>
+            <a:bodyPr rtlCol="0" anchor="ctr"/>
+            <a:lstStyle/>
+            <a:p>
+              <a:pPr algn="dist"/>
+              <a:endParaRPr kumimoji="1" lang="ja-JP" altLang="en-US" dirty="0"/>
+            </a:p>
+          </p:txBody>
+        </p:sp>
+        <p:sp>
+          <p:nvSpPr>
+            <p:cNvPr id="57" name="正方形/長方形 56">
+              <a:extLst>
+                <a:ext uri="{FF2B5EF4-FFF2-40B4-BE49-F238E27FC236}">
+                  <a16:creationId xmlns:a16="http://schemas.microsoft.com/office/drawing/2014/main" id="{C60AC232-0B64-64C9-6864-20EFA39C4BC9}"/>
+                </a:ext>
+              </a:extLst>
+            </p:cNvPr>
+            <p:cNvSpPr/>
+            <p:nvPr/>
+          </p:nvSpPr>
+          <p:spPr>
+            <a:xfrm>
+              <a:off x="5713782" y="3414471"/>
+              <a:ext cx="540434" cy="553998"/>
+            </a:xfrm>
+            <a:prstGeom prst="rect">
+              <a:avLst/>
+            </a:prstGeom>
+            <a:noFill/>
+          </p:spPr>
+          <p:txBody>
+            <a:bodyPr wrap="square" lIns="91440" tIns="45720" rIns="91440" bIns="45720">
+              <a:spAutoFit/>
+            </a:bodyPr>
+            <a:lstStyle/>
+            <a:p>
+              <a:pPr algn="ctr"/>
+              <a:r>
+                <a:rPr lang="ja-JP" altLang="en-US" sz="3000" dirty="0">
+                  <a:ln w="0">
+                    <a:noFill/>
+                  </a:ln>
+                  <a:solidFill>
+                    <a:schemeClr val="bg1"/>
+                  </a:solidFill>
+                </a:rPr>
+                <a:t>①</a:t>
+              </a:r>
+              <a:endParaRPr lang="ja-JP" altLang="en-US" sz="3000" b="0" cap="none" spc="0" dirty="0">
+                <a:ln w="0">
+                  <a:noFill/>
+                </a:ln>
+                <a:solidFill>
+                  <a:schemeClr val="bg1"/>
+                </a:solidFill>
+              </a:endParaRPr>
+            </a:p>
+          </p:txBody>
+        </p:sp>
+      </p:grpSp>
+      <p:sp>
+        <p:nvSpPr>
+          <p:cNvPr id="58" name="正方形/長方形 57">
+            <a:extLst>
+              <a:ext uri="{FF2B5EF4-FFF2-40B4-BE49-F238E27FC236}">
+                <a16:creationId xmlns:a16="http://schemas.microsoft.com/office/drawing/2014/main" id="{7A2F4B54-B6F6-E70D-7BB3-088D45094EF5}"/>
+              </a:ext>
+            </a:extLst>
+          </p:cNvPr>
+          <p:cNvSpPr/>
+          <p:nvPr/>
+        </p:nvSpPr>
+        <p:spPr>
+          <a:xfrm rot="10800000">
+            <a:off x="1866046" y="2822134"/>
+            <a:ext cx="726481" cy="1323439"/>
+          </a:xfrm>
+          <a:prstGeom prst="rect">
+            <a:avLst/>
+          </a:prstGeom>
+          <a:noFill/>
+        </p:spPr>
+        <p:txBody>
+          <a:bodyPr wrap="square" lIns="91440" tIns="45720" rIns="91440" bIns="45720">
+            <a:spAutoFit/>
+          </a:bodyPr>
+          <a:lstStyle/>
+          <a:p>
+            <a:pPr algn="ctr"/>
+            <a:r>
+              <a:rPr lang="ja-JP" altLang="en-US" sz="8000" b="0" cap="none" spc="0" dirty="0">
+                <a:ln w="0">
+                  <a:noFill/>
+                </a:ln>
+                <a:solidFill>
+                  <a:schemeClr val="accent2"/>
+                </a:solidFill>
+              </a:rPr>
+              <a:t>↺</a:t>
+            </a:r>
+          </a:p>
+        </p:txBody>
+      </p:sp>
+      <p:sp>
+        <p:nvSpPr>
+          <p:cNvPr id="59" name="正方形/長方形 58">
+            <a:extLst>
+              <a:ext uri="{FF2B5EF4-FFF2-40B4-BE49-F238E27FC236}">
+                <a16:creationId xmlns:a16="http://schemas.microsoft.com/office/drawing/2014/main" id="{7EC52B4C-35E3-F7D8-BC35-D24FEE17010F}"/>
+              </a:ext>
+            </a:extLst>
+          </p:cNvPr>
+          <p:cNvSpPr/>
+          <p:nvPr/>
+        </p:nvSpPr>
+        <p:spPr>
+          <a:xfrm rot="10800000">
+            <a:off x="4336789" y="2742734"/>
+            <a:ext cx="726481" cy="1323439"/>
+          </a:xfrm>
+          <a:prstGeom prst="rect">
+            <a:avLst/>
+          </a:prstGeom>
+          <a:noFill/>
+        </p:spPr>
+        <p:txBody>
+          <a:bodyPr wrap="square" lIns="91440" tIns="45720" rIns="91440" bIns="45720">
+            <a:spAutoFit/>
+          </a:bodyPr>
+          <a:lstStyle/>
+          <a:p>
+            <a:pPr algn="ctr"/>
+            <a:r>
+              <a:rPr lang="ja-JP" altLang="en-US" sz="8000" b="0" cap="none" spc="0" dirty="0">
+                <a:ln w="0">
+                  <a:noFill/>
+                </a:ln>
+                <a:solidFill>
+                  <a:srgbClr val="F85EA7"/>
+                </a:solidFill>
+              </a:rPr>
+              <a:t>↻</a:t>
+            </a:r>
+            <a:endParaRPr lang="en-US" altLang="ja-JP" sz="8000" dirty="0">
+              <a:ln w="0">
+                <a:noFill/>
+              </a:ln>
+              <a:solidFill>
+                <a:srgbClr val="F85EA7"/>
+              </a:solidFill>
+            </a:endParaRPr>
+          </a:p>
+        </p:txBody>
+      </p:sp>
+      <p:sp>
+        <p:nvSpPr>
+          <p:cNvPr id="60" name="正方形/長方形 59">
+            <a:extLst>
+              <a:ext uri="{FF2B5EF4-FFF2-40B4-BE49-F238E27FC236}">
+                <a16:creationId xmlns:a16="http://schemas.microsoft.com/office/drawing/2014/main" id="{D910994F-D3E1-86E6-0DEA-8261C3011ABB}"/>
+              </a:ext>
+            </a:extLst>
+          </p:cNvPr>
+          <p:cNvSpPr/>
+          <p:nvPr/>
+        </p:nvSpPr>
+        <p:spPr>
+          <a:xfrm rot="10800000">
+            <a:off x="5703680" y="2722263"/>
+            <a:ext cx="726481" cy="1323439"/>
+          </a:xfrm>
+          <a:prstGeom prst="rect">
+            <a:avLst/>
+          </a:prstGeom>
+          <a:noFill/>
+        </p:spPr>
+        <p:txBody>
+          <a:bodyPr wrap="square" lIns="91440" tIns="45720" rIns="91440" bIns="45720">
+            <a:spAutoFit/>
+          </a:bodyPr>
+          <a:lstStyle/>
+          <a:p>
+            <a:pPr algn="ctr"/>
+            <a:r>
+              <a:rPr lang="ja-JP" altLang="en-US" sz="8000" b="0" cap="none" spc="0" dirty="0">
+                <a:ln w="0">
+                  <a:noFill/>
+                </a:ln>
+                <a:solidFill>
+                  <a:srgbClr val="F85EA7"/>
+                </a:solidFill>
+              </a:rPr>
+              <a:t>↻</a:t>
+            </a:r>
+            <a:endParaRPr lang="en-US" altLang="ja-JP" sz="8000" dirty="0">
+              <a:ln w="0">
+                <a:noFill/>
+              </a:ln>
+              <a:solidFill>
+                <a:srgbClr val="F85EA7"/>
+              </a:solidFill>
+            </a:endParaRPr>
+          </a:p>
+        </p:txBody>
+      </p:sp>
+      <p:sp>
+        <p:nvSpPr>
+          <p:cNvPr id="61" name="正方形/長方形 60">
+            <a:extLst>
+              <a:ext uri="{FF2B5EF4-FFF2-40B4-BE49-F238E27FC236}">
+                <a16:creationId xmlns:a16="http://schemas.microsoft.com/office/drawing/2014/main" id="{8AA7BDEF-ECCC-F72F-7CC1-1845BEFD1436}"/>
+              </a:ext>
+            </a:extLst>
+          </p:cNvPr>
+          <p:cNvSpPr/>
+          <p:nvPr/>
+        </p:nvSpPr>
+        <p:spPr>
+          <a:xfrm rot="10800000">
+            <a:off x="4685361" y="6029379"/>
+            <a:ext cx="726481" cy="1323439"/>
+          </a:xfrm>
+          <a:prstGeom prst="rect">
+            <a:avLst/>
+          </a:prstGeom>
+          <a:noFill/>
+        </p:spPr>
+        <p:txBody>
+          <a:bodyPr wrap="square" lIns="91440" tIns="45720" rIns="91440" bIns="45720">
+            <a:spAutoFit/>
+          </a:bodyPr>
+          <a:lstStyle/>
+          <a:p>
+            <a:pPr algn="ctr"/>
+            <a:r>
+              <a:rPr lang="ja-JP" altLang="en-US" sz="8000" b="0" cap="none" spc="0" dirty="0">
+                <a:ln w="0">
+                  <a:noFill/>
+                </a:ln>
+                <a:solidFill>
+                  <a:srgbClr val="F85EA7"/>
+                </a:solidFill>
+              </a:rPr>
+              <a:t>↺</a:t>
+            </a:r>
+          </a:p>
+        </p:txBody>
+      </p:sp>
+      <p:sp>
+        <p:nvSpPr>
+          <p:cNvPr id="62" name="正方形/長方形 61">
+            <a:extLst>
+              <a:ext uri="{FF2B5EF4-FFF2-40B4-BE49-F238E27FC236}">
+                <a16:creationId xmlns:a16="http://schemas.microsoft.com/office/drawing/2014/main" id="{63FEDA6E-5093-31B2-1DEE-3FC80F662CC3}"/>
+              </a:ext>
+            </a:extLst>
+          </p:cNvPr>
+          <p:cNvSpPr/>
+          <p:nvPr/>
+        </p:nvSpPr>
+        <p:spPr>
+          <a:xfrm rot="10800000">
+            <a:off x="5322805" y="6029379"/>
+            <a:ext cx="726481" cy="1323439"/>
+          </a:xfrm>
+          <a:prstGeom prst="rect">
+            <a:avLst/>
+          </a:prstGeom>
+          <a:noFill/>
+        </p:spPr>
+        <p:txBody>
+          <a:bodyPr wrap="square" lIns="91440" tIns="45720" rIns="91440" bIns="45720">
+            <a:spAutoFit/>
+          </a:bodyPr>
+          <a:lstStyle/>
+          <a:p>
+            <a:pPr algn="ctr"/>
+            <a:r>
+              <a:rPr lang="ja-JP" altLang="en-US" sz="8000" b="0" cap="none" spc="0" dirty="0">
+                <a:ln w="0">
+                  <a:noFill/>
+                </a:ln>
+                <a:solidFill>
+                  <a:srgbClr val="F85EA7"/>
+                </a:solidFill>
+              </a:rPr>
+              <a:t>↺</a:t>
+            </a:r>
+          </a:p>
+        </p:txBody>
+      </p:sp>
+      <p:sp>
+        <p:nvSpPr>
+          <p:cNvPr id="63" name="正方形/長方形 62">
+            <a:extLst>
+              <a:ext uri="{FF2B5EF4-FFF2-40B4-BE49-F238E27FC236}">
+                <a16:creationId xmlns:a16="http://schemas.microsoft.com/office/drawing/2014/main" id="{5EC7179C-9656-C108-5C47-BEAF5AA33114}"/>
+              </a:ext>
+            </a:extLst>
+          </p:cNvPr>
+          <p:cNvSpPr/>
+          <p:nvPr/>
+        </p:nvSpPr>
+        <p:spPr>
+          <a:xfrm rot="10800000">
+            <a:off x="4682395" y="4281661"/>
+            <a:ext cx="726481" cy="1323439"/>
+          </a:xfrm>
+          <a:prstGeom prst="rect">
+            <a:avLst/>
+          </a:prstGeom>
+          <a:noFill/>
+        </p:spPr>
+        <p:txBody>
+          <a:bodyPr wrap="square" lIns="91440" tIns="45720" rIns="91440" bIns="45720">
+            <a:spAutoFit/>
+          </a:bodyPr>
+          <a:lstStyle/>
+          <a:p>
+            <a:pPr algn="ctr"/>
+            <a:r>
+              <a:rPr lang="ja-JP" altLang="en-US" sz="8000" b="0" cap="none" spc="0" dirty="0">
+                <a:ln w="0">
+                  <a:noFill/>
+                </a:ln>
+                <a:solidFill>
+                  <a:srgbClr val="F85EA7"/>
+                </a:solidFill>
+              </a:rPr>
+              <a:t>↻</a:t>
+            </a:r>
+            <a:endParaRPr lang="en-US" altLang="ja-JP" sz="8000" dirty="0">
+              <a:ln w="0">
+                <a:noFill/>
+              </a:ln>
+              <a:solidFill>
+                <a:srgbClr val="F85EA7"/>
+              </a:solidFill>
+            </a:endParaRPr>
+          </a:p>
+        </p:txBody>
+      </p:sp>
+      <p:sp>
+        <p:nvSpPr>
+          <p:cNvPr id="64" name="正方形/長方形 63">
+            <a:extLst>
+              <a:ext uri="{FF2B5EF4-FFF2-40B4-BE49-F238E27FC236}">
+                <a16:creationId xmlns:a16="http://schemas.microsoft.com/office/drawing/2014/main" id="{DE93C1E8-0684-A279-C0AB-F4F0AE2237D3}"/>
+              </a:ext>
+            </a:extLst>
+          </p:cNvPr>
+          <p:cNvSpPr/>
+          <p:nvPr/>
+        </p:nvSpPr>
+        <p:spPr>
+          <a:xfrm rot="10800000">
+            <a:off x="5329444" y="4281661"/>
+            <a:ext cx="726481" cy="1323439"/>
+          </a:xfrm>
+          <a:prstGeom prst="rect">
+            <a:avLst/>
+          </a:prstGeom>
+          <a:noFill/>
+        </p:spPr>
+        <p:txBody>
+          <a:bodyPr wrap="square" lIns="91440" tIns="45720" rIns="91440" bIns="45720">
+            <a:spAutoFit/>
+          </a:bodyPr>
+          <a:lstStyle/>
+          <a:p>
+            <a:pPr algn="ctr"/>
+            <a:r>
+              <a:rPr lang="ja-JP" altLang="en-US" sz="8000" b="0" cap="none" spc="0" dirty="0">
+                <a:ln w="0">
+                  <a:noFill/>
+                </a:ln>
+                <a:solidFill>
+                  <a:srgbClr val="F85EA7"/>
+                </a:solidFill>
+              </a:rPr>
+              <a:t>↻</a:t>
+            </a:r>
+            <a:endParaRPr lang="en-US" altLang="ja-JP" sz="8000" dirty="0">
+              <a:ln w="0">
+                <a:noFill/>
+              </a:ln>
+              <a:solidFill>
+                <a:srgbClr val="F85EA7"/>
+              </a:solidFill>
+            </a:endParaRPr>
+          </a:p>
+        </p:txBody>
+      </p:sp>
+      <p:sp>
+        <p:nvSpPr>
+          <p:cNvPr id="65" name="正方形/長方形 64">
+            <a:extLst>
+              <a:ext uri="{FF2B5EF4-FFF2-40B4-BE49-F238E27FC236}">
+                <a16:creationId xmlns:a16="http://schemas.microsoft.com/office/drawing/2014/main" id="{C7973062-F7FD-DBFF-D22C-F389B329FB86}"/>
+              </a:ext>
+            </a:extLst>
+          </p:cNvPr>
+          <p:cNvSpPr/>
+          <p:nvPr/>
+        </p:nvSpPr>
+        <p:spPr>
+          <a:xfrm rot="10800000">
+            <a:off x="1878673" y="3546858"/>
+            <a:ext cx="726481" cy="1323439"/>
+          </a:xfrm>
+          <a:prstGeom prst="rect">
+            <a:avLst/>
+          </a:prstGeom>
+          <a:noFill/>
+        </p:spPr>
+        <p:txBody>
+          <a:bodyPr wrap="square" lIns="91440" tIns="45720" rIns="91440" bIns="45720">
+            <a:spAutoFit/>
+          </a:bodyPr>
+          <a:lstStyle/>
+          <a:p>
+            <a:pPr algn="ctr"/>
+            <a:r>
+              <a:rPr lang="ja-JP" altLang="en-US" sz="8000" b="0" cap="none" spc="0" dirty="0">
+                <a:ln w="0">
+                  <a:solidFill>
+                    <a:srgbClr val="F85EA7"/>
+                  </a:solidFill>
+                </a:ln>
+                <a:solidFill>
+                  <a:schemeClr val="accent2"/>
+                </a:solidFill>
+              </a:rPr>
+              <a:t>↻</a:t>
+            </a:r>
+            <a:endParaRPr lang="en-US" altLang="ja-JP" sz="8000" dirty="0">
+              <a:ln w="0">
+                <a:noFill/>
+              </a:ln>
+              <a:solidFill>
+                <a:schemeClr val="accent2"/>
+              </a:solidFill>
+            </a:endParaRPr>
+          </a:p>
+        </p:txBody>
+      </p:sp>
+      <p:sp>
+        <p:nvSpPr>
+          <p:cNvPr id="66" name="正方形/長方形 65">
+            <a:extLst>
+              <a:ext uri="{FF2B5EF4-FFF2-40B4-BE49-F238E27FC236}">
+                <a16:creationId xmlns:a16="http://schemas.microsoft.com/office/drawing/2014/main" id="{40071C55-BE4A-A8F0-0512-BC65241E8675}"/>
+              </a:ext>
+            </a:extLst>
+          </p:cNvPr>
+          <p:cNvSpPr/>
+          <p:nvPr/>
+        </p:nvSpPr>
+        <p:spPr>
+          <a:xfrm rot="10800000">
+            <a:off x="1868136" y="5415209"/>
+            <a:ext cx="726481" cy="1323439"/>
+          </a:xfrm>
+          <a:prstGeom prst="rect">
+            <a:avLst/>
+          </a:prstGeom>
+          <a:noFill/>
+        </p:spPr>
+        <p:txBody>
+          <a:bodyPr wrap="square" lIns="91440" tIns="45720" rIns="91440" bIns="45720">
+            <a:spAutoFit/>
+          </a:bodyPr>
+          <a:lstStyle/>
+          <a:p>
+            <a:pPr algn="ctr"/>
+            <a:r>
+              <a:rPr lang="ja-JP" altLang="en-US" sz="8000" b="0" cap="none" spc="0" dirty="0">
+                <a:ln w="0">
+                  <a:noFill/>
+                </a:ln>
+                <a:solidFill>
+                  <a:schemeClr val="accent2"/>
+                </a:solidFill>
+              </a:rPr>
+              <a:t>↺</a:t>
+            </a:r>
+          </a:p>
+        </p:txBody>
+      </p:sp>
+      <p:sp>
+        <p:nvSpPr>
+          <p:cNvPr id="67" name="正方形/長方形 66">
+            <a:extLst>
+              <a:ext uri="{FF2B5EF4-FFF2-40B4-BE49-F238E27FC236}">
+                <a16:creationId xmlns:a16="http://schemas.microsoft.com/office/drawing/2014/main" id="{1E85FFD4-704F-6366-C17A-88026FBAB2A2}"/>
+              </a:ext>
+            </a:extLst>
+          </p:cNvPr>
+          <p:cNvSpPr/>
+          <p:nvPr/>
+        </p:nvSpPr>
+        <p:spPr>
+          <a:xfrm rot="10800000">
+            <a:off x="1871719" y="4737540"/>
+            <a:ext cx="726481" cy="1323439"/>
+          </a:xfrm>
+          <a:prstGeom prst="rect">
+            <a:avLst/>
+          </a:prstGeom>
+          <a:noFill/>
+        </p:spPr>
+        <p:txBody>
+          <a:bodyPr wrap="square" lIns="91440" tIns="45720" rIns="91440" bIns="45720">
+            <a:spAutoFit/>
+          </a:bodyPr>
+          <a:lstStyle/>
+          <a:p>
+            <a:pPr algn="ctr"/>
+            <a:r>
+              <a:rPr lang="ja-JP" altLang="en-US" sz="8000" b="0" cap="none" spc="0" dirty="0">
+                <a:ln w="0">
+                  <a:noFill/>
+                </a:ln>
+                <a:solidFill>
+                  <a:schemeClr val="accent2"/>
+                </a:solidFill>
+              </a:rPr>
+              <a:t>↺</a:t>
+            </a:r>
+          </a:p>
+        </p:txBody>
+      </p:sp>
+      <p:grpSp>
+        <p:nvGrpSpPr>
+          <p:cNvPr id="68" name="グループ化 67">
+            <a:extLst>
+              <a:ext uri="{FF2B5EF4-FFF2-40B4-BE49-F238E27FC236}">
+                <a16:creationId xmlns:a16="http://schemas.microsoft.com/office/drawing/2014/main" id="{F940DFCB-300B-29D7-207B-427A4311D1C2}"/>
+              </a:ext>
+            </a:extLst>
+          </p:cNvPr>
+          <p:cNvGrpSpPr/>
+          <p:nvPr/>
+        </p:nvGrpSpPr>
+        <p:grpSpPr>
+          <a:xfrm>
+            <a:off x="8325360" y="5101690"/>
+            <a:ext cx="540434" cy="553998"/>
+            <a:chOff x="5713782" y="3414471"/>
+            <a:chExt cx="540434" cy="553998"/>
+          </a:xfrm>
+        </p:grpSpPr>
+        <p:sp>
+          <p:nvSpPr>
+            <p:cNvPr id="69" name="楕円 68">
+              <a:extLst>
+                <a:ext uri="{FF2B5EF4-FFF2-40B4-BE49-F238E27FC236}">
+                  <a16:creationId xmlns:a16="http://schemas.microsoft.com/office/drawing/2014/main" id="{F2A00D50-EEF9-585D-AA40-B3F5F0933234}"/>
+                </a:ext>
+              </a:extLst>
+            </p:cNvPr>
+            <p:cNvSpPr>
+              <a:spLocks noChangeAspect="1"/>
+            </p:cNvSpPr>
+            <p:nvPr/>
+          </p:nvSpPr>
+          <p:spPr>
+            <a:xfrm>
+              <a:off x="5803999" y="3488577"/>
+              <a:ext cx="360000" cy="360000"/>
+            </a:xfrm>
+            <a:prstGeom prst="ellipse">
+              <a:avLst/>
+            </a:prstGeom>
+            <a:solidFill>
+              <a:schemeClr val="accent2"/>
+            </a:solidFill>
+            <a:ln w="38100">
+              <a:solidFill>
+                <a:schemeClr val="accent2"/>
+              </a:solidFill>
+            </a:ln>
+          </p:spPr>
+          <p:style>
+            <a:lnRef idx="2">
+              <a:schemeClr val="accent1">
+                <a:shade val="50000"/>
+              </a:schemeClr>
+            </a:lnRef>
+            <a:fillRef idx="1">
+              <a:schemeClr val="accent1"/>
+            </a:fillRef>
+            <a:effectRef idx="0">
+              <a:schemeClr val="accent1"/>
+            </a:effectRef>
+            <a:fontRef idx="minor">
+              <a:schemeClr val="lt1"/>
+            </a:fontRef>
+          </p:style>
+          <p:txBody>
+            <a:bodyPr rtlCol="0" anchor="ctr"/>
+            <a:lstStyle/>
+            <a:p>
+              <a:pPr algn="dist"/>
+              <a:endParaRPr kumimoji="1" lang="ja-JP" altLang="en-US" dirty="0"/>
+            </a:p>
+          </p:txBody>
+        </p:sp>
+        <p:sp>
+          <p:nvSpPr>
+            <p:cNvPr id="70" name="正方形/長方形 69">
+              <a:extLst>
+                <a:ext uri="{FF2B5EF4-FFF2-40B4-BE49-F238E27FC236}">
+                  <a16:creationId xmlns:a16="http://schemas.microsoft.com/office/drawing/2014/main" id="{81AC8650-2708-2BE1-FCFF-973ABA48D102}"/>
+                </a:ext>
+              </a:extLst>
+            </p:cNvPr>
+            <p:cNvSpPr/>
+            <p:nvPr/>
+          </p:nvSpPr>
+          <p:spPr>
+            <a:xfrm>
+              <a:off x="5713782" y="3414471"/>
+              <a:ext cx="540434" cy="553998"/>
+            </a:xfrm>
+            <a:prstGeom prst="rect">
+              <a:avLst/>
+            </a:prstGeom>
+            <a:noFill/>
+          </p:spPr>
+          <p:txBody>
+            <a:bodyPr wrap="square" lIns="91440" tIns="45720" rIns="91440" bIns="45720">
+              <a:spAutoFit/>
+            </a:bodyPr>
+            <a:lstStyle/>
+            <a:p>
+              <a:pPr algn="ctr"/>
+              <a:r>
+                <a:rPr lang="ja-JP" altLang="en-US" sz="3000" dirty="0">
+                  <a:ln w="0">
+                    <a:noFill/>
+                  </a:ln>
+                  <a:solidFill>
+                    <a:schemeClr val="bg1"/>
+                  </a:solidFill>
+                </a:rPr>
+                <a:t>⑬</a:t>
+              </a:r>
+              <a:endParaRPr lang="en-US" altLang="ja-JP" sz="3000" dirty="0">
+                <a:ln w="0">
+                  <a:noFill/>
+                </a:ln>
+                <a:solidFill>
+                  <a:schemeClr val="bg1"/>
+                </a:solidFill>
+              </a:endParaRPr>
+            </a:p>
+          </p:txBody>
+        </p:sp>
+      </p:grpSp>
+      <p:grpSp>
+        <p:nvGrpSpPr>
+          <p:cNvPr id="71" name="グループ化 70">
+            <a:extLst>
+              <a:ext uri="{FF2B5EF4-FFF2-40B4-BE49-F238E27FC236}">
+                <a16:creationId xmlns:a16="http://schemas.microsoft.com/office/drawing/2014/main" id="{C2AEA154-74EE-6B66-0865-95A731CF9E12}"/>
+              </a:ext>
+            </a:extLst>
+          </p:cNvPr>
+          <p:cNvGrpSpPr/>
+          <p:nvPr/>
+        </p:nvGrpSpPr>
+        <p:grpSpPr>
+          <a:xfrm>
+            <a:off x="8325360" y="5781669"/>
+            <a:ext cx="540434" cy="553998"/>
+            <a:chOff x="5713782" y="3414471"/>
+            <a:chExt cx="540434" cy="553998"/>
+          </a:xfrm>
+        </p:grpSpPr>
+        <p:sp>
+          <p:nvSpPr>
+            <p:cNvPr id="72" name="楕円 71">
+              <a:extLst>
+                <a:ext uri="{FF2B5EF4-FFF2-40B4-BE49-F238E27FC236}">
+                  <a16:creationId xmlns:a16="http://schemas.microsoft.com/office/drawing/2014/main" id="{9703ABCF-B25C-9CE7-9035-6B3F2A7D056B}"/>
+                </a:ext>
+              </a:extLst>
+            </p:cNvPr>
+            <p:cNvSpPr>
+              <a:spLocks noChangeAspect="1"/>
+            </p:cNvSpPr>
+            <p:nvPr/>
+          </p:nvSpPr>
+          <p:spPr>
+            <a:xfrm>
+              <a:off x="5803999" y="3488577"/>
+              <a:ext cx="360000" cy="360000"/>
+            </a:xfrm>
+            <a:prstGeom prst="ellipse">
+              <a:avLst/>
+            </a:prstGeom>
+            <a:solidFill>
+              <a:schemeClr val="accent2"/>
+            </a:solidFill>
+            <a:ln w="38100">
+              <a:solidFill>
+                <a:schemeClr val="accent2"/>
+              </a:solidFill>
+            </a:ln>
+          </p:spPr>
+          <p:style>
+            <a:lnRef idx="2">
+              <a:schemeClr val="accent1">
+                <a:shade val="50000"/>
+              </a:schemeClr>
+            </a:lnRef>
+            <a:fillRef idx="1">
+              <a:schemeClr val="accent1"/>
+            </a:fillRef>
+            <a:effectRef idx="0">
+              <a:schemeClr val="accent1"/>
+            </a:effectRef>
+            <a:fontRef idx="minor">
+              <a:schemeClr val="lt1"/>
+            </a:fontRef>
+          </p:style>
+          <p:txBody>
+            <a:bodyPr rtlCol="0" anchor="ctr"/>
+            <a:lstStyle/>
+            <a:p>
+              <a:pPr algn="dist"/>
+              <a:endParaRPr kumimoji="1" lang="ja-JP" altLang="en-US" dirty="0"/>
+            </a:p>
+          </p:txBody>
+        </p:sp>
+        <p:sp>
+          <p:nvSpPr>
+            <p:cNvPr id="73" name="正方形/長方形 72">
+              <a:extLst>
+                <a:ext uri="{FF2B5EF4-FFF2-40B4-BE49-F238E27FC236}">
+                  <a16:creationId xmlns:a16="http://schemas.microsoft.com/office/drawing/2014/main" id="{0BE7CA1C-C94A-3963-A7C0-FC18A4647A78}"/>
+                </a:ext>
+              </a:extLst>
+            </p:cNvPr>
+            <p:cNvSpPr/>
+            <p:nvPr/>
+          </p:nvSpPr>
+          <p:spPr>
+            <a:xfrm>
+              <a:off x="5713782" y="3414471"/>
+              <a:ext cx="540434" cy="553998"/>
+            </a:xfrm>
+            <a:prstGeom prst="rect">
+              <a:avLst/>
+            </a:prstGeom>
+            <a:noFill/>
+          </p:spPr>
+          <p:txBody>
+            <a:bodyPr wrap="square" lIns="91440" tIns="45720" rIns="91440" bIns="45720">
+              <a:spAutoFit/>
+            </a:bodyPr>
+            <a:lstStyle/>
+            <a:p>
+              <a:pPr algn="ctr"/>
+              <a:r>
+                <a:rPr lang="ja-JP" altLang="en-US" sz="3000" dirty="0">
+                  <a:ln w="0">
+                    <a:noFill/>
+                  </a:ln>
+                  <a:solidFill>
+                    <a:schemeClr val="bg1"/>
+                  </a:solidFill>
+                </a:rPr>
+                <a:t>⑫</a:t>
+              </a:r>
+              <a:endParaRPr lang="en-US" altLang="ja-JP" sz="3000" dirty="0">
+                <a:ln w="0">
+                  <a:noFill/>
+                </a:ln>
+                <a:solidFill>
+                  <a:schemeClr val="bg1"/>
+                </a:solidFill>
+              </a:endParaRPr>
+            </a:p>
+          </p:txBody>
+        </p:sp>
+      </p:grpSp>
+      <p:grpSp>
+        <p:nvGrpSpPr>
+          <p:cNvPr id="74" name="グループ化 73">
+            <a:extLst>
+              <a:ext uri="{FF2B5EF4-FFF2-40B4-BE49-F238E27FC236}">
+                <a16:creationId xmlns:a16="http://schemas.microsoft.com/office/drawing/2014/main" id="{1FA1C153-3B3E-5A4A-58C3-12E210817902}"/>
+              </a:ext>
+            </a:extLst>
+          </p:cNvPr>
+          <p:cNvGrpSpPr/>
+          <p:nvPr/>
+        </p:nvGrpSpPr>
+        <p:grpSpPr>
+          <a:xfrm>
+            <a:off x="8325360" y="6461649"/>
+            <a:ext cx="540434" cy="553998"/>
+            <a:chOff x="5713782" y="3414471"/>
+            <a:chExt cx="540434" cy="553998"/>
+          </a:xfrm>
+        </p:grpSpPr>
+        <p:sp>
+          <p:nvSpPr>
+            <p:cNvPr id="75" name="楕円 74">
+              <a:extLst>
+                <a:ext uri="{FF2B5EF4-FFF2-40B4-BE49-F238E27FC236}">
+                  <a16:creationId xmlns:a16="http://schemas.microsoft.com/office/drawing/2014/main" id="{5F8BFF85-F7DD-97D8-D896-B454EF6C6230}"/>
+                </a:ext>
+              </a:extLst>
+            </p:cNvPr>
+            <p:cNvSpPr>
+              <a:spLocks noChangeAspect="1"/>
+            </p:cNvSpPr>
+            <p:nvPr/>
+          </p:nvSpPr>
+          <p:spPr>
+            <a:xfrm>
+              <a:off x="5803999" y="3488577"/>
+              <a:ext cx="360000" cy="360000"/>
+            </a:xfrm>
+            <a:prstGeom prst="ellipse">
+              <a:avLst/>
+            </a:prstGeom>
+            <a:solidFill>
+              <a:schemeClr val="accent2"/>
+            </a:solidFill>
+            <a:ln w="38100">
+              <a:solidFill>
+                <a:schemeClr val="accent2"/>
+              </a:solidFill>
+            </a:ln>
+          </p:spPr>
+          <p:style>
+            <a:lnRef idx="2">
+              <a:schemeClr val="accent1">
+                <a:shade val="50000"/>
+              </a:schemeClr>
+            </a:lnRef>
+            <a:fillRef idx="1">
+              <a:schemeClr val="accent1"/>
+            </a:fillRef>
+            <a:effectRef idx="0">
+              <a:schemeClr val="accent1"/>
+            </a:effectRef>
+            <a:fontRef idx="minor">
+              <a:schemeClr val="lt1"/>
+            </a:fontRef>
+          </p:style>
+          <p:txBody>
+            <a:bodyPr rtlCol="0" anchor="ctr"/>
+            <a:lstStyle/>
+            <a:p>
+              <a:pPr algn="dist"/>
+              <a:endParaRPr kumimoji="1" lang="ja-JP" altLang="en-US" dirty="0"/>
+            </a:p>
+          </p:txBody>
+        </p:sp>
+        <p:sp>
+          <p:nvSpPr>
+            <p:cNvPr id="76" name="正方形/長方形 75">
+              <a:extLst>
+                <a:ext uri="{FF2B5EF4-FFF2-40B4-BE49-F238E27FC236}">
+                  <a16:creationId xmlns:a16="http://schemas.microsoft.com/office/drawing/2014/main" id="{3D301DFB-788F-D1DB-CFE6-8F90C819D2FE}"/>
+                </a:ext>
+              </a:extLst>
+            </p:cNvPr>
+            <p:cNvSpPr/>
+            <p:nvPr/>
+          </p:nvSpPr>
+          <p:spPr>
+            <a:xfrm>
+              <a:off x="5713782" y="3414471"/>
+              <a:ext cx="540434" cy="553998"/>
+            </a:xfrm>
+            <a:prstGeom prst="rect">
+              <a:avLst/>
+            </a:prstGeom>
+            <a:noFill/>
+          </p:spPr>
+          <p:txBody>
+            <a:bodyPr wrap="square" lIns="91440" tIns="45720" rIns="91440" bIns="45720">
+              <a:spAutoFit/>
+            </a:bodyPr>
+            <a:lstStyle/>
+            <a:p>
+              <a:pPr algn="ctr"/>
+              <a:r>
+                <a:rPr lang="ja-JP" altLang="en-US" sz="3000" dirty="0">
+                  <a:ln w="0">
+                    <a:noFill/>
+                  </a:ln>
+                  <a:solidFill>
+                    <a:schemeClr val="bg1"/>
+                  </a:solidFill>
+                </a:rPr>
+                <a:t>⑪</a:t>
+              </a:r>
+              <a:endParaRPr lang="en-US" altLang="ja-JP" sz="3000" dirty="0">
+                <a:ln w="0">
+                  <a:noFill/>
+                </a:ln>
+                <a:solidFill>
+                  <a:schemeClr val="bg1"/>
+                </a:solidFill>
+              </a:endParaRPr>
+            </a:p>
+          </p:txBody>
+        </p:sp>
+      </p:grpSp>
+      <p:sp>
+        <p:nvSpPr>
+          <p:cNvPr id="77" name="正方形/長方形 76">
+            <a:extLst>
+              <a:ext uri="{FF2B5EF4-FFF2-40B4-BE49-F238E27FC236}">
+                <a16:creationId xmlns:a16="http://schemas.microsoft.com/office/drawing/2014/main" id="{F11F827C-BC33-1AA3-6939-BA8EC621A24A}"/>
+              </a:ext>
+            </a:extLst>
+          </p:cNvPr>
+          <p:cNvSpPr/>
+          <p:nvPr/>
+        </p:nvSpPr>
+        <p:spPr>
+          <a:xfrm rot="10800000">
+            <a:off x="8223753" y="2798567"/>
+            <a:ext cx="726481" cy="1323439"/>
+          </a:xfrm>
+          <a:prstGeom prst="rect">
+            <a:avLst/>
+          </a:prstGeom>
+          <a:noFill/>
+        </p:spPr>
+        <p:txBody>
+          <a:bodyPr wrap="square" lIns="91440" tIns="45720" rIns="91440" bIns="45720">
+            <a:spAutoFit/>
+          </a:bodyPr>
+          <a:lstStyle/>
+          <a:p>
+            <a:pPr algn="ctr"/>
+            <a:r>
+              <a:rPr lang="ja-JP" altLang="en-US" sz="8000" b="0" cap="none" spc="0" dirty="0">
+                <a:ln w="0">
+                  <a:noFill/>
+                </a:ln>
+                <a:solidFill>
+                  <a:schemeClr val="accent2"/>
+                </a:solidFill>
+              </a:rPr>
+              <a:t>↺</a:t>
+            </a:r>
+          </a:p>
+        </p:txBody>
+      </p:sp>
+      <p:sp>
+        <p:nvSpPr>
+          <p:cNvPr id="78" name="正方形/長方形 77">
+            <a:extLst>
+              <a:ext uri="{FF2B5EF4-FFF2-40B4-BE49-F238E27FC236}">
+                <a16:creationId xmlns:a16="http://schemas.microsoft.com/office/drawing/2014/main" id="{4E6EC34D-4C30-B1AB-A586-956167EF3A31}"/>
+              </a:ext>
+            </a:extLst>
+          </p:cNvPr>
+          <p:cNvSpPr/>
+          <p:nvPr/>
+        </p:nvSpPr>
+        <p:spPr>
+          <a:xfrm rot="10800000">
+            <a:off x="8236380" y="3523291"/>
+            <a:ext cx="726481" cy="1323439"/>
+          </a:xfrm>
+          <a:prstGeom prst="rect">
+            <a:avLst/>
+          </a:prstGeom>
+          <a:noFill/>
+        </p:spPr>
+        <p:txBody>
+          <a:bodyPr wrap="square" lIns="91440" tIns="45720" rIns="91440" bIns="45720">
+            <a:spAutoFit/>
+          </a:bodyPr>
+          <a:lstStyle/>
+          <a:p>
+            <a:pPr algn="ctr"/>
+            <a:r>
+              <a:rPr lang="ja-JP" altLang="en-US" sz="8000" b="0" cap="none" spc="0" dirty="0">
+                <a:ln w="0">
+                  <a:noFill/>
+                </a:ln>
+                <a:solidFill>
+                  <a:schemeClr val="accent2"/>
+                </a:solidFill>
+              </a:rPr>
+              <a:t>↻</a:t>
+            </a:r>
+            <a:endParaRPr lang="en-US" altLang="ja-JP" sz="8000" dirty="0">
+              <a:ln w="0">
+                <a:noFill/>
+              </a:ln>
+              <a:solidFill>
+                <a:schemeClr val="accent2"/>
+              </a:solidFill>
+            </a:endParaRPr>
+          </a:p>
+        </p:txBody>
+      </p:sp>
+      <p:sp>
+        <p:nvSpPr>
+          <p:cNvPr id="79" name="正方形/長方形 78">
+            <a:extLst>
+              <a:ext uri="{FF2B5EF4-FFF2-40B4-BE49-F238E27FC236}">
+                <a16:creationId xmlns:a16="http://schemas.microsoft.com/office/drawing/2014/main" id="{9BC02A52-056F-7074-CEDD-D659D2ACF4E7}"/>
+              </a:ext>
+            </a:extLst>
+          </p:cNvPr>
+          <p:cNvSpPr/>
+          <p:nvPr/>
+        </p:nvSpPr>
+        <p:spPr>
+          <a:xfrm>
+            <a:off x="618582" y="6513766"/>
+            <a:ext cx="1319593" cy="461665"/>
+          </a:xfrm>
+          <a:prstGeom prst="rect">
+            <a:avLst/>
+          </a:prstGeom>
+          <a:noFill/>
+        </p:spPr>
+        <p:txBody>
+          <a:bodyPr wrap="none" lIns="91440" tIns="45720" rIns="91440" bIns="45720">
+            <a:spAutoFit/>
+          </a:bodyPr>
+          <a:lstStyle/>
+          <a:p>
+            <a:pPr algn="ctr"/>
+            <a:r>
+              <a:rPr lang="ja-JP" altLang="en-US" sz="2400" b="1" cap="none" spc="0" dirty="0">
+                <a:ln w="0"/>
+                <a:solidFill>
+                  <a:schemeClr val="accent2"/>
+                </a:solidFill>
+                <a:latin typeface="メイリオ" panose="020B0604030504040204" pitchFamily="50" charset="-128"/>
+                <a:ea typeface="メイリオ" panose="020B0604030504040204" pitchFamily="50" charset="-128"/>
+              </a:rPr>
+              <a:t>右足首</a:t>
+            </a:r>
+            <a:r>
+              <a:rPr lang="en-US" altLang="ja-JP" sz="2400" b="1" cap="none" spc="0" dirty="0">
+                <a:ln w="0"/>
+                <a:solidFill>
+                  <a:schemeClr val="accent2"/>
+                </a:solidFill>
+                <a:latin typeface="メイリオ" panose="020B0604030504040204" pitchFamily="50" charset="-128"/>
+                <a:ea typeface="メイリオ" panose="020B0604030504040204" pitchFamily="50" charset="-128"/>
+              </a:rPr>
+              <a:t>P</a:t>
+            </a:r>
+          </a:p>
+        </p:txBody>
+      </p:sp>
+      <p:sp>
+        <p:nvSpPr>
+          <p:cNvPr id="80" name="正方形/長方形 79">
+            <a:extLst>
+              <a:ext uri="{FF2B5EF4-FFF2-40B4-BE49-F238E27FC236}">
+                <a16:creationId xmlns:a16="http://schemas.microsoft.com/office/drawing/2014/main" id="{DC8D1814-AF7A-D692-7F84-1796E4A324A9}"/>
+              </a:ext>
+            </a:extLst>
+          </p:cNvPr>
+          <p:cNvSpPr/>
+          <p:nvPr/>
+        </p:nvSpPr>
+        <p:spPr>
+          <a:xfrm>
+            <a:off x="618582" y="5847833"/>
+            <a:ext cx="1319592" cy="646331"/>
+          </a:xfrm>
+          <a:prstGeom prst="rect">
+            <a:avLst/>
+          </a:prstGeom>
+          <a:noFill/>
+        </p:spPr>
+        <p:txBody>
+          <a:bodyPr wrap="none" lIns="91440" tIns="45720" rIns="91440" bIns="45720">
+            <a:spAutoFit/>
+          </a:bodyPr>
+          <a:lstStyle/>
+          <a:p>
+            <a:pPr algn="ctr"/>
+            <a:r>
+              <a:rPr lang="ja-JP" altLang="en-US" sz="2400" b="1" cap="none" spc="0" dirty="0">
+                <a:ln w="0"/>
+                <a:solidFill>
+                  <a:schemeClr val="accent2"/>
+                </a:solidFill>
+                <a:latin typeface="メイリオ" panose="020B0604030504040204" pitchFamily="50" charset="-128"/>
+                <a:ea typeface="メイリオ" panose="020B0604030504040204" pitchFamily="50" charset="-128"/>
+              </a:rPr>
+              <a:t>右</a:t>
+            </a:r>
+            <a:r>
+              <a:rPr lang="ja-JP" altLang="en-US" sz="2400" b="1" cap="none" spc="0">
+                <a:ln w="0"/>
+                <a:solidFill>
+                  <a:schemeClr val="accent2"/>
+                </a:solidFill>
+                <a:latin typeface="メイリオ" panose="020B0604030504040204" pitchFamily="50" charset="-128"/>
+                <a:ea typeface="メイリオ" panose="020B0604030504040204" pitchFamily="50" charset="-128"/>
+              </a:rPr>
+              <a:t>膝下</a:t>
+            </a:r>
+            <a:r>
+              <a:rPr lang="en-US" altLang="ja-JP" sz="2400" b="1" cap="none" spc="0">
+                <a:ln w="0"/>
+                <a:solidFill>
+                  <a:schemeClr val="accent2"/>
+                </a:solidFill>
+                <a:latin typeface="メイリオ" panose="020B0604030504040204" pitchFamily="50" charset="-128"/>
+                <a:ea typeface="メイリオ" panose="020B0604030504040204" pitchFamily="50" charset="-128"/>
+              </a:rPr>
+              <a:t>P</a:t>
+            </a:r>
+          </a:p>
+          <a:p>
+            <a:pPr algn="ctr"/>
+            <a:r>
+              <a:rPr lang="en-US" altLang="ja-JP" sz="1200" b="1" cap="none" spc="0">
+                <a:ln w="0"/>
+                <a:solidFill>
+                  <a:schemeClr val="accent2"/>
+                </a:solidFill>
+                <a:latin typeface="メイリオ" panose="020B0604030504040204" pitchFamily="50" charset="-128"/>
+                <a:ea typeface="メイリオ" panose="020B0604030504040204" pitchFamily="50" charset="-128"/>
+              </a:rPr>
+              <a:t>Reverse</a:t>
+            </a:r>
+            <a:endParaRPr lang="en-US" altLang="ja-JP" sz="2400" b="1" cap="none" spc="0" dirty="0">
+              <a:ln w="0"/>
+              <a:solidFill>
+                <a:schemeClr val="accent2"/>
+              </a:solidFill>
+              <a:latin typeface="メイリオ" panose="020B0604030504040204" pitchFamily="50" charset="-128"/>
+              <a:ea typeface="メイリオ" panose="020B0604030504040204" pitchFamily="50" charset="-128"/>
+            </a:endParaRPr>
+          </a:p>
+        </p:txBody>
+      </p:sp>
+      <p:sp>
+        <p:nvSpPr>
+          <p:cNvPr id="81" name="正方形/長方形 80">
+            <a:extLst>
+              <a:ext uri="{FF2B5EF4-FFF2-40B4-BE49-F238E27FC236}">
+                <a16:creationId xmlns:a16="http://schemas.microsoft.com/office/drawing/2014/main" id="{D69817C3-4F84-3EAC-9CFE-1BE7F7728A75}"/>
+              </a:ext>
+            </a:extLst>
+          </p:cNvPr>
+          <p:cNvSpPr/>
+          <p:nvPr/>
+        </p:nvSpPr>
+        <p:spPr>
+          <a:xfrm>
+            <a:off x="618582" y="5151008"/>
+            <a:ext cx="1319592" cy="646331"/>
+          </a:xfrm>
+          <a:prstGeom prst="rect">
+            <a:avLst/>
+          </a:prstGeom>
+          <a:noFill/>
+        </p:spPr>
+        <p:txBody>
+          <a:bodyPr wrap="none" lIns="91440" tIns="45720" rIns="91440" bIns="45720">
+            <a:spAutoFit/>
+          </a:bodyPr>
+          <a:lstStyle/>
+          <a:p>
+            <a:pPr algn="ctr"/>
+            <a:r>
+              <a:rPr lang="ja-JP" altLang="en-US" sz="2400" b="1" cap="none" spc="0" dirty="0">
+                <a:ln w="0"/>
+                <a:solidFill>
+                  <a:schemeClr val="accent2"/>
+                </a:solidFill>
+                <a:latin typeface="メイリオ" panose="020B0604030504040204" pitchFamily="50" charset="-128"/>
+                <a:ea typeface="メイリオ" panose="020B0604030504040204" pitchFamily="50" charset="-128"/>
+              </a:rPr>
+              <a:t>右</a:t>
+            </a:r>
+            <a:r>
+              <a:rPr lang="ja-JP" altLang="en-US" sz="2400" b="1" cap="none" spc="0">
+                <a:ln w="0"/>
+                <a:solidFill>
+                  <a:schemeClr val="accent2"/>
+                </a:solidFill>
+                <a:latin typeface="メイリオ" panose="020B0604030504040204" pitchFamily="50" charset="-128"/>
+                <a:ea typeface="メイリオ" panose="020B0604030504040204" pitchFamily="50" charset="-128"/>
+              </a:rPr>
+              <a:t>膝上</a:t>
+            </a:r>
+            <a:r>
+              <a:rPr lang="en-US" altLang="ja-JP" sz="2400" b="1" cap="none" spc="0">
+                <a:ln w="0"/>
+                <a:solidFill>
+                  <a:schemeClr val="accent2"/>
+                </a:solidFill>
+                <a:latin typeface="メイリオ" panose="020B0604030504040204" pitchFamily="50" charset="-128"/>
+                <a:ea typeface="メイリオ" panose="020B0604030504040204" pitchFamily="50" charset="-128"/>
+              </a:rPr>
+              <a:t>P</a:t>
+            </a:r>
+          </a:p>
+          <a:p>
+            <a:pPr algn="ctr"/>
+            <a:r>
+              <a:rPr lang="en-US" altLang="ja-JP" sz="1200" b="1" cap="none" spc="0">
+                <a:ln w="0"/>
+                <a:solidFill>
+                  <a:schemeClr val="accent2"/>
+                </a:solidFill>
+                <a:latin typeface="メイリオ" panose="020B0604030504040204" pitchFamily="50" charset="-128"/>
+                <a:ea typeface="メイリオ" panose="020B0604030504040204" pitchFamily="50" charset="-128"/>
+              </a:rPr>
+              <a:t>Reverse</a:t>
+            </a:r>
+          </a:p>
+        </p:txBody>
+      </p:sp>
+      <p:sp>
+        <p:nvSpPr>
+          <p:cNvPr id="82" name="正方形/長方形 81">
+            <a:extLst>
+              <a:ext uri="{FF2B5EF4-FFF2-40B4-BE49-F238E27FC236}">
+                <a16:creationId xmlns:a16="http://schemas.microsoft.com/office/drawing/2014/main" id="{8F50EF4D-A43F-3012-D861-714F3C4249D3}"/>
+              </a:ext>
+            </a:extLst>
+          </p:cNvPr>
+          <p:cNvSpPr/>
+          <p:nvPr/>
+        </p:nvSpPr>
+        <p:spPr>
+          <a:xfrm>
+            <a:off x="926359" y="3960326"/>
+            <a:ext cx="1011815" cy="461665"/>
+          </a:xfrm>
+          <a:prstGeom prst="rect">
+            <a:avLst/>
+          </a:prstGeom>
+          <a:noFill/>
+        </p:spPr>
+        <p:txBody>
+          <a:bodyPr wrap="none" lIns="91440" tIns="45720" rIns="91440" bIns="45720">
+            <a:spAutoFit/>
+          </a:bodyPr>
+          <a:lstStyle/>
+          <a:p>
+            <a:pPr algn="ctr"/>
+            <a:r>
+              <a:rPr lang="ja-JP" altLang="en-US" sz="2400" b="1" dirty="0">
+                <a:ln w="0"/>
+                <a:solidFill>
+                  <a:schemeClr val="accent2"/>
+                </a:solidFill>
+                <a:latin typeface="メイリオ" panose="020B0604030504040204" pitchFamily="50" charset="-128"/>
+                <a:ea typeface="メイリオ" panose="020B0604030504040204" pitchFamily="50" charset="-128"/>
+              </a:rPr>
+              <a:t>右肘</a:t>
+            </a:r>
+            <a:r>
+              <a:rPr lang="en-US" altLang="ja-JP" sz="2400" b="1" cap="none" spc="0" dirty="0">
+                <a:ln w="0"/>
+                <a:solidFill>
+                  <a:schemeClr val="accent2"/>
+                </a:solidFill>
+                <a:latin typeface="メイリオ" panose="020B0604030504040204" pitchFamily="50" charset="-128"/>
+                <a:ea typeface="メイリオ" panose="020B0604030504040204" pitchFamily="50" charset="-128"/>
+              </a:rPr>
+              <a:t>P</a:t>
+            </a:r>
+          </a:p>
+        </p:txBody>
+      </p:sp>
+      <p:sp>
+        <p:nvSpPr>
+          <p:cNvPr id="83" name="正方形/長方形 82">
+            <a:extLst>
+              <a:ext uri="{FF2B5EF4-FFF2-40B4-BE49-F238E27FC236}">
+                <a16:creationId xmlns:a16="http://schemas.microsoft.com/office/drawing/2014/main" id="{6BC17B4D-D727-7244-F0FB-E2C5E737EFEB}"/>
+              </a:ext>
+            </a:extLst>
+          </p:cNvPr>
+          <p:cNvSpPr/>
+          <p:nvPr/>
+        </p:nvSpPr>
+        <p:spPr>
+          <a:xfrm>
+            <a:off x="926358" y="3241359"/>
+            <a:ext cx="1011815" cy="646331"/>
+          </a:xfrm>
+          <a:prstGeom prst="rect">
+            <a:avLst/>
+          </a:prstGeom>
+          <a:noFill/>
+        </p:spPr>
+        <p:txBody>
+          <a:bodyPr wrap="none" lIns="91440" tIns="45720" rIns="91440" bIns="45720">
+            <a:spAutoFit/>
+          </a:bodyPr>
+          <a:lstStyle/>
+          <a:p>
+            <a:pPr algn="ctr"/>
+            <a:r>
+              <a:rPr lang="ja-JP" altLang="en-US" sz="2400" b="1">
+                <a:ln w="0"/>
+                <a:solidFill>
+                  <a:schemeClr val="accent2"/>
+                </a:solidFill>
+                <a:latin typeface="メイリオ" panose="020B0604030504040204" pitchFamily="50" charset="-128"/>
+                <a:ea typeface="メイリオ" panose="020B0604030504040204" pitchFamily="50" charset="-128"/>
+              </a:rPr>
+              <a:t>右肩</a:t>
+            </a:r>
+            <a:r>
+              <a:rPr lang="en-US" altLang="ja-JP" sz="2400" b="1" cap="none" spc="0">
+                <a:ln w="0"/>
+                <a:solidFill>
+                  <a:schemeClr val="accent2"/>
+                </a:solidFill>
+                <a:latin typeface="メイリオ" panose="020B0604030504040204" pitchFamily="50" charset="-128"/>
+                <a:ea typeface="メイリオ" panose="020B0604030504040204" pitchFamily="50" charset="-128"/>
+              </a:rPr>
+              <a:t>P</a:t>
+            </a:r>
+          </a:p>
+          <a:p>
+            <a:pPr algn="ctr"/>
+            <a:r>
+              <a:rPr lang="en-US" altLang="ja-JP" sz="1200" b="1" cap="none" spc="0">
+                <a:ln w="0"/>
+                <a:solidFill>
+                  <a:schemeClr val="accent2"/>
+                </a:solidFill>
+                <a:latin typeface="メイリオ" panose="020B0604030504040204" pitchFamily="50" charset="-128"/>
+                <a:ea typeface="メイリオ" panose="020B0604030504040204" pitchFamily="50" charset="-128"/>
+              </a:rPr>
+              <a:t>Reverse</a:t>
+            </a:r>
+          </a:p>
+        </p:txBody>
+      </p:sp>
+      <p:sp>
+        <p:nvSpPr>
+          <p:cNvPr id="84" name="正方形/長方形 83">
+            <a:extLst>
+              <a:ext uri="{FF2B5EF4-FFF2-40B4-BE49-F238E27FC236}">
+                <a16:creationId xmlns:a16="http://schemas.microsoft.com/office/drawing/2014/main" id="{1E8897E4-103F-E77B-1CE8-D7857AFF52CC}"/>
+              </a:ext>
+            </a:extLst>
+          </p:cNvPr>
+          <p:cNvSpPr/>
+          <p:nvPr/>
+        </p:nvSpPr>
+        <p:spPr>
+          <a:xfrm>
+            <a:off x="8922135" y="6499160"/>
+            <a:ext cx="1319592" cy="461665"/>
+          </a:xfrm>
+          <a:prstGeom prst="rect">
+            <a:avLst/>
+          </a:prstGeom>
+          <a:noFill/>
+        </p:spPr>
+        <p:txBody>
+          <a:bodyPr wrap="none" lIns="91440" tIns="45720" rIns="91440" bIns="45720">
+            <a:spAutoFit/>
+          </a:bodyPr>
+          <a:lstStyle/>
+          <a:p>
+            <a:pPr algn="ctr"/>
+            <a:r>
+              <a:rPr lang="ja-JP" altLang="en-US" sz="2400" b="1" dirty="0">
+                <a:ln w="0"/>
+                <a:solidFill>
+                  <a:schemeClr val="accent2"/>
+                </a:solidFill>
+                <a:latin typeface="メイリオ" panose="020B0604030504040204" pitchFamily="50" charset="-128"/>
+                <a:ea typeface="メイリオ" panose="020B0604030504040204" pitchFamily="50" charset="-128"/>
+              </a:rPr>
+              <a:t>左</a:t>
+            </a:r>
+            <a:r>
+              <a:rPr lang="ja-JP" altLang="en-US" sz="2400" b="1" cap="none" spc="0" dirty="0">
+                <a:ln w="0"/>
+                <a:solidFill>
+                  <a:schemeClr val="accent2"/>
+                </a:solidFill>
+                <a:latin typeface="メイリオ" panose="020B0604030504040204" pitchFamily="50" charset="-128"/>
+                <a:ea typeface="メイリオ" panose="020B0604030504040204" pitchFamily="50" charset="-128"/>
+              </a:rPr>
+              <a:t>足首</a:t>
+            </a:r>
+            <a:r>
+              <a:rPr lang="en-US" altLang="ja-JP" sz="2400" b="1" cap="none" spc="0" dirty="0">
+                <a:ln w="0"/>
+                <a:solidFill>
+                  <a:schemeClr val="accent2"/>
+                </a:solidFill>
+                <a:latin typeface="メイリオ" panose="020B0604030504040204" pitchFamily="50" charset="-128"/>
+                <a:ea typeface="メイリオ" panose="020B0604030504040204" pitchFamily="50" charset="-128"/>
+              </a:rPr>
+              <a:t>P</a:t>
+            </a:r>
+          </a:p>
+        </p:txBody>
+      </p:sp>
+      <p:sp>
+        <p:nvSpPr>
+          <p:cNvPr id="85" name="正方形/長方形 84">
+            <a:extLst>
+              <a:ext uri="{FF2B5EF4-FFF2-40B4-BE49-F238E27FC236}">
+                <a16:creationId xmlns:a16="http://schemas.microsoft.com/office/drawing/2014/main" id="{4CB156F9-DBE6-FF56-42AA-43003E3A4E2D}"/>
+              </a:ext>
+            </a:extLst>
+          </p:cNvPr>
+          <p:cNvSpPr/>
+          <p:nvPr/>
+        </p:nvSpPr>
+        <p:spPr>
+          <a:xfrm>
+            <a:off x="8922135" y="5833227"/>
+            <a:ext cx="1319592" cy="646331"/>
+          </a:xfrm>
+          <a:prstGeom prst="rect">
+            <a:avLst/>
+          </a:prstGeom>
+          <a:noFill/>
+        </p:spPr>
+        <p:txBody>
+          <a:bodyPr wrap="none" lIns="91440" tIns="45720" rIns="91440" bIns="45720">
+            <a:spAutoFit/>
+          </a:bodyPr>
+          <a:lstStyle/>
+          <a:p>
+            <a:pPr algn="ctr"/>
+            <a:r>
+              <a:rPr lang="ja-JP" altLang="en-US" sz="2400" b="1" dirty="0">
+                <a:ln w="0"/>
+                <a:solidFill>
+                  <a:schemeClr val="accent2"/>
+                </a:solidFill>
+                <a:latin typeface="メイリオ" panose="020B0604030504040204" pitchFamily="50" charset="-128"/>
+                <a:ea typeface="メイリオ" panose="020B0604030504040204" pitchFamily="50" charset="-128"/>
+              </a:rPr>
+              <a:t>左</a:t>
+            </a:r>
+            <a:r>
+              <a:rPr lang="ja-JP" altLang="en-US" sz="2400" b="1" cap="none" spc="0">
+                <a:ln w="0"/>
+                <a:solidFill>
+                  <a:schemeClr val="accent2"/>
+                </a:solidFill>
+                <a:latin typeface="メイリオ" panose="020B0604030504040204" pitchFamily="50" charset="-128"/>
+                <a:ea typeface="メイリオ" panose="020B0604030504040204" pitchFamily="50" charset="-128"/>
+              </a:rPr>
+              <a:t>膝下</a:t>
+            </a:r>
+            <a:r>
+              <a:rPr lang="en-US" altLang="ja-JP" sz="2400" b="1" cap="none" spc="0">
+                <a:ln w="0"/>
+                <a:solidFill>
+                  <a:schemeClr val="accent2"/>
+                </a:solidFill>
+                <a:latin typeface="メイリオ" panose="020B0604030504040204" pitchFamily="50" charset="-128"/>
+                <a:ea typeface="メイリオ" panose="020B0604030504040204" pitchFamily="50" charset="-128"/>
+              </a:rPr>
+              <a:t>P</a:t>
+            </a:r>
+            <a:endParaRPr lang="en-US" altLang="ja-JP" sz="1200" b="1" cap="none" spc="0">
+              <a:ln w="0"/>
+              <a:solidFill>
+                <a:schemeClr val="accent2"/>
+              </a:solidFill>
+              <a:latin typeface="メイリオ" panose="020B0604030504040204" pitchFamily="50" charset="-128"/>
+              <a:ea typeface="メイリオ" panose="020B0604030504040204" pitchFamily="50" charset="-128"/>
+            </a:endParaRPr>
+          </a:p>
+          <a:p>
+            <a:pPr algn="ctr"/>
+            <a:r>
+              <a:rPr lang="en-US" altLang="ja-JP" sz="1200" b="1" cap="none" spc="0">
+                <a:ln w="0"/>
+                <a:solidFill>
+                  <a:schemeClr val="accent2"/>
+                </a:solidFill>
+                <a:latin typeface="メイリオ" panose="020B0604030504040204" pitchFamily="50" charset="-128"/>
+                <a:ea typeface="メイリオ" panose="020B0604030504040204" pitchFamily="50" charset="-128"/>
+              </a:rPr>
+              <a:t>Reverse</a:t>
+            </a:r>
+            <a:endParaRPr lang="en-US" altLang="ja-JP" sz="1200" b="1" cap="none" spc="0" dirty="0">
+              <a:ln w="0"/>
+              <a:solidFill>
+                <a:schemeClr val="accent2"/>
+              </a:solidFill>
+              <a:latin typeface="メイリオ" panose="020B0604030504040204" pitchFamily="50" charset="-128"/>
+              <a:ea typeface="メイリオ" panose="020B0604030504040204" pitchFamily="50" charset="-128"/>
+            </a:endParaRPr>
+          </a:p>
+        </p:txBody>
+      </p:sp>
+      <p:sp>
+        <p:nvSpPr>
+          <p:cNvPr id="86" name="正方形/長方形 85">
+            <a:extLst>
+              <a:ext uri="{FF2B5EF4-FFF2-40B4-BE49-F238E27FC236}">
+                <a16:creationId xmlns:a16="http://schemas.microsoft.com/office/drawing/2014/main" id="{82F5B9BC-2D8D-C1AE-16B9-C0BB4F33375B}"/>
+              </a:ext>
+            </a:extLst>
+          </p:cNvPr>
+          <p:cNvSpPr/>
+          <p:nvPr/>
+        </p:nvSpPr>
+        <p:spPr>
+          <a:xfrm>
+            <a:off x="8922135" y="5136402"/>
+            <a:ext cx="1319592" cy="646331"/>
+          </a:xfrm>
+          <a:prstGeom prst="rect">
+            <a:avLst/>
+          </a:prstGeom>
+          <a:noFill/>
+        </p:spPr>
+        <p:txBody>
+          <a:bodyPr wrap="none" lIns="91440" tIns="45720" rIns="91440" bIns="45720">
+            <a:spAutoFit/>
+          </a:bodyPr>
+          <a:lstStyle/>
+          <a:p>
+            <a:pPr algn="ctr"/>
+            <a:r>
+              <a:rPr lang="ja-JP" altLang="en-US" sz="2400" b="1" dirty="0">
+                <a:ln w="0"/>
+                <a:solidFill>
+                  <a:schemeClr val="accent2"/>
+                </a:solidFill>
+                <a:latin typeface="メイリオ" panose="020B0604030504040204" pitchFamily="50" charset="-128"/>
+                <a:ea typeface="メイリオ" panose="020B0604030504040204" pitchFamily="50" charset="-128"/>
+              </a:rPr>
+              <a:t>左</a:t>
+            </a:r>
+            <a:r>
+              <a:rPr lang="ja-JP" altLang="en-US" sz="2400" b="1" cap="none" spc="0">
+                <a:ln w="0"/>
+                <a:solidFill>
+                  <a:schemeClr val="accent2"/>
+                </a:solidFill>
+                <a:latin typeface="メイリオ" panose="020B0604030504040204" pitchFamily="50" charset="-128"/>
+                <a:ea typeface="メイリオ" panose="020B0604030504040204" pitchFamily="50" charset="-128"/>
+              </a:rPr>
+              <a:t>膝上</a:t>
+            </a:r>
+            <a:r>
+              <a:rPr lang="en-US" altLang="ja-JP" sz="2400" b="1" cap="none" spc="0">
+                <a:ln w="0"/>
+                <a:solidFill>
+                  <a:schemeClr val="accent2"/>
+                </a:solidFill>
+                <a:latin typeface="メイリオ" panose="020B0604030504040204" pitchFamily="50" charset="-128"/>
+                <a:ea typeface="メイリオ" panose="020B0604030504040204" pitchFamily="50" charset="-128"/>
+              </a:rPr>
+              <a:t>P</a:t>
+            </a:r>
+          </a:p>
+          <a:p>
+            <a:pPr algn="ctr"/>
+            <a:r>
+              <a:rPr lang="en-US" altLang="ja-JP" sz="1200" b="1" cap="none" spc="0">
+                <a:ln w="0"/>
+                <a:solidFill>
+                  <a:schemeClr val="accent2"/>
+                </a:solidFill>
+                <a:latin typeface="メイリオ" panose="020B0604030504040204" pitchFamily="50" charset="-128"/>
+                <a:ea typeface="メイリオ" panose="020B0604030504040204" pitchFamily="50" charset="-128"/>
+              </a:rPr>
+              <a:t>Reverse</a:t>
+            </a:r>
+            <a:endParaRPr lang="en-US" altLang="ja-JP" sz="1200" b="1" cap="none" spc="0" dirty="0">
+              <a:ln w="0"/>
+              <a:solidFill>
+                <a:schemeClr val="accent2"/>
+              </a:solidFill>
+              <a:latin typeface="メイリオ" panose="020B0604030504040204" pitchFamily="50" charset="-128"/>
+              <a:ea typeface="メイリオ" panose="020B0604030504040204" pitchFamily="50" charset="-128"/>
+            </a:endParaRPr>
+          </a:p>
+        </p:txBody>
+      </p:sp>
+      <p:sp>
+        <p:nvSpPr>
+          <p:cNvPr id="87" name="正方形/長方形 86">
+            <a:extLst>
+              <a:ext uri="{FF2B5EF4-FFF2-40B4-BE49-F238E27FC236}">
+                <a16:creationId xmlns:a16="http://schemas.microsoft.com/office/drawing/2014/main" id="{0BDD3446-3F00-E384-2682-5DCC4FF34AD4}"/>
+              </a:ext>
+            </a:extLst>
+          </p:cNvPr>
+          <p:cNvSpPr/>
+          <p:nvPr/>
+        </p:nvSpPr>
+        <p:spPr>
+          <a:xfrm>
+            <a:off x="8922134" y="3945720"/>
+            <a:ext cx="1011815" cy="461665"/>
+          </a:xfrm>
+          <a:prstGeom prst="rect">
+            <a:avLst/>
+          </a:prstGeom>
+          <a:noFill/>
+        </p:spPr>
+        <p:txBody>
+          <a:bodyPr wrap="none" lIns="91440" tIns="45720" rIns="91440" bIns="45720">
+            <a:spAutoFit/>
+          </a:bodyPr>
+          <a:lstStyle/>
+          <a:p>
+            <a:pPr algn="ctr"/>
+            <a:r>
+              <a:rPr lang="ja-JP" altLang="en-US" sz="2400" b="1" dirty="0">
+                <a:ln w="0"/>
+                <a:solidFill>
+                  <a:schemeClr val="accent2"/>
+                </a:solidFill>
+                <a:latin typeface="メイリオ" panose="020B0604030504040204" pitchFamily="50" charset="-128"/>
+                <a:ea typeface="メイリオ" panose="020B0604030504040204" pitchFamily="50" charset="-128"/>
+              </a:rPr>
+              <a:t>左肘</a:t>
+            </a:r>
+            <a:r>
+              <a:rPr lang="en-US" altLang="ja-JP" sz="2400" b="1" cap="none" spc="0" dirty="0">
+                <a:ln w="0"/>
+                <a:solidFill>
+                  <a:schemeClr val="accent2"/>
+                </a:solidFill>
+                <a:latin typeface="メイリオ" panose="020B0604030504040204" pitchFamily="50" charset="-128"/>
+                <a:ea typeface="メイリオ" panose="020B0604030504040204" pitchFamily="50" charset="-128"/>
+              </a:rPr>
+              <a:t>P</a:t>
+            </a:r>
+          </a:p>
+        </p:txBody>
+      </p:sp>
+      <p:sp>
+        <p:nvSpPr>
+          <p:cNvPr id="88" name="正方形/長方形 87">
+            <a:extLst>
+              <a:ext uri="{FF2B5EF4-FFF2-40B4-BE49-F238E27FC236}">
+                <a16:creationId xmlns:a16="http://schemas.microsoft.com/office/drawing/2014/main" id="{AA8D19BD-A065-6A63-CA9D-DA19DE6E158B}"/>
+              </a:ext>
+            </a:extLst>
+          </p:cNvPr>
+          <p:cNvSpPr/>
+          <p:nvPr/>
+        </p:nvSpPr>
+        <p:spPr>
+          <a:xfrm>
+            <a:off x="8922133" y="3226753"/>
+            <a:ext cx="1011815" cy="646331"/>
+          </a:xfrm>
+          <a:prstGeom prst="rect">
+            <a:avLst/>
+          </a:prstGeom>
+          <a:noFill/>
+        </p:spPr>
+        <p:txBody>
+          <a:bodyPr wrap="none" lIns="91440" tIns="45720" rIns="91440" bIns="45720">
+            <a:spAutoFit/>
+          </a:bodyPr>
+          <a:lstStyle/>
+          <a:p>
+            <a:pPr algn="ctr"/>
+            <a:r>
+              <a:rPr lang="ja-JP" altLang="en-US" sz="2400" b="1">
+                <a:ln w="0"/>
+                <a:solidFill>
+                  <a:schemeClr val="accent2"/>
+                </a:solidFill>
+                <a:latin typeface="メイリオ" panose="020B0604030504040204" pitchFamily="50" charset="-128"/>
+                <a:ea typeface="メイリオ" panose="020B0604030504040204" pitchFamily="50" charset="-128"/>
+              </a:rPr>
+              <a:t>左肩</a:t>
+            </a:r>
+            <a:r>
+              <a:rPr lang="en-US" altLang="ja-JP" sz="2400" b="1" cap="none" spc="0">
+                <a:ln w="0"/>
+                <a:solidFill>
+                  <a:schemeClr val="accent2"/>
+                </a:solidFill>
+                <a:latin typeface="メイリオ" panose="020B0604030504040204" pitchFamily="50" charset="-128"/>
+                <a:ea typeface="メイリオ" panose="020B0604030504040204" pitchFamily="50" charset="-128"/>
+              </a:rPr>
+              <a:t>P</a:t>
+            </a:r>
+            <a:endParaRPr lang="en-US" altLang="ja-JP" sz="4400" b="1" cap="none" spc="0">
+              <a:ln w="0"/>
+              <a:solidFill>
+                <a:schemeClr val="accent2"/>
+              </a:solidFill>
+              <a:latin typeface="メイリオ" panose="020B0604030504040204" pitchFamily="50" charset="-128"/>
+              <a:ea typeface="メイリオ" panose="020B0604030504040204" pitchFamily="50" charset="-128"/>
+            </a:endParaRPr>
+          </a:p>
+          <a:p>
+            <a:pPr algn="ctr"/>
+            <a:r>
+              <a:rPr lang="en-US" altLang="ja-JP" sz="1200" b="1" cap="none" spc="0">
+                <a:ln w="0"/>
+                <a:solidFill>
+                  <a:schemeClr val="accent2"/>
+                </a:solidFill>
+                <a:latin typeface="メイリオ" panose="020B0604030504040204" pitchFamily="50" charset="-128"/>
+                <a:ea typeface="メイリオ" panose="020B0604030504040204" pitchFamily="50" charset="-128"/>
+              </a:rPr>
+              <a:t>Reverse</a:t>
+            </a:r>
+            <a:endParaRPr lang="en-US" altLang="ja-JP" sz="1200" b="1" cap="none" spc="0" dirty="0">
+              <a:ln w="0"/>
+              <a:solidFill>
+                <a:schemeClr val="accent2"/>
+              </a:solidFill>
+              <a:latin typeface="メイリオ" panose="020B0604030504040204" pitchFamily="50" charset="-128"/>
+              <a:ea typeface="メイリオ" panose="020B0604030504040204" pitchFamily="50" charset="-128"/>
+            </a:endParaRPr>
+          </a:p>
+        </p:txBody>
+      </p:sp>
+      <p:sp>
+        <p:nvSpPr>
+          <p:cNvPr id="89" name="正方形/長方形 88">
+            <a:extLst>
+              <a:ext uri="{FF2B5EF4-FFF2-40B4-BE49-F238E27FC236}">
+                <a16:creationId xmlns:a16="http://schemas.microsoft.com/office/drawing/2014/main" id="{9D13D99A-9C7B-A25C-7737-0E845DA88D56}"/>
+              </a:ext>
+            </a:extLst>
+          </p:cNvPr>
+          <p:cNvSpPr/>
+          <p:nvPr/>
+        </p:nvSpPr>
+        <p:spPr>
+          <a:xfrm>
+            <a:off x="3340354" y="3153149"/>
+            <a:ext cx="1031051" cy="461665"/>
+          </a:xfrm>
+          <a:prstGeom prst="rect">
+            <a:avLst/>
+          </a:prstGeom>
+          <a:noFill/>
+        </p:spPr>
+        <p:txBody>
+          <a:bodyPr wrap="none" lIns="91440" tIns="45720" rIns="91440" bIns="45720">
+            <a:spAutoFit/>
+          </a:bodyPr>
+          <a:lstStyle/>
+          <a:p>
+            <a:pPr algn="ctr"/>
+            <a:r>
+              <a:rPr lang="ja-JP" altLang="en-US" sz="2400" b="1" dirty="0">
+                <a:ln w="0"/>
+                <a:solidFill>
+                  <a:srgbClr val="F85EA7"/>
+                </a:solidFill>
+                <a:latin typeface="メイリオ" panose="020B0604030504040204" pitchFamily="50" charset="-128"/>
+                <a:ea typeface="メイリオ" panose="020B0604030504040204" pitchFamily="50" charset="-128"/>
+              </a:rPr>
+              <a:t>右肩</a:t>
+            </a:r>
+            <a:r>
+              <a:rPr lang="en-US" altLang="ja-JP" sz="2400" b="1" dirty="0">
+                <a:ln w="0"/>
+                <a:solidFill>
+                  <a:srgbClr val="F85EA7"/>
+                </a:solidFill>
+                <a:latin typeface="メイリオ" panose="020B0604030504040204" pitchFamily="50" charset="-128"/>
+                <a:ea typeface="メイリオ" panose="020B0604030504040204" pitchFamily="50" charset="-128"/>
+              </a:rPr>
+              <a:t>R</a:t>
+            </a:r>
+            <a:endParaRPr lang="en-US" altLang="ja-JP" sz="2400" b="1" cap="none" spc="0" dirty="0">
+              <a:ln w="0"/>
+              <a:solidFill>
+                <a:srgbClr val="F85EA7"/>
+              </a:solidFill>
+              <a:latin typeface="メイリオ" panose="020B0604030504040204" pitchFamily="50" charset="-128"/>
+              <a:ea typeface="メイリオ" panose="020B0604030504040204" pitchFamily="50" charset="-128"/>
+            </a:endParaRPr>
+          </a:p>
+        </p:txBody>
+      </p:sp>
+      <p:sp>
+        <p:nvSpPr>
+          <p:cNvPr id="90" name="正方形/長方形 89">
+            <a:extLst>
+              <a:ext uri="{FF2B5EF4-FFF2-40B4-BE49-F238E27FC236}">
+                <a16:creationId xmlns:a16="http://schemas.microsoft.com/office/drawing/2014/main" id="{C2048655-A079-DE30-925F-2860F6CE79A3}"/>
+              </a:ext>
+            </a:extLst>
+          </p:cNvPr>
+          <p:cNvSpPr/>
+          <p:nvPr/>
+        </p:nvSpPr>
+        <p:spPr>
+          <a:xfrm>
+            <a:off x="3680913" y="4703390"/>
+            <a:ext cx="1031051" cy="461665"/>
+          </a:xfrm>
+          <a:prstGeom prst="rect">
+            <a:avLst/>
+          </a:prstGeom>
+          <a:noFill/>
+        </p:spPr>
+        <p:txBody>
+          <a:bodyPr wrap="none" lIns="91440" tIns="45720" rIns="91440" bIns="45720">
+            <a:spAutoFit/>
+          </a:bodyPr>
+          <a:lstStyle/>
+          <a:p>
+            <a:pPr algn="ctr"/>
+            <a:r>
+              <a:rPr lang="ja-JP" altLang="en-US" sz="2400" b="1" dirty="0">
+                <a:ln w="0"/>
+                <a:solidFill>
+                  <a:srgbClr val="F85EA7"/>
+                </a:solidFill>
+                <a:latin typeface="メイリオ" panose="020B0604030504040204" pitchFamily="50" charset="-128"/>
+                <a:ea typeface="メイリオ" panose="020B0604030504040204" pitchFamily="50" charset="-128"/>
+              </a:rPr>
+              <a:t>右股</a:t>
+            </a:r>
+            <a:r>
+              <a:rPr lang="en-US" altLang="ja-JP" sz="2400" b="1" dirty="0">
+                <a:ln w="0"/>
+                <a:solidFill>
+                  <a:srgbClr val="F85EA7"/>
+                </a:solidFill>
+                <a:latin typeface="メイリオ" panose="020B0604030504040204" pitchFamily="50" charset="-128"/>
+                <a:ea typeface="メイリオ" panose="020B0604030504040204" pitchFamily="50" charset="-128"/>
+              </a:rPr>
+              <a:t>R</a:t>
+            </a:r>
+            <a:endParaRPr lang="en-US" altLang="ja-JP" sz="2400" b="1" cap="none" spc="0" dirty="0">
+              <a:ln w="0"/>
+              <a:solidFill>
+                <a:srgbClr val="F85EA7"/>
+              </a:solidFill>
+              <a:latin typeface="メイリオ" panose="020B0604030504040204" pitchFamily="50" charset="-128"/>
+              <a:ea typeface="メイリオ" panose="020B0604030504040204" pitchFamily="50" charset="-128"/>
+            </a:endParaRPr>
+          </a:p>
+        </p:txBody>
+      </p:sp>
+      <p:sp>
+        <p:nvSpPr>
+          <p:cNvPr id="91" name="正方形/長方形 90">
+            <a:extLst>
+              <a:ext uri="{FF2B5EF4-FFF2-40B4-BE49-F238E27FC236}">
+                <a16:creationId xmlns:a16="http://schemas.microsoft.com/office/drawing/2014/main" id="{37E0A174-BC6D-BFDD-946F-7B5961F61348}"/>
+              </a:ext>
+            </a:extLst>
+          </p:cNvPr>
+          <p:cNvSpPr/>
+          <p:nvPr/>
+        </p:nvSpPr>
+        <p:spPr>
+          <a:xfrm>
+            <a:off x="3373136" y="6422451"/>
+            <a:ext cx="1338828" cy="461665"/>
+          </a:xfrm>
+          <a:prstGeom prst="rect">
+            <a:avLst/>
+          </a:prstGeom>
+          <a:noFill/>
+        </p:spPr>
+        <p:txBody>
+          <a:bodyPr wrap="none" lIns="91440" tIns="45720" rIns="91440" bIns="45720">
+            <a:spAutoFit/>
+          </a:bodyPr>
+          <a:lstStyle/>
+          <a:p>
+            <a:pPr algn="ctr"/>
+            <a:r>
+              <a:rPr lang="ja-JP" altLang="en-US" sz="2400" b="1" dirty="0">
+                <a:ln w="0"/>
+                <a:solidFill>
+                  <a:srgbClr val="F85EA7"/>
+                </a:solidFill>
+                <a:latin typeface="メイリオ" panose="020B0604030504040204" pitchFamily="50" charset="-128"/>
+                <a:ea typeface="メイリオ" panose="020B0604030504040204" pitchFamily="50" charset="-128"/>
+              </a:rPr>
+              <a:t>右足首</a:t>
+            </a:r>
+            <a:r>
+              <a:rPr lang="en-US" altLang="ja-JP" sz="2400" b="1" dirty="0">
+                <a:ln w="0"/>
+                <a:solidFill>
+                  <a:srgbClr val="F85EA7"/>
+                </a:solidFill>
+                <a:latin typeface="メイリオ" panose="020B0604030504040204" pitchFamily="50" charset="-128"/>
+                <a:ea typeface="メイリオ" panose="020B0604030504040204" pitchFamily="50" charset="-128"/>
+              </a:rPr>
+              <a:t>R</a:t>
+            </a:r>
+            <a:endParaRPr lang="en-US" altLang="ja-JP" sz="2400" b="1" cap="none" spc="0" dirty="0">
+              <a:ln w="0"/>
+              <a:solidFill>
+                <a:srgbClr val="F85EA7"/>
+              </a:solidFill>
+              <a:latin typeface="メイリオ" panose="020B0604030504040204" pitchFamily="50" charset="-128"/>
+              <a:ea typeface="メイリオ" panose="020B0604030504040204" pitchFamily="50" charset="-128"/>
+            </a:endParaRPr>
+          </a:p>
+        </p:txBody>
+      </p:sp>
+      <p:sp>
+        <p:nvSpPr>
+          <p:cNvPr id="92" name="正方形/長方形 91">
+            <a:extLst>
+              <a:ext uri="{FF2B5EF4-FFF2-40B4-BE49-F238E27FC236}">
+                <a16:creationId xmlns:a16="http://schemas.microsoft.com/office/drawing/2014/main" id="{47C0AF40-98D1-F8C4-01D9-DE25E3CD0B0E}"/>
+              </a:ext>
+            </a:extLst>
+          </p:cNvPr>
+          <p:cNvSpPr/>
+          <p:nvPr/>
+        </p:nvSpPr>
+        <p:spPr>
+          <a:xfrm>
+            <a:off x="6387303" y="3153149"/>
+            <a:ext cx="1031051" cy="461665"/>
+          </a:xfrm>
+          <a:prstGeom prst="rect">
+            <a:avLst/>
+          </a:prstGeom>
+          <a:noFill/>
+        </p:spPr>
+        <p:txBody>
+          <a:bodyPr wrap="none" lIns="91440" tIns="45720" rIns="91440" bIns="45720">
+            <a:spAutoFit/>
+          </a:bodyPr>
+          <a:lstStyle/>
+          <a:p>
+            <a:pPr algn="ctr"/>
+            <a:r>
+              <a:rPr lang="ja-JP" altLang="en-US" sz="2400" b="1" dirty="0">
+                <a:ln w="0"/>
+                <a:solidFill>
+                  <a:srgbClr val="F85EA7"/>
+                </a:solidFill>
+                <a:latin typeface="メイリオ" panose="020B0604030504040204" pitchFamily="50" charset="-128"/>
+                <a:ea typeface="メイリオ" panose="020B0604030504040204" pitchFamily="50" charset="-128"/>
+              </a:rPr>
+              <a:t>左肩</a:t>
+            </a:r>
+            <a:r>
+              <a:rPr lang="en-US" altLang="ja-JP" sz="2400" b="1" dirty="0">
+                <a:ln w="0"/>
+                <a:solidFill>
+                  <a:srgbClr val="F85EA7"/>
+                </a:solidFill>
+                <a:latin typeface="メイリオ" panose="020B0604030504040204" pitchFamily="50" charset="-128"/>
+                <a:ea typeface="メイリオ" panose="020B0604030504040204" pitchFamily="50" charset="-128"/>
+              </a:rPr>
+              <a:t>R</a:t>
+            </a:r>
+            <a:endParaRPr lang="en-US" altLang="ja-JP" sz="2400" b="1" cap="none" spc="0" dirty="0">
+              <a:ln w="0"/>
+              <a:solidFill>
+                <a:srgbClr val="F85EA7"/>
+              </a:solidFill>
+              <a:latin typeface="メイリオ" panose="020B0604030504040204" pitchFamily="50" charset="-128"/>
+              <a:ea typeface="メイリオ" panose="020B0604030504040204" pitchFamily="50" charset="-128"/>
+            </a:endParaRPr>
+          </a:p>
+        </p:txBody>
+      </p:sp>
+      <p:sp>
+        <p:nvSpPr>
+          <p:cNvPr id="93" name="正方形/長方形 92">
+            <a:extLst>
+              <a:ext uri="{FF2B5EF4-FFF2-40B4-BE49-F238E27FC236}">
+                <a16:creationId xmlns:a16="http://schemas.microsoft.com/office/drawing/2014/main" id="{C686FD13-BD40-52B8-C788-3A8892C645AC}"/>
+              </a:ext>
+            </a:extLst>
+          </p:cNvPr>
+          <p:cNvSpPr/>
+          <p:nvPr/>
+        </p:nvSpPr>
+        <p:spPr>
+          <a:xfrm>
+            <a:off x="6040622" y="4113061"/>
+            <a:ext cx="1016625" cy="461665"/>
+          </a:xfrm>
+          <a:prstGeom prst="rect">
+            <a:avLst/>
+          </a:prstGeom>
+          <a:noFill/>
+        </p:spPr>
+        <p:txBody>
+          <a:bodyPr wrap="none" lIns="91440" tIns="45720" rIns="91440" bIns="45720">
+            <a:spAutoFit/>
+          </a:bodyPr>
+          <a:lstStyle/>
+          <a:p>
+            <a:pPr algn="ctr"/>
+            <a:r>
+              <a:rPr lang="ja-JP" altLang="en-US" sz="2400" b="1" dirty="0">
+                <a:ln w="0"/>
+                <a:solidFill>
+                  <a:schemeClr val="accent1"/>
+                </a:solidFill>
+                <a:latin typeface="メイリオ" panose="020B0604030504040204" pitchFamily="50" charset="-128"/>
+                <a:ea typeface="メイリオ" panose="020B0604030504040204" pitchFamily="50" charset="-128"/>
+              </a:rPr>
+              <a:t>左股</a:t>
+            </a:r>
+            <a:r>
+              <a:rPr lang="en-US" altLang="ja-JP" sz="2400" b="1" dirty="0">
+                <a:ln w="0"/>
+                <a:solidFill>
+                  <a:schemeClr val="accent1"/>
+                </a:solidFill>
+                <a:latin typeface="メイリオ" panose="020B0604030504040204" pitchFamily="50" charset="-128"/>
+                <a:ea typeface="メイリオ" panose="020B0604030504040204" pitchFamily="50" charset="-128"/>
+              </a:rPr>
+              <a:t>Y</a:t>
+            </a:r>
+            <a:endParaRPr lang="en-US" altLang="ja-JP" sz="2400" b="1" cap="none" spc="0" dirty="0">
+              <a:ln w="0"/>
+              <a:solidFill>
+                <a:schemeClr val="accent1"/>
+              </a:solidFill>
+              <a:latin typeface="メイリオ" panose="020B0604030504040204" pitchFamily="50" charset="-128"/>
+              <a:ea typeface="メイリオ" panose="020B0604030504040204" pitchFamily="50" charset="-128"/>
+            </a:endParaRPr>
+          </a:p>
+        </p:txBody>
+      </p:sp>
+      <p:sp>
+        <p:nvSpPr>
+          <p:cNvPr id="94" name="正方形/長方形 93">
+            <a:extLst>
+              <a:ext uri="{FF2B5EF4-FFF2-40B4-BE49-F238E27FC236}">
+                <a16:creationId xmlns:a16="http://schemas.microsoft.com/office/drawing/2014/main" id="{58262F6C-2D01-DD28-48C5-2E0BCD09DBB6}"/>
+              </a:ext>
+            </a:extLst>
+          </p:cNvPr>
+          <p:cNvSpPr/>
+          <p:nvPr/>
+        </p:nvSpPr>
+        <p:spPr>
+          <a:xfrm>
+            <a:off x="3695339" y="4072895"/>
+            <a:ext cx="1016625" cy="461665"/>
+          </a:xfrm>
+          <a:prstGeom prst="rect">
+            <a:avLst/>
+          </a:prstGeom>
+          <a:noFill/>
+        </p:spPr>
+        <p:txBody>
+          <a:bodyPr wrap="none" lIns="91440" tIns="45720" rIns="91440" bIns="45720">
+            <a:spAutoFit/>
+          </a:bodyPr>
+          <a:lstStyle/>
+          <a:p>
+            <a:pPr algn="ctr"/>
+            <a:r>
+              <a:rPr lang="ja-JP" altLang="en-US" sz="2400" b="1" dirty="0">
+                <a:ln w="0"/>
+                <a:solidFill>
+                  <a:schemeClr val="accent1"/>
+                </a:solidFill>
+                <a:latin typeface="メイリオ" panose="020B0604030504040204" pitchFamily="50" charset="-128"/>
+                <a:ea typeface="メイリオ" panose="020B0604030504040204" pitchFamily="50" charset="-128"/>
+              </a:rPr>
+              <a:t>右股</a:t>
+            </a:r>
+            <a:r>
+              <a:rPr lang="en-US" altLang="ja-JP" sz="2400" b="1" dirty="0">
+                <a:ln w="0"/>
+                <a:solidFill>
+                  <a:schemeClr val="accent1"/>
+                </a:solidFill>
+                <a:latin typeface="メイリオ" panose="020B0604030504040204" pitchFamily="50" charset="-128"/>
+                <a:ea typeface="メイリオ" panose="020B0604030504040204" pitchFamily="50" charset="-128"/>
+              </a:rPr>
+              <a:t>Y</a:t>
+            </a:r>
+            <a:endParaRPr lang="en-US" altLang="ja-JP" sz="2400" b="1" cap="none" spc="0" dirty="0">
+              <a:ln w="0"/>
+              <a:solidFill>
+                <a:schemeClr val="accent1"/>
+              </a:solidFill>
+              <a:latin typeface="メイリオ" panose="020B0604030504040204" pitchFamily="50" charset="-128"/>
+              <a:ea typeface="メイリオ" panose="020B0604030504040204" pitchFamily="50" charset="-128"/>
+            </a:endParaRPr>
+          </a:p>
+        </p:txBody>
+      </p:sp>
+      <p:sp>
+        <p:nvSpPr>
+          <p:cNvPr id="95" name="正方形/長方形 94">
+            <a:extLst>
+              <a:ext uri="{FF2B5EF4-FFF2-40B4-BE49-F238E27FC236}">
+                <a16:creationId xmlns:a16="http://schemas.microsoft.com/office/drawing/2014/main" id="{522EA378-E779-FC02-530C-C78249DF7D39}"/>
+              </a:ext>
+            </a:extLst>
+          </p:cNvPr>
+          <p:cNvSpPr/>
+          <p:nvPr/>
+        </p:nvSpPr>
+        <p:spPr>
+          <a:xfrm>
+            <a:off x="5029051" y="2745960"/>
+            <a:ext cx="708848" cy="461665"/>
+          </a:xfrm>
+          <a:prstGeom prst="rect">
+            <a:avLst/>
+          </a:prstGeom>
+          <a:noFill/>
+        </p:spPr>
+        <p:txBody>
+          <a:bodyPr wrap="none" lIns="91440" tIns="45720" rIns="91440" bIns="45720">
+            <a:spAutoFit/>
+          </a:bodyPr>
+          <a:lstStyle/>
+          <a:p>
+            <a:pPr algn="ctr"/>
+            <a:r>
+              <a:rPr lang="ja-JP" altLang="en-US" sz="2400" b="1" dirty="0">
+                <a:ln w="0"/>
+                <a:solidFill>
+                  <a:schemeClr val="accent1"/>
+                </a:solidFill>
+                <a:latin typeface="メイリオ" panose="020B0604030504040204" pitchFamily="50" charset="-128"/>
+                <a:ea typeface="メイリオ" panose="020B0604030504040204" pitchFamily="50" charset="-128"/>
+              </a:rPr>
+              <a:t>頭</a:t>
+            </a:r>
+            <a:r>
+              <a:rPr lang="en-US" altLang="ja-JP" sz="2400" b="1" dirty="0">
+                <a:ln w="0"/>
+                <a:solidFill>
+                  <a:schemeClr val="accent1"/>
+                </a:solidFill>
+                <a:latin typeface="メイリオ" panose="020B0604030504040204" pitchFamily="50" charset="-128"/>
+                <a:ea typeface="メイリオ" panose="020B0604030504040204" pitchFamily="50" charset="-128"/>
+              </a:rPr>
+              <a:t>Y</a:t>
+            </a:r>
+            <a:endParaRPr lang="en-US" altLang="ja-JP" sz="2400" b="1" cap="none" spc="0" dirty="0">
+              <a:ln w="0"/>
+              <a:solidFill>
+                <a:schemeClr val="accent1"/>
+              </a:solidFill>
+              <a:latin typeface="メイリオ" panose="020B0604030504040204" pitchFamily="50" charset="-128"/>
+              <a:ea typeface="メイリオ" panose="020B0604030504040204" pitchFamily="50" charset="-128"/>
+            </a:endParaRPr>
+          </a:p>
+        </p:txBody>
+      </p:sp>
+      <p:sp>
+        <p:nvSpPr>
+          <p:cNvPr id="96" name="矢印: 左カーブ 94">
+            <a:extLst>
+              <a:ext uri="{FF2B5EF4-FFF2-40B4-BE49-F238E27FC236}">
+                <a16:creationId xmlns:a16="http://schemas.microsoft.com/office/drawing/2014/main" id="{2D9592A7-1D84-3A65-E7DA-3B88DA5A2DB7}"/>
+              </a:ext>
+            </a:extLst>
+          </p:cNvPr>
+          <p:cNvSpPr/>
+          <p:nvPr/>
+        </p:nvSpPr>
+        <p:spPr>
+          <a:xfrm rot="1316839">
+            <a:off x="5151535" y="3269244"/>
+            <a:ext cx="445922" cy="484957"/>
+          </a:xfrm>
+          <a:custGeom>
+            <a:avLst/>
+            <a:gdLst>
+              <a:gd name="connsiteX0" fmla="*/ 0 w 726481"/>
+              <a:gd name="connsiteY0" fmla="*/ 1722566 h 1904186"/>
+              <a:gd name="connsiteX1" fmla="*/ 181620 w 726481"/>
+              <a:gd name="connsiteY1" fmla="*/ 1515038 h 1904186"/>
+              <a:gd name="connsiteX2" fmla="*/ 181620 w 726481"/>
+              <a:gd name="connsiteY2" fmla="*/ 1605848 h 1904186"/>
+              <a:gd name="connsiteX3" fmla="*/ 721967 w 726481"/>
+              <a:gd name="connsiteY3" fmla="*/ 906688 h 1904186"/>
+              <a:gd name="connsiteX4" fmla="*/ 181620 w 726481"/>
+              <a:gd name="connsiteY4" fmla="*/ 1787469 h 1904186"/>
+              <a:gd name="connsiteX5" fmla="*/ 181620 w 726481"/>
+              <a:gd name="connsiteY5" fmla="*/ 1878278 h 1904186"/>
+              <a:gd name="connsiteX6" fmla="*/ 0 w 726481"/>
+              <a:gd name="connsiteY6" fmla="*/ 1722566 h 1904186"/>
+              <a:gd name="connsiteX0" fmla="*/ 726481 w 726481"/>
+              <a:gd name="connsiteY0" fmla="*/ 997498 h 1904186"/>
+              <a:gd name="connsiteX1" fmla="*/ 0 w 726481"/>
+              <a:gd name="connsiteY1" fmla="*/ 181620 h 1904186"/>
+              <a:gd name="connsiteX2" fmla="*/ 0 w 726481"/>
+              <a:gd name="connsiteY2" fmla="*/ 0 h 1904186"/>
+              <a:gd name="connsiteX3" fmla="*/ 726481 w 726481"/>
+              <a:gd name="connsiteY3" fmla="*/ 815878 h 1904186"/>
+              <a:gd name="connsiteX4" fmla="*/ 726481 w 726481"/>
+              <a:gd name="connsiteY4" fmla="*/ 997498 h 1904186"/>
+              <a:gd name="connsiteX0" fmla="*/ 726481 w 726481"/>
+              <a:gd name="connsiteY0" fmla="*/ 997498 h 1904186"/>
+              <a:gd name="connsiteX1" fmla="*/ 0 w 726481"/>
+              <a:gd name="connsiteY1" fmla="*/ 181620 h 1904186"/>
+              <a:gd name="connsiteX2" fmla="*/ 0 w 726481"/>
+              <a:gd name="connsiteY2" fmla="*/ 0 h 1904186"/>
+              <a:gd name="connsiteX3" fmla="*/ 726481 w 726481"/>
+              <a:gd name="connsiteY3" fmla="*/ 815878 h 1904186"/>
+              <a:gd name="connsiteX4" fmla="*/ 726481 w 726481"/>
+              <a:gd name="connsiteY4" fmla="*/ 997498 h 1904186"/>
+              <a:gd name="connsiteX5" fmla="*/ 181620 w 726481"/>
+              <a:gd name="connsiteY5" fmla="*/ 1787468 h 1904186"/>
+              <a:gd name="connsiteX6" fmla="*/ 181620 w 726481"/>
+              <a:gd name="connsiteY6" fmla="*/ 1878278 h 1904186"/>
+              <a:gd name="connsiteX7" fmla="*/ 0 w 726481"/>
+              <a:gd name="connsiteY7" fmla="*/ 1722566 h 1904186"/>
+              <a:gd name="connsiteX8" fmla="*/ 181620 w 726481"/>
+              <a:gd name="connsiteY8" fmla="*/ 1515038 h 1904186"/>
+              <a:gd name="connsiteX9" fmla="*/ 181620 w 726481"/>
+              <a:gd name="connsiteY9" fmla="*/ 1605848 h 1904186"/>
+              <a:gd name="connsiteX10" fmla="*/ 721967 w 726481"/>
+              <a:gd name="connsiteY10" fmla="*/ 906688 h 1904186"/>
+              <a:gd name="connsiteX0" fmla="*/ 0 w 726523"/>
+              <a:gd name="connsiteY0" fmla="*/ 1722566 h 1878278"/>
+              <a:gd name="connsiteX1" fmla="*/ 181620 w 726523"/>
+              <a:gd name="connsiteY1" fmla="*/ 1515038 h 1878278"/>
+              <a:gd name="connsiteX2" fmla="*/ 181620 w 726523"/>
+              <a:gd name="connsiteY2" fmla="*/ 1605848 h 1878278"/>
+              <a:gd name="connsiteX3" fmla="*/ 721967 w 726523"/>
+              <a:gd name="connsiteY3" fmla="*/ 906688 h 1878278"/>
+              <a:gd name="connsiteX4" fmla="*/ 181620 w 726523"/>
+              <a:gd name="connsiteY4" fmla="*/ 1787469 h 1878278"/>
+              <a:gd name="connsiteX5" fmla="*/ 181620 w 726523"/>
+              <a:gd name="connsiteY5" fmla="*/ 1878278 h 1878278"/>
+              <a:gd name="connsiteX6" fmla="*/ 0 w 726523"/>
+              <a:gd name="connsiteY6" fmla="*/ 1722566 h 1878278"/>
+              <a:gd name="connsiteX0" fmla="*/ 726481 w 726523"/>
+              <a:gd name="connsiteY0" fmla="*/ 997498 h 1878278"/>
+              <a:gd name="connsiteX1" fmla="*/ 0 w 726523"/>
+              <a:gd name="connsiteY1" fmla="*/ 181620 h 1878278"/>
+              <a:gd name="connsiteX2" fmla="*/ 0 w 726523"/>
+              <a:gd name="connsiteY2" fmla="*/ 0 h 1878278"/>
+              <a:gd name="connsiteX3" fmla="*/ 726481 w 726523"/>
+              <a:gd name="connsiteY3" fmla="*/ 815878 h 1878278"/>
+              <a:gd name="connsiteX4" fmla="*/ 726481 w 726523"/>
+              <a:gd name="connsiteY4" fmla="*/ 997498 h 1878278"/>
+              <a:gd name="connsiteX0" fmla="*/ 726481 w 726523"/>
+              <a:gd name="connsiteY0" fmla="*/ 997498 h 1878278"/>
+              <a:gd name="connsiteX1" fmla="*/ 0 w 726523"/>
+              <a:gd name="connsiteY1" fmla="*/ 181620 h 1878278"/>
+              <a:gd name="connsiteX2" fmla="*/ 0 w 726523"/>
+              <a:gd name="connsiteY2" fmla="*/ 0 h 1878278"/>
+              <a:gd name="connsiteX3" fmla="*/ 726481 w 726523"/>
+              <a:gd name="connsiteY3" fmla="*/ 997498 h 1878278"/>
+              <a:gd name="connsiteX4" fmla="*/ 181620 w 726523"/>
+              <a:gd name="connsiteY4" fmla="*/ 1787468 h 1878278"/>
+              <a:gd name="connsiteX5" fmla="*/ 181620 w 726523"/>
+              <a:gd name="connsiteY5" fmla="*/ 1878278 h 1878278"/>
+              <a:gd name="connsiteX6" fmla="*/ 0 w 726523"/>
+              <a:gd name="connsiteY6" fmla="*/ 1722566 h 1878278"/>
+              <a:gd name="connsiteX7" fmla="*/ 181620 w 726523"/>
+              <a:gd name="connsiteY7" fmla="*/ 1515038 h 1878278"/>
+              <a:gd name="connsiteX8" fmla="*/ 181620 w 726523"/>
+              <a:gd name="connsiteY8" fmla="*/ 1605848 h 1878278"/>
+              <a:gd name="connsiteX9" fmla="*/ 721967 w 726523"/>
+              <a:gd name="connsiteY9" fmla="*/ 906688 h 1878278"/>
+              <a:gd name="connsiteX0" fmla="*/ 0 w 726523"/>
+              <a:gd name="connsiteY0" fmla="*/ 1722566 h 1878278"/>
+              <a:gd name="connsiteX1" fmla="*/ 181620 w 726523"/>
+              <a:gd name="connsiteY1" fmla="*/ 1515038 h 1878278"/>
+              <a:gd name="connsiteX2" fmla="*/ 181620 w 726523"/>
+              <a:gd name="connsiteY2" fmla="*/ 1605848 h 1878278"/>
+              <a:gd name="connsiteX3" fmla="*/ 721967 w 726523"/>
+              <a:gd name="connsiteY3" fmla="*/ 906688 h 1878278"/>
+              <a:gd name="connsiteX4" fmla="*/ 181620 w 726523"/>
+              <a:gd name="connsiteY4" fmla="*/ 1787469 h 1878278"/>
+              <a:gd name="connsiteX5" fmla="*/ 181620 w 726523"/>
+              <a:gd name="connsiteY5" fmla="*/ 1878278 h 1878278"/>
+              <a:gd name="connsiteX6" fmla="*/ 0 w 726523"/>
+              <a:gd name="connsiteY6" fmla="*/ 1722566 h 1878278"/>
+              <a:gd name="connsiteX0" fmla="*/ 726481 w 726523"/>
+              <a:gd name="connsiteY0" fmla="*/ 997498 h 1878278"/>
+              <a:gd name="connsiteX1" fmla="*/ 0 w 726523"/>
+              <a:gd name="connsiteY1" fmla="*/ 181620 h 1878278"/>
+              <a:gd name="connsiteX2" fmla="*/ 0 w 726523"/>
+              <a:gd name="connsiteY2" fmla="*/ 0 h 1878278"/>
+              <a:gd name="connsiteX3" fmla="*/ 726481 w 726523"/>
+              <a:gd name="connsiteY3" fmla="*/ 815878 h 1878278"/>
+              <a:gd name="connsiteX4" fmla="*/ 726481 w 726523"/>
+              <a:gd name="connsiteY4" fmla="*/ 997498 h 1878278"/>
+              <a:gd name="connsiteX0" fmla="*/ 726481 w 726523"/>
+              <a:gd name="connsiteY0" fmla="*/ 997498 h 1878278"/>
+              <a:gd name="connsiteX1" fmla="*/ 0 w 726523"/>
+              <a:gd name="connsiteY1" fmla="*/ 181620 h 1878278"/>
+              <a:gd name="connsiteX2" fmla="*/ 726481 w 726523"/>
+              <a:gd name="connsiteY2" fmla="*/ 997498 h 1878278"/>
+              <a:gd name="connsiteX3" fmla="*/ 181620 w 726523"/>
+              <a:gd name="connsiteY3" fmla="*/ 1787468 h 1878278"/>
+              <a:gd name="connsiteX4" fmla="*/ 181620 w 726523"/>
+              <a:gd name="connsiteY4" fmla="*/ 1878278 h 1878278"/>
+              <a:gd name="connsiteX5" fmla="*/ 0 w 726523"/>
+              <a:gd name="connsiteY5" fmla="*/ 1722566 h 1878278"/>
+              <a:gd name="connsiteX6" fmla="*/ 181620 w 726523"/>
+              <a:gd name="connsiteY6" fmla="*/ 1515038 h 1878278"/>
+              <a:gd name="connsiteX7" fmla="*/ 181620 w 726523"/>
+              <a:gd name="connsiteY7" fmla="*/ 1605848 h 1878278"/>
+              <a:gd name="connsiteX8" fmla="*/ 721967 w 726523"/>
+              <a:gd name="connsiteY8" fmla="*/ 906688 h 1878278"/>
+              <a:gd name="connsiteX0" fmla="*/ 0 w 726523"/>
+              <a:gd name="connsiteY0" fmla="*/ 1722566 h 1878278"/>
+              <a:gd name="connsiteX1" fmla="*/ 181620 w 726523"/>
+              <a:gd name="connsiteY1" fmla="*/ 1515038 h 1878278"/>
+              <a:gd name="connsiteX2" fmla="*/ 181620 w 726523"/>
+              <a:gd name="connsiteY2" fmla="*/ 1605848 h 1878278"/>
+              <a:gd name="connsiteX3" fmla="*/ 721967 w 726523"/>
+              <a:gd name="connsiteY3" fmla="*/ 906688 h 1878278"/>
+              <a:gd name="connsiteX4" fmla="*/ 181620 w 726523"/>
+              <a:gd name="connsiteY4" fmla="*/ 1787469 h 1878278"/>
+              <a:gd name="connsiteX5" fmla="*/ 181620 w 726523"/>
+              <a:gd name="connsiteY5" fmla="*/ 1878278 h 1878278"/>
+              <a:gd name="connsiteX6" fmla="*/ 0 w 726523"/>
+              <a:gd name="connsiteY6" fmla="*/ 1722566 h 1878278"/>
+              <a:gd name="connsiteX0" fmla="*/ 726481 w 726523"/>
+              <a:gd name="connsiteY0" fmla="*/ 997498 h 1878278"/>
+              <a:gd name="connsiteX1" fmla="*/ 0 w 726523"/>
+              <a:gd name="connsiteY1" fmla="*/ 181620 h 1878278"/>
+              <a:gd name="connsiteX2" fmla="*/ 0 w 726523"/>
+              <a:gd name="connsiteY2" fmla="*/ 0 h 1878278"/>
+              <a:gd name="connsiteX3" fmla="*/ 726481 w 726523"/>
+              <a:gd name="connsiteY3" fmla="*/ 815878 h 1878278"/>
+              <a:gd name="connsiteX4" fmla="*/ 726481 w 726523"/>
+              <a:gd name="connsiteY4" fmla="*/ 997498 h 1878278"/>
+              <a:gd name="connsiteX0" fmla="*/ 726481 w 726523"/>
+              <a:gd name="connsiteY0" fmla="*/ 997498 h 1878278"/>
+              <a:gd name="connsiteX1" fmla="*/ 726481 w 726523"/>
+              <a:gd name="connsiteY1" fmla="*/ 997498 h 1878278"/>
+              <a:gd name="connsiteX2" fmla="*/ 181620 w 726523"/>
+              <a:gd name="connsiteY2" fmla="*/ 1787468 h 1878278"/>
+              <a:gd name="connsiteX3" fmla="*/ 181620 w 726523"/>
+              <a:gd name="connsiteY3" fmla="*/ 1878278 h 1878278"/>
+              <a:gd name="connsiteX4" fmla="*/ 0 w 726523"/>
+              <a:gd name="connsiteY4" fmla="*/ 1722566 h 1878278"/>
+              <a:gd name="connsiteX5" fmla="*/ 181620 w 726523"/>
+              <a:gd name="connsiteY5" fmla="*/ 1515038 h 1878278"/>
+              <a:gd name="connsiteX6" fmla="*/ 181620 w 726523"/>
+              <a:gd name="connsiteY6" fmla="*/ 1605848 h 1878278"/>
+              <a:gd name="connsiteX7" fmla="*/ 721967 w 726523"/>
+              <a:gd name="connsiteY7" fmla="*/ 906688 h 1878278"/>
+              <a:gd name="connsiteX0" fmla="*/ 0 w 726523"/>
+              <a:gd name="connsiteY0" fmla="*/ 1540946 h 1696658"/>
+              <a:gd name="connsiteX1" fmla="*/ 181620 w 726523"/>
+              <a:gd name="connsiteY1" fmla="*/ 1333418 h 1696658"/>
+              <a:gd name="connsiteX2" fmla="*/ 181620 w 726523"/>
+              <a:gd name="connsiteY2" fmla="*/ 1424228 h 1696658"/>
+              <a:gd name="connsiteX3" fmla="*/ 721967 w 726523"/>
+              <a:gd name="connsiteY3" fmla="*/ 725068 h 1696658"/>
+              <a:gd name="connsiteX4" fmla="*/ 181620 w 726523"/>
+              <a:gd name="connsiteY4" fmla="*/ 1605849 h 1696658"/>
+              <a:gd name="connsiteX5" fmla="*/ 181620 w 726523"/>
+              <a:gd name="connsiteY5" fmla="*/ 1696658 h 1696658"/>
+              <a:gd name="connsiteX6" fmla="*/ 0 w 726523"/>
+              <a:gd name="connsiteY6" fmla="*/ 1540946 h 1696658"/>
+              <a:gd name="connsiteX0" fmla="*/ 726481 w 726523"/>
+              <a:gd name="connsiteY0" fmla="*/ 815878 h 1696658"/>
+              <a:gd name="connsiteX1" fmla="*/ 0 w 726523"/>
+              <a:gd name="connsiteY1" fmla="*/ 0 h 1696658"/>
+              <a:gd name="connsiteX2" fmla="*/ 726481 w 726523"/>
+              <a:gd name="connsiteY2" fmla="*/ 634258 h 1696658"/>
+              <a:gd name="connsiteX3" fmla="*/ 726481 w 726523"/>
+              <a:gd name="connsiteY3" fmla="*/ 815878 h 1696658"/>
+              <a:gd name="connsiteX0" fmla="*/ 726481 w 726523"/>
+              <a:gd name="connsiteY0" fmla="*/ 815878 h 1696658"/>
+              <a:gd name="connsiteX1" fmla="*/ 726481 w 726523"/>
+              <a:gd name="connsiteY1" fmla="*/ 815878 h 1696658"/>
+              <a:gd name="connsiteX2" fmla="*/ 181620 w 726523"/>
+              <a:gd name="connsiteY2" fmla="*/ 1605848 h 1696658"/>
+              <a:gd name="connsiteX3" fmla="*/ 181620 w 726523"/>
+              <a:gd name="connsiteY3" fmla="*/ 1696658 h 1696658"/>
+              <a:gd name="connsiteX4" fmla="*/ 0 w 726523"/>
+              <a:gd name="connsiteY4" fmla="*/ 1540946 h 1696658"/>
+              <a:gd name="connsiteX5" fmla="*/ 181620 w 726523"/>
+              <a:gd name="connsiteY5" fmla="*/ 1333418 h 1696658"/>
+              <a:gd name="connsiteX6" fmla="*/ 181620 w 726523"/>
+              <a:gd name="connsiteY6" fmla="*/ 1424228 h 1696658"/>
+              <a:gd name="connsiteX7" fmla="*/ 721967 w 726523"/>
+              <a:gd name="connsiteY7" fmla="*/ 725068 h 1696658"/>
+              <a:gd name="connsiteX0" fmla="*/ 0 w 726523"/>
+              <a:gd name="connsiteY0" fmla="*/ 906688 h 1062400"/>
+              <a:gd name="connsiteX1" fmla="*/ 181620 w 726523"/>
+              <a:gd name="connsiteY1" fmla="*/ 699160 h 1062400"/>
+              <a:gd name="connsiteX2" fmla="*/ 181620 w 726523"/>
+              <a:gd name="connsiteY2" fmla="*/ 789970 h 1062400"/>
+              <a:gd name="connsiteX3" fmla="*/ 721967 w 726523"/>
+              <a:gd name="connsiteY3" fmla="*/ 90810 h 1062400"/>
+              <a:gd name="connsiteX4" fmla="*/ 181620 w 726523"/>
+              <a:gd name="connsiteY4" fmla="*/ 971591 h 1062400"/>
+              <a:gd name="connsiteX5" fmla="*/ 181620 w 726523"/>
+              <a:gd name="connsiteY5" fmla="*/ 1062400 h 1062400"/>
+              <a:gd name="connsiteX6" fmla="*/ 0 w 726523"/>
+              <a:gd name="connsiteY6" fmla="*/ 906688 h 1062400"/>
+              <a:gd name="connsiteX0" fmla="*/ 726481 w 726523"/>
+              <a:gd name="connsiteY0" fmla="*/ 181620 h 1062400"/>
+              <a:gd name="connsiteX1" fmla="*/ 726481 w 726523"/>
+              <a:gd name="connsiteY1" fmla="*/ 0 h 1062400"/>
+              <a:gd name="connsiteX2" fmla="*/ 726481 w 726523"/>
+              <a:gd name="connsiteY2" fmla="*/ 181620 h 1062400"/>
+              <a:gd name="connsiteX0" fmla="*/ 726481 w 726523"/>
+              <a:gd name="connsiteY0" fmla="*/ 181620 h 1062400"/>
+              <a:gd name="connsiteX1" fmla="*/ 726481 w 726523"/>
+              <a:gd name="connsiteY1" fmla="*/ 181620 h 1062400"/>
+              <a:gd name="connsiteX2" fmla="*/ 181620 w 726523"/>
+              <a:gd name="connsiteY2" fmla="*/ 971590 h 1062400"/>
+              <a:gd name="connsiteX3" fmla="*/ 181620 w 726523"/>
+              <a:gd name="connsiteY3" fmla="*/ 1062400 h 1062400"/>
+              <a:gd name="connsiteX4" fmla="*/ 0 w 726523"/>
+              <a:gd name="connsiteY4" fmla="*/ 906688 h 1062400"/>
+              <a:gd name="connsiteX5" fmla="*/ 181620 w 726523"/>
+              <a:gd name="connsiteY5" fmla="*/ 699160 h 1062400"/>
+              <a:gd name="connsiteX6" fmla="*/ 181620 w 726523"/>
+              <a:gd name="connsiteY6" fmla="*/ 789970 h 1062400"/>
+              <a:gd name="connsiteX7" fmla="*/ 721967 w 726523"/>
+              <a:gd name="connsiteY7" fmla="*/ 90810 h 1062400"/>
+            </a:gdLst>
+            <a:ahLst/>
+            <a:cxnLst>
+              <a:cxn ang="0">
+                <a:pos x="connsiteX0" y="connsiteY0"/>
+              </a:cxn>
+              <a:cxn ang="0">
+                <a:pos x="connsiteX1" y="connsiteY1"/>
+              </a:cxn>
+              <a:cxn ang="0">
+                <a:pos x="connsiteX2" y="connsiteY2"/>
+              </a:cxn>
+              <a:cxn ang="0">
+                <a:pos x="connsiteX3" y="connsiteY3"/>
+              </a:cxn>
+              <a:cxn ang="0">
+                <a:pos x="connsiteX4" y="connsiteY4"/>
+              </a:cxn>
+              <a:cxn ang="0">
+                <a:pos x="connsiteX5" y="connsiteY5"/>
+              </a:cxn>
+              <a:cxn ang="0">
+                <a:pos x="connsiteX6" y="connsiteY6"/>
+              </a:cxn>
+              <a:cxn ang="0">
+                <a:pos x="connsiteX7" y="connsiteY7"/>
+              </a:cxn>
+            </a:cxnLst>
+            <a:rect l="l" t="t" r="r" b="b"/>
+            <a:pathLst>
+              <a:path w="726523" h="1062400" stroke="0" extrusionOk="0">
+                <a:moveTo>
+                  <a:pt x="0" y="906688"/>
+                </a:moveTo>
+                <a:lnTo>
+                  <a:pt x="181620" y="699160"/>
+                </a:lnTo>
+                <a:lnTo>
+                  <a:pt x="181620" y="789970"/>
+                </a:lnTo>
+                <a:cubicBezTo>
+                  <a:pt x="473433" y="705353"/>
+                  <a:pt x="688422" y="427176"/>
+                  <a:pt x="721967" y="90810"/>
+                </a:cubicBezTo>
+                <a:cubicBezTo>
+                  <a:pt x="762230" y="494541"/>
+                  <a:pt x="531874" y="870027"/>
+                  <a:pt x="181620" y="971591"/>
+                </a:cubicBezTo>
+                <a:lnTo>
+                  <a:pt x="181620" y="1062400"/>
+                </a:lnTo>
+                <a:lnTo>
+                  <a:pt x="0" y="906688"/>
+                </a:lnTo>
+                <a:close/>
+              </a:path>
+              <a:path w="726523" h="1062400" fill="darkenLess" stroke="0" extrusionOk="0">
+                <a:moveTo>
+                  <a:pt x="726481" y="181620"/>
+                </a:moveTo>
+                <a:lnTo>
+                  <a:pt x="726481" y="0"/>
+                </a:lnTo>
+                <a:lnTo>
+                  <a:pt x="726481" y="181620"/>
+                </a:lnTo>
+                <a:close/>
+              </a:path>
+              <a:path w="726523" h="1062400" fill="none" extrusionOk="0">
+                <a:moveTo>
+                  <a:pt x="726481" y="181620"/>
+                </a:moveTo>
+                <a:lnTo>
+                  <a:pt x="726481" y="181620"/>
+                </a:lnTo>
+                <a:cubicBezTo>
+                  <a:pt x="726481" y="553659"/>
+                  <a:pt x="502375" y="878581"/>
+                  <a:pt x="181620" y="971590"/>
+                </a:cubicBezTo>
+                <a:lnTo>
+                  <a:pt x="181620" y="1062400"/>
+                </a:lnTo>
+                <a:lnTo>
+                  <a:pt x="0" y="906688"/>
+                </a:lnTo>
+                <a:lnTo>
+                  <a:pt x="181620" y="699160"/>
+                </a:lnTo>
+                <a:lnTo>
+                  <a:pt x="181620" y="789970"/>
+                </a:lnTo>
+                <a:cubicBezTo>
+                  <a:pt x="473433" y="705353"/>
+                  <a:pt x="688422" y="427176"/>
+                  <a:pt x="721967" y="90810"/>
+                </a:cubicBezTo>
+              </a:path>
+            </a:pathLst>
+          </a:custGeom>
+          <a:solidFill>
+            <a:schemeClr val="accent1"/>
+          </a:solidFill>
+          <a:ln>
+            <a:noFill/>
+          </a:ln>
+        </p:spPr>
+        <p:style>
+          <a:lnRef idx="2">
+            <a:schemeClr val="accent1">
+              <a:shade val="50000"/>
+            </a:schemeClr>
+          </a:lnRef>
+          <a:fillRef idx="1">
+            <a:schemeClr val="accent1"/>
+          </a:fillRef>
+          <a:effectRef idx="0">
+            <a:schemeClr val="accent1"/>
+          </a:effectRef>
+          <a:fontRef idx="minor">
+            <a:schemeClr val="lt1"/>
+          </a:fontRef>
+        </p:style>
+        <p:txBody>
+          <a:bodyPr rtlCol="0" anchor="ctr"/>
+          <a:lstStyle/>
+          <a:p>
+            <a:pPr algn="ctr"/>
+            <a:endParaRPr kumimoji="1" lang="ja-JP" altLang="en-US">
+              <a:solidFill>
+                <a:schemeClr val="accent1"/>
+              </a:solidFill>
+            </a:endParaRPr>
+          </a:p>
+        </p:txBody>
+      </p:sp>
+      <p:sp>
+        <p:nvSpPr>
+          <p:cNvPr id="97" name="矢印: 左カーブ 94">
+            <a:extLst>
+              <a:ext uri="{FF2B5EF4-FFF2-40B4-BE49-F238E27FC236}">
+                <a16:creationId xmlns:a16="http://schemas.microsoft.com/office/drawing/2014/main" id="{4D0A9CEB-64EE-FB0B-1CA3-593074196197}"/>
+              </a:ext>
+            </a:extLst>
+          </p:cNvPr>
+          <p:cNvSpPr/>
+          <p:nvPr/>
+        </p:nvSpPr>
+        <p:spPr>
+          <a:xfrm rot="20280000" flipH="1">
+            <a:off x="4832086" y="4209772"/>
+            <a:ext cx="446400" cy="484957"/>
+          </a:xfrm>
+          <a:custGeom>
+            <a:avLst/>
+            <a:gdLst>
+              <a:gd name="connsiteX0" fmla="*/ 0 w 726481"/>
+              <a:gd name="connsiteY0" fmla="*/ 1722566 h 1904186"/>
+              <a:gd name="connsiteX1" fmla="*/ 181620 w 726481"/>
+              <a:gd name="connsiteY1" fmla="*/ 1515038 h 1904186"/>
+              <a:gd name="connsiteX2" fmla="*/ 181620 w 726481"/>
+              <a:gd name="connsiteY2" fmla="*/ 1605848 h 1904186"/>
+              <a:gd name="connsiteX3" fmla="*/ 721967 w 726481"/>
+              <a:gd name="connsiteY3" fmla="*/ 906688 h 1904186"/>
+              <a:gd name="connsiteX4" fmla="*/ 181620 w 726481"/>
+              <a:gd name="connsiteY4" fmla="*/ 1787469 h 1904186"/>
+              <a:gd name="connsiteX5" fmla="*/ 181620 w 726481"/>
+              <a:gd name="connsiteY5" fmla="*/ 1878278 h 1904186"/>
+              <a:gd name="connsiteX6" fmla="*/ 0 w 726481"/>
+              <a:gd name="connsiteY6" fmla="*/ 1722566 h 1904186"/>
+              <a:gd name="connsiteX0" fmla="*/ 726481 w 726481"/>
+              <a:gd name="connsiteY0" fmla="*/ 997498 h 1904186"/>
+              <a:gd name="connsiteX1" fmla="*/ 0 w 726481"/>
+              <a:gd name="connsiteY1" fmla="*/ 181620 h 1904186"/>
+              <a:gd name="connsiteX2" fmla="*/ 0 w 726481"/>
+              <a:gd name="connsiteY2" fmla="*/ 0 h 1904186"/>
+              <a:gd name="connsiteX3" fmla="*/ 726481 w 726481"/>
+              <a:gd name="connsiteY3" fmla="*/ 815878 h 1904186"/>
+              <a:gd name="connsiteX4" fmla="*/ 726481 w 726481"/>
+              <a:gd name="connsiteY4" fmla="*/ 997498 h 1904186"/>
+              <a:gd name="connsiteX0" fmla="*/ 726481 w 726481"/>
+              <a:gd name="connsiteY0" fmla="*/ 997498 h 1904186"/>
+              <a:gd name="connsiteX1" fmla="*/ 0 w 726481"/>
+              <a:gd name="connsiteY1" fmla="*/ 181620 h 1904186"/>
+              <a:gd name="connsiteX2" fmla="*/ 0 w 726481"/>
+              <a:gd name="connsiteY2" fmla="*/ 0 h 1904186"/>
+              <a:gd name="connsiteX3" fmla="*/ 726481 w 726481"/>
+              <a:gd name="connsiteY3" fmla="*/ 815878 h 1904186"/>
+              <a:gd name="connsiteX4" fmla="*/ 726481 w 726481"/>
+              <a:gd name="connsiteY4" fmla="*/ 997498 h 1904186"/>
+              <a:gd name="connsiteX5" fmla="*/ 181620 w 726481"/>
+              <a:gd name="connsiteY5" fmla="*/ 1787468 h 1904186"/>
+              <a:gd name="connsiteX6" fmla="*/ 181620 w 726481"/>
+              <a:gd name="connsiteY6" fmla="*/ 1878278 h 1904186"/>
+              <a:gd name="connsiteX7" fmla="*/ 0 w 726481"/>
+              <a:gd name="connsiteY7" fmla="*/ 1722566 h 1904186"/>
+              <a:gd name="connsiteX8" fmla="*/ 181620 w 726481"/>
+              <a:gd name="connsiteY8" fmla="*/ 1515038 h 1904186"/>
+              <a:gd name="connsiteX9" fmla="*/ 181620 w 726481"/>
+              <a:gd name="connsiteY9" fmla="*/ 1605848 h 1904186"/>
+              <a:gd name="connsiteX10" fmla="*/ 721967 w 726481"/>
+              <a:gd name="connsiteY10" fmla="*/ 906688 h 1904186"/>
+              <a:gd name="connsiteX0" fmla="*/ 0 w 726523"/>
+              <a:gd name="connsiteY0" fmla="*/ 1722566 h 1878278"/>
+              <a:gd name="connsiteX1" fmla="*/ 181620 w 726523"/>
+              <a:gd name="connsiteY1" fmla="*/ 1515038 h 1878278"/>
+              <a:gd name="connsiteX2" fmla="*/ 181620 w 726523"/>
+              <a:gd name="connsiteY2" fmla="*/ 1605848 h 1878278"/>
+              <a:gd name="connsiteX3" fmla="*/ 721967 w 726523"/>
+              <a:gd name="connsiteY3" fmla="*/ 906688 h 1878278"/>
+              <a:gd name="connsiteX4" fmla="*/ 181620 w 726523"/>
+              <a:gd name="connsiteY4" fmla="*/ 1787469 h 1878278"/>
+              <a:gd name="connsiteX5" fmla="*/ 181620 w 726523"/>
+              <a:gd name="connsiteY5" fmla="*/ 1878278 h 1878278"/>
+              <a:gd name="connsiteX6" fmla="*/ 0 w 726523"/>
+              <a:gd name="connsiteY6" fmla="*/ 1722566 h 1878278"/>
+              <a:gd name="connsiteX0" fmla="*/ 726481 w 726523"/>
+              <a:gd name="connsiteY0" fmla="*/ 997498 h 1878278"/>
+              <a:gd name="connsiteX1" fmla="*/ 0 w 726523"/>
+              <a:gd name="connsiteY1" fmla="*/ 181620 h 1878278"/>
+              <a:gd name="connsiteX2" fmla="*/ 0 w 726523"/>
+              <a:gd name="connsiteY2" fmla="*/ 0 h 1878278"/>
+              <a:gd name="connsiteX3" fmla="*/ 726481 w 726523"/>
+              <a:gd name="connsiteY3" fmla="*/ 815878 h 1878278"/>
+              <a:gd name="connsiteX4" fmla="*/ 726481 w 726523"/>
+              <a:gd name="connsiteY4" fmla="*/ 997498 h 1878278"/>
+              <a:gd name="connsiteX0" fmla="*/ 726481 w 726523"/>
+              <a:gd name="connsiteY0" fmla="*/ 997498 h 1878278"/>
+              <a:gd name="connsiteX1" fmla="*/ 0 w 726523"/>
+              <a:gd name="connsiteY1" fmla="*/ 181620 h 1878278"/>
+              <a:gd name="connsiteX2" fmla="*/ 0 w 726523"/>
+              <a:gd name="connsiteY2" fmla="*/ 0 h 1878278"/>
+              <a:gd name="connsiteX3" fmla="*/ 726481 w 726523"/>
+              <a:gd name="connsiteY3" fmla="*/ 997498 h 1878278"/>
+              <a:gd name="connsiteX4" fmla="*/ 181620 w 726523"/>
+              <a:gd name="connsiteY4" fmla="*/ 1787468 h 1878278"/>
+              <a:gd name="connsiteX5" fmla="*/ 181620 w 726523"/>
+              <a:gd name="connsiteY5" fmla="*/ 1878278 h 1878278"/>
+              <a:gd name="connsiteX6" fmla="*/ 0 w 726523"/>
+              <a:gd name="connsiteY6" fmla="*/ 1722566 h 1878278"/>
+              <a:gd name="connsiteX7" fmla="*/ 181620 w 726523"/>
+              <a:gd name="connsiteY7" fmla="*/ 1515038 h 1878278"/>
+              <a:gd name="connsiteX8" fmla="*/ 181620 w 726523"/>
+              <a:gd name="connsiteY8" fmla="*/ 1605848 h 1878278"/>
+              <a:gd name="connsiteX9" fmla="*/ 721967 w 726523"/>
+              <a:gd name="connsiteY9" fmla="*/ 906688 h 1878278"/>
+              <a:gd name="connsiteX0" fmla="*/ 0 w 726523"/>
+              <a:gd name="connsiteY0" fmla="*/ 1722566 h 1878278"/>
+              <a:gd name="connsiteX1" fmla="*/ 181620 w 726523"/>
+              <a:gd name="connsiteY1" fmla="*/ 1515038 h 1878278"/>
+              <a:gd name="connsiteX2" fmla="*/ 181620 w 726523"/>
+              <a:gd name="connsiteY2" fmla="*/ 1605848 h 1878278"/>
+              <a:gd name="connsiteX3" fmla="*/ 721967 w 726523"/>
+              <a:gd name="connsiteY3" fmla="*/ 906688 h 1878278"/>
+              <a:gd name="connsiteX4" fmla="*/ 181620 w 726523"/>
+              <a:gd name="connsiteY4" fmla="*/ 1787469 h 1878278"/>
+              <a:gd name="connsiteX5" fmla="*/ 181620 w 726523"/>
+              <a:gd name="connsiteY5" fmla="*/ 1878278 h 1878278"/>
+              <a:gd name="connsiteX6" fmla="*/ 0 w 726523"/>
+              <a:gd name="connsiteY6" fmla="*/ 1722566 h 1878278"/>
+              <a:gd name="connsiteX0" fmla="*/ 726481 w 726523"/>
+              <a:gd name="connsiteY0" fmla="*/ 997498 h 1878278"/>
+              <a:gd name="connsiteX1" fmla="*/ 0 w 726523"/>
+              <a:gd name="connsiteY1" fmla="*/ 181620 h 1878278"/>
+              <a:gd name="connsiteX2" fmla="*/ 0 w 726523"/>
+              <a:gd name="connsiteY2" fmla="*/ 0 h 1878278"/>
+              <a:gd name="connsiteX3" fmla="*/ 726481 w 726523"/>
+              <a:gd name="connsiteY3" fmla="*/ 815878 h 1878278"/>
+              <a:gd name="connsiteX4" fmla="*/ 726481 w 726523"/>
+              <a:gd name="connsiteY4" fmla="*/ 997498 h 1878278"/>
+              <a:gd name="connsiteX0" fmla="*/ 726481 w 726523"/>
+              <a:gd name="connsiteY0" fmla="*/ 997498 h 1878278"/>
+              <a:gd name="connsiteX1" fmla="*/ 0 w 726523"/>
+              <a:gd name="connsiteY1" fmla="*/ 181620 h 1878278"/>
+              <a:gd name="connsiteX2" fmla="*/ 726481 w 726523"/>
+              <a:gd name="connsiteY2" fmla="*/ 997498 h 1878278"/>
+              <a:gd name="connsiteX3" fmla="*/ 181620 w 726523"/>
+              <a:gd name="connsiteY3" fmla="*/ 1787468 h 1878278"/>
+              <a:gd name="connsiteX4" fmla="*/ 181620 w 726523"/>
+              <a:gd name="connsiteY4" fmla="*/ 1878278 h 1878278"/>
+              <a:gd name="connsiteX5" fmla="*/ 0 w 726523"/>
+              <a:gd name="connsiteY5" fmla="*/ 1722566 h 1878278"/>
+              <a:gd name="connsiteX6" fmla="*/ 181620 w 726523"/>
+              <a:gd name="connsiteY6" fmla="*/ 1515038 h 1878278"/>
+              <a:gd name="connsiteX7" fmla="*/ 181620 w 726523"/>
+              <a:gd name="connsiteY7" fmla="*/ 1605848 h 1878278"/>
+              <a:gd name="connsiteX8" fmla="*/ 721967 w 726523"/>
+              <a:gd name="connsiteY8" fmla="*/ 906688 h 1878278"/>
+              <a:gd name="connsiteX0" fmla="*/ 0 w 726523"/>
+              <a:gd name="connsiteY0" fmla="*/ 1722566 h 1878278"/>
+              <a:gd name="connsiteX1" fmla="*/ 181620 w 726523"/>
+              <a:gd name="connsiteY1" fmla="*/ 1515038 h 1878278"/>
+              <a:gd name="connsiteX2" fmla="*/ 181620 w 726523"/>
+              <a:gd name="connsiteY2" fmla="*/ 1605848 h 1878278"/>
+              <a:gd name="connsiteX3" fmla="*/ 721967 w 726523"/>
+              <a:gd name="connsiteY3" fmla="*/ 906688 h 1878278"/>
+              <a:gd name="connsiteX4" fmla="*/ 181620 w 726523"/>
+              <a:gd name="connsiteY4" fmla="*/ 1787469 h 1878278"/>
+              <a:gd name="connsiteX5" fmla="*/ 181620 w 726523"/>
+              <a:gd name="connsiteY5" fmla="*/ 1878278 h 1878278"/>
+              <a:gd name="connsiteX6" fmla="*/ 0 w 726523"/>
+              <a:gd name="connsiteY6" fmla="*/ 1722566 h 1878278"/>
+              <a:gd name="connsiteX0" fmla="*/ 726481 w 726523"/>
+              <a:gd name="connsiteY0" fmla="*/ 997498 h 1878278"/>
+              <a:gd name="connsiteX1" fmla="*/ 0 w 726523"/>
+              <a:gd name="connsiteY1" fmla="*/ 181620 h 1878278"/>
+              <a:gd name="connsiteX2" fmla="*/ 0 w 726523"/>
+              <a:gd name="connsiteY2" fmla="*/ 0 h 1878278"/>
+              <a:gd name="connsiteX3" fmla="*/ 726481 w 726523"/>
+              <a:gd name="connsiteY3" fmla="*/ 815878 h 1878278"/>
+              <a:gd name="connsiteX4" fmla="*/ 726481 w 726523"/>
+              <a:gd name="connsiteY4" fmla="*/ 997498 h 1878278"/>
+              <a:gd name="connsiteX0" fmla="*/ 726481 w 726523"/>
+              <a:gd name="connsiteY0" fmla="*/ 997498 h 1878278"/>
+              <a:gd name="connsiteX1" fmla="*/ 726481 w 726523"/>
+              <a:gd name="connsiteY1" fmla="*/ 997498 h 1878278"/>
+              <a:gd name="connsiteX2" fmla="*/ 181620 w 726523"/>
+              <a:gd name="connsiteY2" fmla="*/ 1787468 h 1878278"/>
+              <a:gd name="connsiteX3" fmla="*/ 181620 w 726523"/>
+              <a:gd name="connsiteY3" fmla="*/ 1878278 h 1878278"/>
+              <a:gd name="connsiteX4" fmla="*/ 0 w 726523"/>
+              <a:gd name="connsiteY4" fmla="*/ 1722566 h 1878278"/>
+              <a:gd name="connsiteX5" fmla="*/ 181620 w 726523"/>
+              <a:gd name="connsiteY5" fmla="*/ 1515038 h 1878278"/>
+              <a:gd name="connsiteX6" fmla="*/ 181620 w 726523"/>
+              <a:gd name="connsiteY6" fmla="*/ 1605848 h 1878278"/>
+              <a:gd name="connsiteX7" fmla="*/ 721967 w 726523"/>
+              <a:gd name="connsiteY7" fmla="*/ 906688 h 1878278"/>
+              <a:gd name="connsiteX0" fmla="*/ 0 w 726523"/>
+              <a:gd name="connsiteY0" fmla="*/ 1540946 h 1696658"/>
+              <a:gd name="connsiteX1" fmla="*/ 181620 w 726523"/>
+              <a:gd name="connsiteY1" fmla="*/ 1333418 h 1696658"/>
+              <a:gd name="connsiteX2" fmla="*/ 181620 w 726523"/>
+              <a:gd name="connsiteY2" fmla="*/ 1424228 h 1696658"/>
+              <a:gd name="connsiteX3" fmla="*/ 721967 w 726523"/>
+              <a:gd name="connsiteY3" fmla="*/ 725068 h 1696658"/>
+              <a:gd name="connsiteX4" fmla="*/ 181620 w 726523"/>
+              <a:gd name="connsiteY4" fmla="*/ 1605849 h 1696658"/>
+              <a:gd name="connsiteX5" fmla="*/ 181620 w 726523"/>
+              <a:gd name="connsiteY5" fmla="*/ 1696658 h 1696658"/>
+              <a:gd name="connsiteX6" fmla="*/ 0 w 726523"/>
+              <a:gd name="connsiteY6" fmla="*/ 1540946 h 1696658"/>
+              <a:gd name="connsiteX0" fmla="*/ 726481 w 726523"/>
+              <a:gd name="connsiteY0" fmla="*/ 815878 h 1696658"/>
+              <a:gd name="connsiteX1" fmla="*/ 0 w 726523"/>
+              <a:gd name="connsiteY1" fmla="*/ 0 h 1696658"/>
+              <a:gd name="connsiteX2" fmla="*/ 726481 w 726523"/>
+              <a:gd name="connsiteY2" fmla="*/ 634258 h 1696658"/>
+              <a:gd name="connsiteX3" fmla="*/ 726481 w 726523"/>
+              <a:gd name="connsiteY3" fmla="*/ 815878 h 1696658"/>
+              <a:gd name="connsiteX0" fmla="*/ 726481 w 726523"/>
+              <a:gd name="connsiteY0" fmla="*/ 815878 h 1696658"/>
+              <a:gd name="connsiteX1" fmla="*/ 726481 w 726523"/>
+              <a:gd name="connsiteY1" fmla="*/ 815878 h 1696658"/>
+              <a:gd name="connsiteX2" fmla="*/ 181620 w 726523"/>
+              <a:gd name="connsiteY2" fmla="*/ 1605848 h 1696658"/>
+              <a:gd name="connsiteX3" fmla="*/ 181620 w 726523"/>
+              <a:gd name="connsiteY3" fmla="*/ 1696658 h 1696658"/>
+              <a:gd name="connsiteX4" fmla="*/ 0 w 726523"/>
+              <a:gd name="connsiteY4" fmla="*/ 1540946 h 1696658"/>
+              <a:gd name="connsiteX5" fmla="*/ 181620 w 726523"/>
+              <a:gd name="connsiteY5" fmla="*/ 1333418 h 1696658"/>
+              <a:gd name="connsiteX6" fmla="*/ 181620 w 726523"/>
+              <a:gd name="connsiteY6" fmla="*/ 1424228 h 1696658"/>
+              <a:gd name="connsiteX7" fmla="*/ 721967 w 726523"/>
+              <a:gd name="connsiteY7" fmla="*/ 725068 h 1696658"/>
+              <a:gd name="connsiteX0" fmla="*/ 0 w 726523"/>
+              <a:gd name="connsiteY0" fmla="*/ 906688 h 1062400"/>
+              <a:gd name="connsiteX1" fmla="*/ 181620 w 726523"/>
+              <a:gd name="connsiteY1" fmla="*/ 699160 h 1062400"/>
+              <a:gd name="connsiteX2" fmla="*/ 181620 w 726523"/>
+              <a:gd name="connsiteY2" fmla="*/ 789970 h 1062400"/>
+              <a:gd name="connsiteX3" fmla="*/ 721967 w 726523"/>
+              <a:gd name="connsiteY3" fmla="*/ 90810 h 1062400"/>
+              <a:gd name="connsiteX4" fmla="*/ 181620 w 726523"/>
+              <a:gd name="connsiteY4" fmla="*/ 971591 h 1062400"/>
+              <a:gd name="connsiteX5" fmla="*/ 181620 w 726523"/>
+              <a:gd name="connsiteY5" fmla="*/ 1062400 h 1062400"/>
+              <a:gd name="connsiteX6" fmla="*/ 0 w 726523"/>
+              <a:gd name="connsiteY6" fmla="*/ 906688 h 1062400"/>
+              <a:gd name="connsiteX0" fmla="*/ 726481 w 726523"/>
+              <a:gd name="connsiteY0" fmla="*/ 181620 h 1062400"/>
+              <a:gd name="connsiteX1" fmla="*/ 726481 w 726523"/>
+              <a:gd name="connsiteY1" fmla="*/ 0 h 1062400"/>
+              <a:gd name="connsiteX2" fmla="*/ 726481 w 726523"/>
+              <a:gd name="connsiteY2" fmla="*/ 181620 h 1062400"/>
+              <a:gd name="connsiteX0" fmla="*/ 726481 w 726523"/>
+              <a:gd name="connsiteY0" fmla="*/ 181620 h 1062400"/>
+              <a:gd name="connsiteX1" fmla="*/ 726481 w 726523"/>
+              <a:gd name="connsiteY1" fmla="*/ 181620 h 1062400"/>
+              <a:gd name="connsiteX2" fmla="*/ 181620 w 726523"/>
+              <a:gd name="connsiteY2" fmla="*/ 971590 h 1062400"/>
+              <a:gd name="connsiteX3" fmla="*/ 181620 w 726523"/>
+              <a:gd name="connsiteY3" fmla="*/ 1062400 h 1062400"/>
+              <a:gd name="connsiteX4" fmla="*/ 0 w 726523"/>
+              <a:gd name="connsiteY4" fmla="*/ 906688 h 1062400"/>
+              <a:gd name="connsiteX5" fmla="*/ 181620 w 726523"/>
+              <a:gd name="connsiteY5" fmla="*/ 699160 h 1062400"/>
+              <a:gd name="connsiteX6" fmla="*/ 181620 w 726523"/>
+              <a:gd name="connsiteY6" fmla="*/ 789970 h 1062400"/>
+              <a:gd name="connsiteX7" fmla="*/ 721967 w 726523"/>
+              <a:gd name="connsiteY7" fmla="*/ 90810 h 1062400"/>
+            </a:gdLst>
+            <a:ahLst/>
+            <a:cxnLst>
+              <a:cxn ang="0">
+                <a:pos x="connsiteX0" y="connsiteY0"/>
+              </a:cxn>
+              <a:cxn ang="0">
+                <a:pos x="connsiteX1" y="connsiteY1"/>
+              </a:cxn>
+              <a:cxn ang="0">
+                <a:pos x="connsiteX2" y="connsiteY2"/>
+              </a:cxn>
+              <a:cxn ang="0">
+                <a:pos x="connsiteX3" y="connsiteY3"/>
+              </a:cxn>
+              <a:cxn ang="0">
+                <a:pos x="connsiteX4" y="connsiteY4"/>
+              </a:cxn>
+              <a:cxn ang="0">
+                <a:pos x="connsiteX5" y="connsiteY5"/>
+              </a:cxn>
+              <a:cxn ang="0">
+                <a:pos x="connsiteX6" y="connsiteY6"/>
+              </a:cxn>
+              <a:cxn ang="0">
+                <a:pos x="connsiteX7" y="connsiteY7"/>
+              </a:cxn>
+            </a:cxnLst>
+            <a:rect l="l" t="t" r="r" b="b"/>
+            <a:pathLst>
+              <a:path w="726523" h="1062400" stroke="0" extrusionOk="0">
+                <a:moveTo>
+                  <a:pt x="0" y="906688"/>
+                </a:moveTo>
+                <a:lnTo>
+                  <a:pt x="181620" y="699160"/>
+                </a:lnTo>
+                <a:lnTo>
+                  <a:pt x="181620" y="789970"/>
+                </a:lnTo>
+                <a:cubicBezTo>
+                  <a:pt x="473433" y="705353"/>
+                  <a:pt x="688422" y="427176"/>
+                  <a:pt x="721967" y="90810"/>
+                </a:cubicBezTo>
+                <a:cubicBezTo>
+                  <a:pt x="762230" y="494541"/>
+                  <a:pt x="531874" y="870027"/>
+                  <a:pt x="181620" y="971591"/>
+                </a:cubicBezTo>
+                <a:lnTo>
+                  <a:pt x="181620" y="1062400"/>
+                </a:lnTo>
+                <a:lnTo>
+                  <a:pt x="0" y="906688"/>
+                </a:lnTo>
+                <a:close/>
+              </a:path>
+              <a:path w="726523" h="1062400" fill="darkenLess" stroke="0" extrusionOk="0">
+                <a:moveTo>
+                  <a:pt x="726481" y="181620"/>
+                </a:moveTo>
+                <a:lnTo>
+                  <a:pt x="726481" y="0"/>
+                </a:lnTo>
+                <a:lnTo>
+                  <a:pt x="726481" y="181620"/>
+                </a:lnTo>
+                <a:close/>
+              </a:path>
+              <a:path w="726523" h="1062400" fill="none" extrusionOk="0">
+                <a:moveTo>
+                  <a:pt x="726481" y="181620"/>
+                </a:moveTo>
+                <a:lnTo>
+                  <a:pt x="726481" y="181620"/>
+                </a:lnTo>
+                <a:cubicBezTo>
+                  <a:pt x="726481" y="553659"/>
+                  <a:pt x="502375" y="878581"/>
+                  <a:pt x="181620" y="971590"/>
+                </a:cubicBezTo>
+                <a:lnTo>
+                  <a:pt x="181620" y="1062400"/>
+                </a:lnTo>
+                <a:lnTo>
+                  <a:pt x="0" y="906688"/>
+                </a:lnTo>
+                <a:lnTo>
+                  <a:pt x="181620" y="699160"/>
+                </a:lnTo>
+                <a:lnTo>
+                  <a:pt x="181620" y="789970"/>
+                </a:lnTo>
+                <a:cubicBezTo>
+                  <a:pt x="473433" y="705353"/>
+                  <a:pt x="688422" y="427176"/>
+                  <a:pt x="721967" y="90810"/>
+                </a:cubicBezTo>
+              </a:path>
+            </a:pathLst>
+          </a:custGeom>
+          <a:solidFill>
+            <a:schemeClr val="accent1"/>
+          </a:solidFill>
+          <a:ln>
+            <a:noFill/>
+          </a:ln>
+        </p:spPr>
+        <p:style>
+          <a:lnRef idx="2">
+            <a:schemeClr val="accent1">
+              <a:shade val="50000"/>
+            </a:schemeClr>
+          </a:lnRef>
+          <a:fillRef idx="1">
+            <a:schemeClr val="accent1"/>
+          </a:fillRef>
+          <a:effectRef idx="0">
+            <a:schemeClr val="accent1"/>
+          </a:effectRef>
+          <a:fontRef idx="minor">
+            <a:schemeClr val="lt1"/>
+          </a:fontRef>
+        </p:style>
+        <p:txBody>
+          <a:bodyPr rtlCol="0" anchor="ctr"/>
+          <a:lstStyle/>
+          <a:p>
+            <a:pPr algn="ctr"/>
+            <a:endParaRPr kumimoji="1" lang="ja-JP" altLang="en-US">
+              <a:solidFill>
+                <a:schemeClr val="accent1"/>
+              </a:solidFill>
+            </a:endParaRPr>
+          </a:p>
+        </p:txBody>
+      </p:sp>
+      <p:sp>
+        <p:nvSpPr>
+          <p:cNvPr id="98" name="矢印: 左カーブ 94">
+            <a:extLst>
+              <a:ext uri="{FF2B5EF4-FFF2-40B4-BE49-F238E27FC236}">
+                <a16:creationId xmlns:a16="http://schemas.microsoft.com/office/drawing/2014/main" id="{DFECE5AC-D5D6-ED47-0700-D9F6E40226BF}"/>
+              </a:ext>
+            </a:extLst>
+          </p:cNvPr>
+          <p:cNvSpPr/>
+          <p:nvPr/>
+        </p:nvSpPr>
+        <p:spPr>
+          <a:xfrm rot="20280000" flipH="1">
+            <a:off x="5472759" y="4209772"/>
+            <a:ext cx="446400" cy="484957"/>
+          </a:xfrm>
+          <a:custGeom>
+            <a:avLst/>
+            <a:gdLst>
+              <a:gd name="connsiteX0" fmla="*/ 0 w 726481"/>
+              <a:gd name="connsiteY0" fmla="*/ 1722566 h 1904186"/>
+              <a:gd name="connsiteX1" fmla="*/ 181620 w 726481"/>
+              <a:gd name="connsiteY1" fmla="*/ 1515038 h 1904186"/>
+              <a:gd name="connsiteX2" fmla="*/ 181620 w 726481"/>
+              <a:gd name="connsiteY2" fmla="*/ 1605848 h 1904186"/>
+              <a:gd name="connsiteX3" fmla="*/ 721967 w 726481"/>
+              <a:gd name="connsiteY3" fmla="*/ 906688 h 1904186"/>
+              <a:gd name="connsiteX4" fmla="*/ 181620 w 726481"/>
+              <a:gd name="connsiteY4" fmla="*/ 1787469 h 1904186"/>
+              <a:gd name="connsiteX5" fmla="*/ 181620 w 726481"/>
+              <a:gd name="connsiteY5" fmla="*/ 1878278 h 1904186"/>
+              <a:gd name="connsiteX6" fmla="*/ 0 w 726481"/>
+              <a:gd name="connsiteY6" fmla="*/ 1722566 h 1904186"/>
+              <a:gd name="connsiteX0" fmla="*/ 726481 w 726481"/>
+              <a:gd name="connsiteY0" fmla="*/ 997498 h 1904186"/>
+              <a:gd name="connsiteX1" fmla="*/ 0 w 726481"/>
+              <a:gd name="connsiteY1" fmla="*/ 181620 h 1904186"/>
+              <a:gd name="connsiteX2" fmla="*/ 0 w 726481"/>
+              <a:gd name="connsiteY2" fmla="*/ 0 h 1904186"/>
+              <a:gd name="connsiteX3" fmla="*/ 726481 w 726481"/>
+              <a:gd name="connsiteY3" fmla="*/ 815878 h 1904186"/>
+              <a:gd name="connsiteX4" fmla="*/ 726481 w 726481"/>
+              <a:gd name="connsiteY4" fmla="*/ 997498 h 1904186"/>
+              <a:gd name="connsiteX0" fmla="*/ 726481 w 726481"/>
+              <a:gd name="connsiteY0" fmla="*/ 997498 h 1904186"/>
+              <a:gd name="connsiteX1" fmla="*/ 0 w 726481"/>
+              <a:gd name="connsiteY1" fmla="*/ 181620 h 1904186"/>
+              <a:gd name="connsiteX2" fmla="*/ 0 w 726481"/>
+              <a:gd name="connsiteY2" fmla="*/ 0 h 1904186"/>
+              <a:gd name="connsiteX3" fmla="*/ 726481 w 726481"/>
+              <a:gd name="connsiteY3" fmla="*/ 815878 h 1904186"/>
+              <a:gd name="connsiteX4" fmla="*/ 726481 w 726481"/>
+              <a:gd name="connsiteY4" fmla="*/ 997498 h 1904186"/>
+              <a:gd name="connsiteX5" fmla="*/ 181620 w 726481"/>
+              <a:gd name="connsiteY5" fmla="*/ 1787468 h 1904186"/>
+              <a:gd name="connsiteX6" fmla="*/ 181620 w 726481"/>
+              <a:gd name="connsiteY6" fmla="*/ 1878278 h 1904186"/>
+              <a:gd name="connsiteX7" fmla="*/ 0 w 726481"/>
+              <a:gd name="connsiteY7" fmla="*/ 1722566 h 1904186"/>
+              <a:gd name="connsiteX8" fmla="*/ 181620 w 726481"/>
+              <a:gd name="connsiteY8" fmla="*/ 1515038 h 1904186"/>
+              <a:gd name="connsiteX9" fmla="*/ 181620 w 726481"/>
+              <a:gd name="connsiteY9" fmla="*/ 1605848 h 1904186"/>
+              <a:gd name="connsiteX10" fmla="*/ 721967 w 726481"/>
+              <a:gd name="connsiteY10" fmla="*/ 906688 h 1904186"/>
+              <a:gd name="connsiteX0" fmla="*/ 0 w 726523"/>
+              <a:gd name="connsiteY0" fmla="*/ 1722566 h 1878278"/>
+              <a:gd name="connsiteX1" fmla="*/ 181620 w 726523"/>
+              <a:gd name="connsiteY1" fmla="*/ 1515038 h 1878278"/>
+              <a:gd name="connsiteX2" fmla="*/ 181620 w 726523"/>
+              <a:gd name="connsiteY2" fmla="*/ 1605848 h 1878278"/>
+              <a:gd name="connsiteX3" fmla="*/ 721967 w 726523"/>
+              <a:gd name="connsiteY3" fmla="*/ 906688 h 1878278"/>
+              <a:gd name="connsiteX4" fmla="*/ 181620 w 726523"/>
+              <a:gd name="connsiteY4" fmla="*/ 1787469 h 1878278"/>
+              <a:gd name="connsiteX5" fmla="*/ 181620 w 726523"/>
+              <a:gd name="connsiteY5" fmla="*/ 1878278 h 1878278"/>
+              <a:gd name="connsiteX6" fmla="*/ 0 w 726523"/>
+              <a:gd name="connsiteY6" fmla="*/ 1722566 h 1878278"/>
+              <a:gd name="connsiteX0" fmla="*/ 726481 w 726523"/>
+              <a:gd name="connsiteY0" fmla="*/ 997498 h 1878278"/>
+              <a:gd name="connsiteX1" fmla="*/ 0 w 726523"/>
+              <a:gd name="connsiteY1" fmla="*/ 181620 h 1878278"/>
+              <a:gd name="connsiteX2" fmla="*/ 0 w 726523"/>
+              <a:gd name="connsiteY2" fmla="*/ 0 h 1878278"/>
+              <a:gd name="connsiteX3" fmla="*/ 726481 w 726523"/>
+              <a:gd name="connsiteY3" fmla="*/ 815878 h 1878278"/>
+              <a:gd name="connsiteX4" fmla="*/ 726481 w 726523"/>
+              <a:gd name="connsiteY4" fmla="*/ 997498 h 1878278"/>
+              <a:gd name="connsiteX0" fmla="*/ 726481 w 726523"/>
+              <a:gd name="connsiteY0" fmla="*/ 997498 h 1878278"/>
+              <a:gd name="connsiteX1" fmla="*/ 0 w 726523"/>
+              <a:gd name="connsiteY1" fmla="*/ 181620 h 1878278"/>
+              <a:gd name="connsiteX2" fmla="*/ 0 w 726523"/>
+              <a:gd name="connsiteY2" fmla="*/ 0 h 1878278"/>
+              <a:gd name="connsiteX3" fmla="*/ 726481 w 726523"/>
+              <a:gd name="connsiteY3" fmla="*/ 997498 h 1878278"/>
+              <a:gd name="connsiteX4" fmla="*/ 181620 w 726523"/>
+              <a:gd name="connsiteY4" fmla="*/ 1787468 h 1878278"/>
+              <a:gd name="connsiteX5" fmla="*/ 181620 w 726523"/>
+              <a:gd name="connsiteY5" fmla="*/ 1878278 h 1878278"/>
+              <a:gd name="connsiteX6" fmla="*/ 0 w 726523"/>
+              <a:gd name="connsiteY6" fmla="*/ 1722566 h 1878278"/>
+              <a:gd name="connsiteX7" fmla="*/ 181620 w 726523"/>
+              <a:gd name="connsiteY7" fmla="*/ 1515038 h 1878278"/>
+              <a:gd name="connsiteX8" fmla="*/ 181620 w 726523"/>
+              <a:gd name="connsiteY8" fmla="*/ 1605848 h 1878278"/>
+              <a:gd name="connsiteX9" fmla="*/ 721967 w 726523"/>
+              <a:gd name="connsiteY9" fmla="*/ 906688 h 1878278"/>
+              <a:gd name="connsiteX0" fmla="*/ 0 w 726523"/>
+              <a:gd name="connsiteY0" fmla="*/ 1722566 h 1878278"/>
+              <a:gd name="connsiteX1" fmla="*/ 181620 w 726523"/>
+              <a:gd name="connsiteY1" fmla="*/ 1515038 h 1878278"/>
+              <a:gd name="connsiteX2" fmla="*/ 181620 w 726523"/>
+              <a:gd name="connsiteY2" fmla="*/ 1605848 h 1878278"/>
+              <a:gd name="connsiteX3" fmla="*/ 721967 w 726523"/>
+              <a:gd name="connsiteY3" fmla="*/ 906688 h 1878278"/>
+              <a:gd name="connsiteX4" fmla="*/ 181620 w 726523"/>
+              <a:gd name="connsiteY4" fmla="*/ 1787469 h 1878278"/>
+              <a:gd name="connsiteX5" fmla="*/ 181620 w 726523"/>
+              <a:gd name="connsiteY5" fmla="*/ 1878278 h 1878278"/>
+              <a:gd name="connsiteX6" fmla="*/ 0 w 726523"/>
+              <a:gd name="connsiteY6" fmla="*/ 1722566 h 1878278"/>
+              <a:gd name="connsiteX0" fmla="*/ 726481 w 726523"/>
+              <a:gd name="connsiteY0" fmla="*/ 997498 h 1878278"/>
+              <a:gd name="connsiteX1" fmla="*/ 0 w 726523"/>
+              <a:gd name="connsiteY1" fmla="*/ 181620 h 1878278"/>
+              <a:gd name="connsiteX2" fmla="*/ 0 w 726523"/>
+              <a:gd name="connsiteY2" fmla="*/ 0 h 1878278"/>
+              <a:gd name="connsiteX3" fmla="*/ 726481 w 726523"/>
+              <a:gd name="connsiteY3" fmla="*/ 815878 h 1878278"/>
+              <a:gd name="connsiteX4" fmla="*/ 726481 w 726523"/>
+              <a:gd name="connsiteY4" fmla="*/ 997498 h 1878278"/>
+              <a:gd name="connsiteX0" fmla="*/ 726481 w 726523"/>
+              <a:gd name="connsiteY0" fmla="*/ 997498 h 1878278"/>
+              <a:gd name="connsiteX1" fmla="*/ 0 w 726523"/>
+              <a:gd name="connsiteY1" fmla="*/ 181620 h 1878278"/>
+              <a:gd name="connsiteX2" fmla="*/ 726481 w 726523"/>
+              <a:gd name="connsiteY2" fmla="*/ 997498 h 1878278"/>
+              <a:gd name="connsiteX3" fmla="*/ 181620 w 726523"/>
+              <a:gd name="connsiteY3" fmla="*/ 1787468 h 1878278"/>
+              <a:gd name="connsiteX4" fmla="*/ 181620 w 726523"/>
+              <a:gd name="connsiteY4" fmla="*/ 1878278 h 1878278"/>
+              <a:gd name="connsiteX5" fmla="*/ 0 w 726523"/>
+              <a:gd name="connsiteY5" fmla="*/ 1722566 h 1878278"/>
+              <a:gd name="connsiteX6" fmla="*/ 181620 w 726523"/>
+              <a:gd name="connsiteY6" fmla="*/ 1515038 h 1878278"/>
+              <a:gd name="connsiteX7" fmla="*/ 181620 w 726523"/>
+              <a:gd name="connsiteY7" fmla="*/ 1605848 h 1878278"/>
+              <a:gd name="connsiteX8" fmla="*/ 721967 w 726523"/>
+              <a:gd name="connsiteY8" fmla="*/ 906688 h 1878278"/>
+              <a:gd name="connsiteX0" fmla="*/ 0 w 726523"/>
+              <a:gd name="connsiteY0" fmla="*/ 1722566 h 1878278"/>
+              <a:gd name="connsiteX1" fmla="*/ 181620 w 726523"/>
+              <a:gd name="connsiteY1" fmla="*/ 1515038 h 1878278"/>
+              <a:gd name="connsiteX2" fmla="*/ 181620 w 726523"/>
+              <a:gd name="connsiteY2" fmla="*/ 1605848 h 1878278"/>
+              <a:gd name="connsiteX3" fmla="*/ 721967 w 726523"/>
+              <a:gd name="connsiteY3" fmla="*/ 906688 h 1878278"/>
+              <a:gd name="connsiteX4" fmla="*/ 181620 w 726523"/>
+              <a:gd name="connsiteY4" fmla="*/ 1787469 h 1878278"/>
+              <a:gd name="connsiteX5" fmla="*/ 181620 w 726523"/>
+              <a:gd name="connsiteY5" fmla="*/ 1878278 h 1878278"/>
+              <a:gd name="connsiteX6" fmla="*/ 0 w 726523"/>
+              <a:gd name="connsiteY6" fmla="*/ 1722566 h 1878278"/>
+              <a:gd name="connsiteX0" fmla="*/ 726481 w 726523"/>
+              <a:gd name="connsiteY0" fmla="*/ 997498 h 1878278"/>
+              <a:gd name="connsiteX1" fmla="*/ 0 w 726523"/>
+              <a:gd name="connsiteY1" fmla="*/ 181620 h 1878278"/>
+              <a:gd name="connsiteX2" fmla="*/ 0 w 726523"/>
+              <a:gd name="connsiteY2" fmla="*/ 0 h 1878278"/>
+              <a:gd name="connsiteX3" fmla="*/ 726481 w 726523"/>
+              <a:gd name="connsiteY3" fmla="*/ 815878 h 1878278"/>
+              <a:gd name="connsiteX4" fmla="*/ 726481 w 726523"/>
+              <a:gd name="connsiteY4" fmla="*/ 997498 h 1878278"/>
+              <a:gd name="connsiteX0" fmla="*/ 726481 w 726523"/>
+              <a:gd name="connsiteY0" fmla="*/ 997498 h 1878278"/>
+              <a:gd name="connsiteX1" fmla="*/ 726481 w 726523"/>
+              <a:gd name="connsiteY1" fmla="*/ 997498 h 1878278"/>
+              <a:gd name="connsiteX2" fmla="*/ 181620 w 726523"/>
+              <a:gd name="connsiteY2" fmla="*/ 1787468 h 1878278"/>
+              <a:gd name="connsiteX3" fmla="*/ 181620 w 726523"/>
+              <a:gd name="connsiteY3" fmla="*/ 1878278 h 1878278"/>
+              <a:gd name="connsiteX4" fmla="*/ 0 w 726523"/>
+              <a:gd name="connsiteY4" fmla="*/ 1722566 h 1878278"/>
+              <a:gd name="connsiteX5" fmla="*/ 181620 w 726523"/>
+              <a:gd name="connsiteY5" fmla="*/ 1515038 h 1878278"/>
+              <a:gd name="connsiteX6" fmla="*/ 181620 w 726523"/>
+              <a:gd name="connsiteY6" fmla="*/ 1605848 h 1878278"/>
+              <a:gd name="connsiteX7" fmla="*/ 721967 w 726523"/>
+              <a:gd name="connsiteY7" fmla="*/ 906688 h 1878278"/>
+              <a:gd name="connsiteX0" fmla="*/ 0 w 726523"/>
+              <a:gd name="connsiteY0" fmla="*/ 1540946 h 1696658"/>
+              <a:gd name="connsiteX1" fmla="*/ 181620 w 726523"/>
+              <a:gd name="connsiteY1" fmla="*/ 1333418 h 1696658"/>
+              <a:gd name="connsiteX2" fmla="*/ 181620 w 726523"/>
+              <a:gd name="connsiteY2" fmla="*/ 1424228 h 1696658"/>
+              <a:gd name="connsiteX3" fmla="*/ 721967 w 726523"/>
+              <a:gd name="connsiteY3" fmla="*/ 725068 h 1696658"/>
+              <a:gd name="connsiteX4" fmla="*/ 181620 w 726523"/>
+              <a:gd name="connsiteY4" fmla="*/ 1605849 h 1696658"/>
+              <a:gd name="connsiteX5" fmla="*/ 181620 w 726523"/>
+              <a:gd name="connsiteY5" fmla="*/ 1696658 h 1696658"/>
+              <a:gd name="connsiteX6" fmla="*/ 0 w 726523"/>
+              <a:gd name="connsiteY6" fmla="*/ 1540946 h 1696658"/>
+              <a:gd name="connsiteX0" fmla="*/ 726481 w 726523"/>
+              <a:gd name="connsiteY0" fmla="*/ 815878 h 1696658"/>
+              <a:gd name="connsiteX1" fmla="*/ 0 w 726523"/>
+              <a:gd name="connsiteY1" fmla="*/ 0 h 1696658"/>
+              <a:gd name="connsiteX2" fmla="*/ 726481 w 726523"/>
+              <a:gd name="connsiteY2" fmla="*/ 634258 h 1696658"/>
+              <a:gd name="connsiteX3" fmla="*/ 726481 w 726523"/>
+              <a:gd name="connsiteY3" fmla="*/ 815878 h 1696658"/>
+              <a:gd name="connsiteX0" fmla="*/ 726481 w 726523"/>
+              <a:gd name="connsiteY0" fmla="*/ 815878 h 1696658"/>
+              <a:gd name="connsiteX1" fmla="*/ 726481 w 726523"/>
+              <a:gd name="connsiteY1" fmla="*/ 815878 h 1696658"/>
+              <a:gd name="connsiteX2" fmla="*/ 181620 w 726523"/>
+              <a:gd name="connsiteY2" fmla="*/ 1605848 h 1696658"/>
+              <a:gd name="connsiteX3" fmla="*/ 181620 w 726523"/>
+              <a:gd name="connsiteY3" fmla="*/ 1696658 h 1696658"/>
+              <a:gd name="connsiteX4" fmla="*/ 0 w 726523"/>
+              <a:gd name="connsiteY4" fmla="*/ 1540946 h 1696658"/>
+              <a:gd name="connsiteX5" fmla="*/ 181620 w 726523"/>
+              <a:gd name="connsiteY5" fmla="*/ 1333418 h 1696658"/>
+              <a:gd name="connsiteX6" fmla="*/ 181620 w 726523"/>
+              <a:gd name="connsiteY6" fmla="*/ 1424228 h 1696658"/>
+              <a:gd name="connsiteX7" fmla="*/ 721967 w 726523"/>
+              <a:gd name="connsiteY7" fmla="*/ 725068 h 1696658"/>
+              <a:gd name="connsiteX0" fmla="*/ 0 w 726523"/>
+              <a:gd name="connsiteY0" fmla="*/ 906688 h 1062400"/>
+              <a:gd name="connsiteX1" fmla="*/ 181620 w 726523"/>
+              <a:gd name="connsiteY1" fmla="*/ 699160 h 1062400"/>
+              <a:gd name="connsiteX2" fmla="*/ 181620 w 726523"/>
+              <a:gd name="connsiteY2" fmla="*/ 789970 h 1062400"/>
+              <a:gd name="connsiteX3" fmla="*/ 721967 w 726523"/>
+              <a:gd name="connsiteY3" fmla="*/ 90810 h 1062400"/>
+              <a:gd name="connsiteX4" fmla="*/ 181620 w 726523"/>
+              <a:gd name="connsiteY4" fmla="*/ 971591 h 1062400"/>
+              <a:gd name="connsiteX5" fmla="*/ 181620 w 726523"/>
+              <a:gd name="connsiteY5" fmla="*/ 1062400 h 1062400"/>
+              <a:gd name="connsiteX6" fmla="*/ 0 w 726523"/>
+              <a:gd name="connsiteY6" fmla="*/ 906688 h 1062400"/>
+              <a:gd name="connsiteX0" fmla="*/ 726481 w 726523"/>
+              <a:gd name="connsiteY0" fmla="*/ 181620 h 1062400"/>
+              <a:gd name="connsiteX1" fmla="*/ 726481 w 726523"/>
+              <a:gd name="connsiteY1" fmla="*/ 0 h 1062400"/>
+              <a:gd name="connsiteX2" fmla="*/ 726481 w 726523"/>
+              <a:gd name="connsiteY2" fmla="*/ 181620 h 1062400"/>
+              <a:gd name="connsiteX0" fmla="*/ 726481 w 726523"/>
+              <a:gd name="connsiteY0" fmla="*/ 181620 h 1062400"/>
+              <a:gd name="connsiteX1" fmla="*/ 726481 w 726523"/>
+              <a:gd name="connsiteY1" fmla="*/ 181620 h 1062400"/>
+              <a:gd name="connsiteX2" fmla="*/ 181620 w 726523"/>
+              <a:gd name="connsiteY2" fmla="*/ 971590 h 1062400"/>
+              <a:gd name="connsiteX3" fmla="*/ 181620 w 726523"/>
+              <a:gd name="connsiteY3" fmla="*/ 1062400 h 1062400"/>
+              <a:gd name="connsiteX4" fmla="*/ 0 w 726523"/>
+              <a:gd name="connsiteY4" fmla="*/ 906688 h 1062400"/>
+              <a:gd name="connsiteX5" fmla="*/ 181620 w 726523"/>
+              <a:gd name="connsiteY5" fmla="*/ 699160 h 1062400"/>
+              <a:gd name="connsiteX6" fmla="*/ 181620 w 726523"/>
+              <a:gd name="connsiteY6" fmla="*/ 789970 h 1062400"/>
+              <a:gd name="connsiteX7" fmla="*/ 721967 w 726523"/>
+              <a:gd name="connsiteY7" fmla="*/ 90810 h 1062400"/>
+            </a:gdLst>
+            <a:ahLst/>
+            <a:cxnLst>
+              <a:cxn ang="0">
+                <a:pos x="connsiteX0" y="connsiteY0"/>
+              </a:cxn>
+              <a:cxn ang="0">
+                <a:pos x="connsiteX1" y="connsiteY1"/>
+              </a:cxn>
+              <a:cxn ang="0">
+                <a:pos x="connsiteX2" y="connsiteY2"/>
+              </a:cxn>
+              <a:cxn ang="0">
+                <a:pos x="connsiteX3" y="connsiteY3"/>
+              </a:cxn>
+              <a:cxn ang="0">
+                <a:pos x="connsiteX4" y="connsiteY4"/>
+              </a:cxn>
+              <a:cxn ang="0">
+                <a:pos x="connsiteX5" y="connsiteY5"/>
+              </a:cxn>
+              <a:cxn ang="0">
+                <a:pos x="connsiteX6" y="connsiteY6"/>
+              </a:cxn>
+              <a:cxn ang="0">
+                <a:pos x="connsiteX7" y="connsiteY7"/>
+              </a:cxn>
+            </a:cxnLst>
+            <a:rect l="l" t="t" r="r" b="b"/>
+            <a:pathLst>
+              <a:path w="726523" h="1062400" stroke="0" extrusionOk="0">
+                <a:moveTo>
+                  <a:pt x="0" y="906688"/>
+                </a:moveTo>
+                <a:lnTo>
+                  <a:pt x="181620" y="699160"/>
+                </a:lnTo>
+                <a:lnTo>
+                  <a:pt x="181620" y="789970"/>
+                </a:lnTo>
+                <a:cubicBezTo>
+                  <a:pt x="473433" y="705353"/>
+                  <a:pt x="688422" y="427176"/>
+                  <a:pt x="721967" y="90810"/>
+                </a:cubicBezTo>
+                <a:cubicBezTo>
+                  <a:pt x="762230" y="494541"/>
+                  <a:pt x="531874" y="870027"/>
+                  <a:pt x="181620" y="971591"/>
+                </a:cubicBezTo>
+                <a:lnTo>
+                  <a:pt x="181620" y="1062400"/>
+                </a:lnTo>
+                <a:lnTo>
+                  <a:pt x="0" y="906688"/>
+                </a:lnTo>
+                <a:close/>
+              </a:path>
+              <a:path w="726523" h="1062400" fill="darkenLess" stroke="0" extrusionOk="0">
+                <a:moveTo>
+                  <a:pt x="726481" y="181620"/>
+                </a:moveTo>
+                <a:lnTo>
+                  <a:pt x="726481" y="0"/>
+                </a:lnTo>
+                <a:lnTo>
+                  <a:pt x="726481" y="181620"/>
+                </a:lnTo>
+                <a:close/>
+              </a:path>
+              <a:path w="726523" h="1062400" fill="none" extrusionOk="0">
+                <a:moveTo>
+                  <a:pt x="726481" y="181620"/>
+                </a:moveTo>
+                <a:lnTo>
+                  <a:pt x="726481" y="181620"/>
+                </a:lnTo>
+                <a:cubicBezTo>
+                  <a:pt x="726481" y="553659"/>
+                  <a:pt x="502375" y="878581"/>
+                  <a:pt x="181620" y="971590"/>
+                </a:cubicBezTo>
+                <a:lnTo>
+                  <a:pt x="181620" y="1062400"/>
+                </a:lnTo>
+                <a:lnTo>
+                  <a:pt x="0" y="906688"/>
+                </a:lnTo>
+                <a:lnTo>
+                  <a:pt x="181620" y="699160"/>
+                </a:lnTo>
+                <a:lnTo>
+                  <a:pt x="181620" y="789970"/>
+                </a:lnTo>
+                <a:cubicBezTo>
+                  <a:pt x="473433" y="705353"/>
+                  <a:pt x="688422" y="427176"/>
+                  <a:pt x="721967" y="90810"/>
+                </a:cubicBezTo>
+              </a:path>
+            </a:pathLst>
+          </a:custGeom>
+          <a:solidFill>
+            <a:schemeClr val="accent1"/>
+          </a:solidFill>
+          <a:ln>
+            <a:noFill/>
+          </a:ln>
+        </p:spPr>
+        <p:style>
+          <a:lnRef idx="2">
+            <a:schemeClr val="accent1">
+              <a:shade val="50000"/>
+            </a:schemeClr>
+          </a:lnRef>
+          <a:fillRef idx="1">
+            <a:schemeClr val="accent1"/>
+          </a:fillRef>
+          <a:effectRef idx="0">
+            <a:schemeClr val="accent1"/>
+          </a:effectRef>
+          <a:fontRef idx="minor">
+            <a:schemeClr val="lt1"/>
+          </a:fontRef>
+        </p:style>
+        <p:txBody>
+          <a:bodyPr rtlCol="0" anchor="ctr"/>
+          <a:lstStyle/>
+          <a:p>
+            <a:pPr algn="ctr"/>
+            <a:endParaRPr kumimoji="1" lang="ja-JP" altLang="en-US">
+              <a:solidFill>
+                <a:schemeClr val="accent1"/>
+              </a:solidFill>
+            </a:endParaRPr>
+          </a:p>
+        </p:txBody>
+      </p:sp>
+    </p:spTree>
+    <p:extLst>
+      <p:ext uri="{BB962C8B-B14F-4D97-AF65-F5344CB8AC3E}">
+        <p14:creationId xmlns:p14="http://schemas.microsoft.com/office/powerpoint/2010/main" val="1698167163"/>
+      </p:ext>
+    </p:extLst>
+  </p:cSld>
+  <p:clrMapOvr>
+    <a:masterClrMapping/>
+  </p:clrMapOvr>
+</p:sld>
+</file>
+
 <file path=ppt/theme/theme1.xml><?xml version="1.0" encoding="utf-8"?>
 <a:theme xmlns:a="http://schemas.openxmlformats.org/drawingml/2006/main" name="Office テーマ">
   <a:themeElements>
